--- a/Presentation.pptx
+++ b/Presentation.pptx
@@ -5,10 +5,10 @@
     <p:sldMasterId id="2147483648" r:id="rId1"/>
   </p:sldMasterIdLst>
   <p:notesMasterIdLst>
-    <p:notesMasterId r:id="rId14"/>
+    <p:notesMasterId r:id="rId13"/>
   </p:notesMasterIdLst>
   <p:handoutMasterIdLst>
-    <p:handoutMasterId r:id="rId15"/>
+    <p:handoutMasterId r:id="rId14"/>
   </p:handoutMasterIdLst>
   <p:sldIdLst>
     <p:sldId id="256" r:id="rId2"/>
@@ -16,13 +16,12 @@
     <p:sldId id="276" r:id="rId4"/>
     <p:sldId id="277" r:id="rId5"/>
     <p:sldId id="289" r:id="rId6"/>
-    <p:sldId id="288" r:id="rId7"/>
-    <p:sldId id="290" r:id="rId8"/>
-    <p:sldId id="291" r:id="rId9"/>
-    <p:sldId id="292" r:id="rId10"/>
-    <p:sldId id="293" r:id="rId11"/>
-    <p:sldId id="294" r:id="rId12"/>
-    <p:sldId id="285" r:id="rId13"/>
+    <p:sldId id="278" r:id="rId7"/>
+    <p:sldId id="288" r:id="rId8"/>
+    <p:sldId id="290" r:id="rId9"/>
+    <p:sldId id="291" r:id="rId10"/>
+    <p:sldId id="285" r:id="rId11"/>
+    <p:sldId id="279" r:id="rId12"/>
   </p:sldIdLst>
   <p:sldSz cx="12192000" cy="6858000"/>
   <p:notesSz cx="6858000" cy="9144000"/>
@@ -161,6 +160,799 @@
     </p:ext>
   </p:extLst>
 </p:presentation>
+</file>
+
+<file path=ppt/charts/chart1.xml><?xml version="1.0" encoding="utf-8"?>
+<c:chartSpace xmlns:c="http://schemas.openxmlformats.org/drawingml/2006/chart" xmlns:a="http://schemas.openxmlformats.org/drawingml/2006/main" xmlns:r="http://schemas.openxmlformats.org/officeDocument/2006/relationships" xmlns:c16r2="http://schemas.microsoft.com/office/drawing/2015/06/chart">
+  <c:date1904 val="0"/>
+  <c:lang val="ru-RU"/>
+  <c:roundedCorners val="0"/>
+  <mc:AlternateContent xmlns:mc="http://schemas.openxmlformats.org/markup-compatibility/2006">
+    <mc:Choice xmlns:c14="http://schemas.microsoft.com/office/drawing/2007/8/2/chart" Requires="c14">
+      <c14:style val="102"/>
+    </mc:Choice>
+    <mc:Fallback>
+      <c:style val="2"/>
+    </mc:Fallback>
+  </mc:AlternateContent>
+  <c:chart>
+    <c:autoTitleDeleted val="1"/>
+    <c:plotArea>
+      <c:layout/>
+      <c:lineChart>
+        <c:grouping val="standard"/>
+        <c:varyColors val="0"/>
+        <c:ser>
+          <c:idx val="2"/>
+          <c:order val="0"/>
+          <c:tx>
+            <c:strRef>
+              <c:f>Sheet1!$D$1</c:f>
+              <c:strCache>
+                <c:ptCount val="1"/>
+                <c:pt idx="0">
+                  <c:v>Ряд 3</c:v>
+                </c:pt>
+              </c:strCache>
+            </c:strRef>
+          </c:tx>
+          <c:spPr>
+            <a:ln w="28575" cap="rnd">
+              <a:solidFill>
+                <a:schemeClr val="accent3"/>
+              </a:solidFill>
+              <a:round/>
+            </a:ln>
+            <a:effectLst/>
+          </c:spPr>
+          <c:marker>
+            <c:symbol val="circle"/>
+            <c:size val="5"/>
+            <c:spPr>
+              <a:solidFill>
+                <a:schemeClr val="accent3"/>
+              </a:solidFill>
+              <a:ln w="9525">
+                <a:solidFill>
+                  <a:schemeClr val="accent3"/>
+                </a:solidFill>
+              </a:ln>
+              <a:effectLst/>
+            </c:spPr>
+          </c:marker>
+          <c:cat>
+            <c:strRef>
+              <c:f>Sheet1!$A$2:$A$10</c:f>
+              <c:strCache>
+                <c:ptCount val="4"/>
+                <c:pt idx="0">
+                  <c:v>Категория 1</c:v>
+                </c:pt>
+                <c:pt idx="1">
+                  <c:v>Категория 2</c:v>
+                </c:pt>
+                <c:pt idx="2">
+                  <c:v>Категория 3</c:v>
+                </c:pt>
+                <c:pt idx="3">
+                  <c:v>Категория 4</c:v>
+                </c:pt>
+              </c:strCache>
+            </c:strRef>
+          </c:cat>
+          <c:val>
+            <c:numRef>
+              <c:f>Sheet1!$D$2:$D$10</c:f>
+              <c:numCache>
+                <c:formatCode>General</c:formatCode>
+                <c:ptCount val="9"/>
+                <c:pt idx="0">
+                  <c:v>2</c:v>
+                </c:pt>
+                <c:pt idx="1">
+                  <c:v>2</c:v>
+                </c:pt>
+                <c:pt idx="2">
+                  <c:v>3</c:v>
+                </c:pt>
+                <c:pt idx="3">
+                  <c:v>5</c:v>
+                </c:pt>
+                <c:pt idx="4">
+                  <c:v>7</c:v>
+                </c:pt>
+                <c:pt idx="5">
+                  <c:v>9</c:v>
+                </c:pt>
+                <c:pt idx="6">
+                  <c:v>12</c:v>
+                </c:pt>
+                <c:pt idx="7">
+                  <c:v>15</c:v>
+                </c:pt>
+                <c:pt idx="8">
+                  <c:v>20</c:v>
+                </c:pt>
+              </c:numCache>
+            </c:numRef>
+          </c:val>
+          <c:smooth val="0"/>
+          <c:extLst>
+            <c:ext xmlns:c16="http://schemas.microsoft.com/office/drawing/2014/chart" uri="{C3380CC4-5D6E-409C-BE32-E72D297353CC}">
+              <c16:uniqueId val="{00000000-EB43-48CE-BE49-4183B53460AF}"/>
+            </c:ext>
+          </c:extLst>
+        </c:ser>
+        <c:dLbls>
+          <c:showLegendKey val="0"/>
+          <c:showVal val="0"/>
+          <c:showCatName val="0"/>
+          <c:showSerName val="0"/>
+          <c:showPercent val="0"/>
+          <c:showBubbleSize val="0"/>
+        </c:dLbls>
+        <c:marker val="1"/>
+        <c:smooth val="0"/>
+        <c:axId val="659086552"/>
+        <c:axId val="659085568"/>
+      </c:lineChart>
+      <c:catAx>
+        <c:axId val="659086552"/>
+        <c:scaling>
+          <c:orientation val="minMax"/>
+        </c:scaling>
+        <c:delete val="1"/>
+        <c:axPos val="b"/>
+        <c:numFmt formatCode="General" sourceLinked="1"/>
+        <c:majorTickMark val="none"/>
+        <c:minorTickMark val="none"/>
+        <c:tickLblPos val="nextTo"/>
+        <c:crossAx val="659085568"/>
+        <c:crosses val="autoZero"/>
+        <c:auto val="1"/>
+        <c:lblAlgn val="ctr"/>
+        <c:lblOffset val="100"/>
+        <c:noMultiLvlLbl val="0"/>
+      </c:catAx>
+      <c:valAx>
+        <c:axId val="659085568"/>
+        <c:scaling>
+          <c:orientation val="minMax"/>
+        </c:scaling>
+        <c:delete val="0"/>
+        <c:axPos val="l"/>
+        <c:majorGridlines>
+          <c:spPr>
+            <a:ln w="9525" cap="flat" cmpd="sng" algn="ctr">
+              <a:solidFill>
+                <a:schemeClr val="tx1">
+                  <a:lumMod val="15000"/>
+                  <a:lumOff val="85000"/>
+                </a:schemeClr>
+              </a:solidFill>
+              <a:round/>
+            </a:ln>
+            <a:effectLst/>
+          </c:spPr>
+        </c:majorGridlines>
+        <c:numFmt formatCode="General" sourceLinked="1"/>
+        <c:majorTickMark val="none"/>
+        <c:minorTickMark val="none"/>
+        <c:tickLblPos val="nextTo"/>
+        <c:spPr>
+          <a:noFill/>
+          <a:ln>
+            <a:noFill/>
+          </a:ln>
+          <a:effectLst/>
+        </c:spPr>
+        <c:txPr>
+          <a:bodyPr rot="-60000000" spcFirstLastPara="1" vertOverflow="ellipsis" vert="horz" wrap="square" anchor="ctr" anchorCtr="1"/>
+          <a:lstStyle/>
+          <a:p>
+            <a:pPr>
+              <a:defRPr lang="ru-RU" sz="1197" b="0" i="0" u="none" strike="noStrike" kern="1200" baseline="0" noProof="0">
+                <a:solidFill>
+                  <a:schemeClr val="tx1">
+                    <a:lumMod val="65000"/>
+                    <a:lumOff val="35000"/>
+                  </a:schemeClr>
+                </a:solidFill>
+                <a:latin typeface="+mn-lt"/>
+                <a:ea typeface="+mn-ea"/>
+                <a:cs typeface="+mn-cs"/>
+              </a:defRPr>
+            </a:pPr>
+            <a:endParaRPr lang="ru-RU"/>
+          </a:p>
+        </c:txPr>
+        <c:crossAx val="659086552"/>
+        <c:crosses val="autoZero"/>
+        <c:crossBetween val="between"/>
+      </c:valAx>
+      <c:spPr>
+        <a:noFill/>
+        <a:ln>
+          <a:noFill/>
+        </a:ln>
+        <a:effectLst/>
+      </c:spPr>
+    </c:plotArea>
+    <c:plotVisOnly val="1"/>
+    <c:dispBlanksAs val="gap"/>
+    <c:extLst>
+      <c:ext xmlns:c16r3="http://schemas.microsoft.com/office/drawing/2017/03/chart" uri="{56B9EC1D-385E-4148-901F-78D8002777C0}">
+        <c16r3:dataDisplayOptions16>
+          <c16r3:dispNaAsBlank val="1"/>
+        </c16r3:dataDisplayOptions16>
+      </c:ext>
+    </c:extLst>
+    <c:showDLblsOverMax val="0"/>
+  </c:chart>
+  <c:spPr>
+    <a:noFill/>
+    <a:ln>
+      <a:noFill/>
+    </a:ln>
+    <a:effectLst/>
+  </c:spPr>
+  <c:txPr>
+    <a:bodyPr/>
+    <a:lstStyle/>
+    <a:p>
+      <a:pPr>
+        <a:defRPr lang="ru-RU" noProof="0"/>
+      </a:pPr>
+      <a:endParaRPr lang="ru-RU"/>
+    </a:p>
+  </c:txPr>
+  <c:externalData r:id="rId3">
+    <c:autoUpdate val="0"/>
+  </c:externalData>
+</c:chartSpace>
+</file>
+
+<file path=ppt/charts/colors1.xml><?xml version="1.0" encoding="utf-8"?>
+<cs:colorStyle xmlns:cs="http://schemas.microsoft.com/office/drawing/2012/chartStyle" xmlns:a="http://schemas.openxmlformats.org/drawingml/2006/main" meth="cycle" id="10">
+  <a:schemeClr val="accent1"/>
+  <a:schemeClr val="accent2"/>
+  <a:schemeClr val="accent3"/>
+  <a:schemeClr val="accent4"/>
+  <a:schemeClr val="accent5"/>
+  <a:schemeClr val="accent6"/>
+  <cs:variation/>
+  <cs:variation>
+    <a:lumMod val="60000"/>
+  </cs:variation>
+  <cs:variation>
+    <a:lumMod val="80000"/>
+    <a:lumOff val="20000"/>
+  </cs:variation>
+  <cs:variation>
+    <a:lumMod val="80000"/>
+  </cs:variation>
+  <cs:variation>
+    <a:lumMod val="60000"/>
+    <a:lumOff val="40000"/>
+  </cs:variation>
+  <cs:variation>
+    <a:lumMod val="50000"/>
+  </cs:variation>
+  <cs:variation>
+    <a:lumMod val="70000"/>
+    <a:lumOff val="30000"/>
+  </cs:variation>
+  <cs:variation>
+    <a:lumMod val="70000"/>
+  </cs:variation>
+  <cs:variation>
+    <a:lumMod val="50000"/>
+    <a:lumOff val="50000"/>
+  </cs:variation>
+</cs:colorStyle>
+</file>
+
+<file path=ppt/charts/style1.xml><?xml version="1.0" encoding="utf-8"?>
+<cs:chartStyle xmlns:cs="http://schemas.microsoft.com/office/drawing/2012/chartStyle" xmlns:a="http://schemas.openxmlformats.org/drawingml/2006/main" id="332">
+  <cs:axisTitle>
+    <cs:lnRef idx="0"/>
+    <cs:fillRef idx="0"/>
+    <cs:effectRef idx="0"/>
+    <cs:fontRef idx="minor">
+      <a:schemeClr val="tx1">
+        <a:lumMod val="65000"/>
+        <a:lumOff val="35000"/>
+      </a:schemeClr>
+    </cs:fontRef>
+    <cs:defRPr sz="1330" kern="1200"/>
+  </cs:axisTitle>
+  <cs:categoryAxis>
+    <cs:lnRef idx="0"/>
+    <cs:fillRef idx="0"/>
+    <cs:effectRef idx="0"/>
+    <cs:fontRef idx="minor">
+      <a:schemeClr val="tx1">
+        <a:lumMod val="65000"/>
+        <a:lumOff val="35000"/>
+      </a:schemeClr>
+    </cs:fontRef>
+    <cs:spPr>
+      <a:ln w="9525" cap="flat" cmpd="sng" algn="ctr">
+        <a:solidFill>
+          <a:schemeClr val="tx1">
+            <a:lumMod val="15000"/>
+            <a:lumOff val="85000"/>
+          </a:schemeClr>
+        </a:solidFill>
+        <a:round/>
+      </a:ln>
+    </cs:spPr>
+    <cs:defRPr sz="1197" kern="1200"/>
+  </cs:categoryAxis>
+  <cs:chartArea mods="allowNoFillOverride allowNoLineOverride">
+    <cs:lnRef idx="0"/>
+    <cs:fillRef idx="0"/>
+    <cs:effectRef idx="0"/>
+    <cs:fontRef idx="minor">
+      <a:schemeClr val="tx1"/>
+    </cs:fontRef>
+    <cs:spPr>
+      <a:solidFill>
+        <a:schemeClr val="bg1"/>
+      </a:solidFill>
+      <a:ln w="9525" cap="flat" cmpd="sng" algn="ctr">
+        <a:solidFill>
+          <a:schemeClr val="tx1">
+            <a:lumMod val="15000"/>
+            <a:lumOff val="85000"/>
+          </a:schemeClr>
+        </a:solidFill>
+        <a:round/>
+      </a:ln>
+    </cs:spPr>
+    <cs:defRPr sz="1330" kern="1200"/>
+  </cs:chartArea>
+  <cs:dataLabel>
+    <cs:lnRef idx="0"/>
+    <cs:fillRef idx="0"/>
+    <cs:effectRef idx="0"/>
+    <cs:fontRef idx="minor">
+      <a:schemeClr val="tx1">
+        <a:lumMod val="75000"/>
+        <a:lumOff val="25000"/>
+      </a:schemeClr>
+    </cs:fontRef>
+    <cs:defRPr sz="1197" kern="1200"/>
+  </cs:dataLabel>
+  <cs:dataLabelCallout>
+    <cs:lnRef idx="0"/>
+    <cs:fillRef idx="0"/>
+    <cs:effectRef idx="0"/>
+    <cs:fontRef idx="minor">
+      <a:schemeClr val="dk1">
+        <a:lumMod val="65000"/>
+        <a:lumOff val="35000"/>
+      </a:schemeClr>
+    </cs:fontRef>
+    <cs:spPr>
+      <a:solidFill>
+        <a:schemeClr val="lt1"/>
+      </a:solidFill>
+      <a:ln>
+        <a:solidFill>
+          <a:schemeClr val="dk1">
+            <a:lumMod val="25000"/>
+            <a:lumOff val="75000"/>
+          </a:schemeClr>
+        </a:solidFill>
+      </a:ln>
+    </cs:spPr>
+    <cs:defRPr sz="1197" kern="1200"/>
+    <cs:bodyPr rot="0" spcFirstLastPara="1" vertOverflow="clip" horzOverflow="clip" vert="horz" wrap="square" lIns="36576" tIns="18288" rIns="36576" bIns="18288" anchor="ctr" anchorCtr="1">
+      <a:spAutoFit/>
+    </cs:bodyPr>
+  </cs:dataLabelCallout>
+  <cs:dataPoint>
+    <cs:lnRef idx="0"/>
+    <cs:fillRef idx="1">
+      <cs:styleClr val="auto"/>
+    </cs:fillRef>
+    <cs:effectRef idx="0"/>
+    <cs:fontRef idx="minor">
+      <a:schemeClr val="tx1"/>
+    </cs:fontRef>
+  </cs:dataPoint>
+  <cs:dataPoint3D>
+    <cs:lnRef idx="0"/>
+    <cs:fillRef idx="1">
+      <cs:styleClr val="auto"/>
+    </cs:fillRef>
+    <cs:effectRef idx="0"/>
+    <cs:fontRef idx="minor">
+      <a:schemeClr val="tx1"/>
+    </cs:fontRef>
+  </cs:dataPoint3D>
+  <cs:dataPointLine>
+    <cs:lnRef idx="0">
+      <cs:styleClr val="auto"/>
+    </cs:lnRef>
+    <cs:fillRef idx="1"/>
+    <cs:effectRef idx="0"/>
+    <cs:fontRef idx="minor">
+      <a:schemeClr val="tx1"/>
+    </cs:fontRef>
+    <cs:spPr>
+      <a:ln w="28575" cap="rnd">
+        <a:solidFill>
+          <a:schemeClr val="phClr"/>
+        </a:solidFill>
+        <a:round/>
+      </a:ln>
+    </cs:spPr>
+  </cs:dataPointLine>
+  <cs:dataPointMarker>
+    <cs:lnRef idx="0">
+      <cs:styleClr val="auto"/>
+    </cs:lnRef>
+    <cs:fillRef idx="1">
+      <cs:styleClr val="auto"/>
+    </cs:fillRef>
+    <cs:effectRef idx="0"/>
+    <cs:fontRef idx="minor">
+      <a:schemeClr val="tx1"/>
+    </cs:fontRef>
+    <cs:spPr>
+      <a:ln w="9525">
+        <a:solidFill>
+          <a:schemeClr val="phClr"/>
+        </a:solidFill>
+      </a:ln>
+    </cs:spPr>
+  </cs:dataPointMarker>
+  <cs:dataPointMarkerLayout symbol="circle" size="5"/>
+  <cs:dataPointWireframe>
+    <cs:lnRef idx="0">
+      <cs:styleClr val="auto"/>
+    </cs:lnRef>
+    <cs:fillRef idx="1"/>
+    <cs:effectRef idx="0"/>
+    <cs:fontRef idx="minor">
+      <a:schemeClr val="tx1"/>
+    </cs:fontRef>
+    <cs:spPr>
+      <a:ln w="9525" cap="rnd">
+        <a:solidFill>
+          <a:schemeClr val="phClr"/>
+        </a:solidFill>
+        <a:round/>
+      </a:ln>
+    </cs:spPr>
+  </cs:dataPointWireframe>
+  <cs:dataTable>
+    <cs:lnRef idx="0"/>
+    <cs:fillRef idx="0"/>
+    <cs:effectRef idx="0"/>
+    <cs:fontRef idx="minor">
+      <a:schemeClr val="tx1">
+        <a:lumMod val="65000"/>
+        <a:lumOff val="35000"/>
+      </a:schemeClr>
+    </cs:fontRef>
+    <cs:spPr>
+      <a:noFill/>
+      <a:ln w="9525" cap="flat" cmpd="sng" algn="ctr">
+        <a:solidFill>
+          <a:schemeClr val="tx1">
+            <a:lumMod val="15000"/>
+            <a:lumOff val="85000"/>
+          </a:schemeClr>
+        </a:solidFill>
+        <a:round/>
+      </a:ln>
+    </cs:spPr>
+    <cs:defRPr sz="1197" kern="1200"/>
+  </cs:dataTable>
+  <cs:downBar>
+    <cs:lnRef idx="0"/>
+    <cs:fillRef idx="0"/>
+    <cs:effectRef idx="0"/>
+    <cs:fontRef idx="minor">
+      <a:schemeClr val="dk1"/>
+    </cs:fontRef>
+    <cs:spPr>
+      <a:solidFill>
+        <a:schemeClr val="dk1">
+          <a:lumMod val="65000"/>
+          <a:lumOff val="35000"/>
+        </a:schemeClr>
+      </a:solidFill>
+      <a:ln w="9525">
+        <a:solidFill>
+          <a:schemeClr val="tx1">
+            <a:lumMod val="65000"/>
+            <a:lumOff val="35000"/>
+          </a:schemeClr>
+        </a:solidFill>
+      </a:ln>
+    </cs:spPr>
+  </cs:downBar>
+  <cs:dropLine>
+    <cs:lnRef idx="0"/>
+    <cs:fillRef idx="0"/>
+    <cs:effectRef idx="0"/>
+    <cs:fontRef idx="minor">
+      <a:schemeClr val="tx1"/>
+    </cs:fontRef>
+    <cs:spPr>
+      <a:ln w="9525" cap="flat" cmpd="sng" algn="ctr">
+        <a:solidFill>
+          <a:schemeClr val="tx1">
+            <a:lumMod val="35000"/>
+            <a:lumOff val="65000"/>
+          </a:schemeClr>
+        </a:solidFill>
+        <a:round/>
+      </a:ln>
+    </cs:spPr>
+  </cs:dropLine>
+  <cs:errorBar>
+    <cs:lnRef idx="0"/>
+    <cs:fillRef idx="0"/>
+    <cs:effectRef idx="0"/>
+    <cs:fontRef idx="minor">
+      <a:schemeClr val="tx1"/>
+    </cs:fontRef>
+    <cs:spPr>
+      <a:ln w="9525" cap="flat" cmpd="sng" algn="ctr">
+        <a:solidFill>
+          <a:schemeClr val="tx1">
+            <a:lumMod val="65000"/>
+            <a:lumOff val="35000"/>
+          </a:schemeClr>
+        </a:solidFill>
+        <a:round/>
+      </a:ln>
+    </cs:spPr>
+  </cs:errorBar>
+  <cs:floor>
+    <cs:lnRef idx="0"/>
+    <cs:fillRef idx="0"/>
+    <cs:effectRef idx="0"/>
+    <cs:fontRef idx="minor">
+      <a:schemeClr val="tx1"/>
+    </cs:fontRef>
+    <cs:spPr>
+      <a:noFill/>
+      <a:ln>
+        <a:noFill/>
+      </a:ln>
+    </cs:spPr>
+  </cs:floor>
+  <cs:gridlineMajor>
+    <cs:lnRef idx="0"/>
+    <cs:fillRef idx="0"/>
+    <cs:effectRef idx="0"/>
+    <cs:fontRef idx="minor">
+      <a:schemeClr val="tx1"/>
+    </cs:fontRef>
+    <cs:spPr>
+      <a:ln w="9525" cap="flat" cmpd="sng" algn="ctr">
+        <a:solidFill>
+          <a:schemeClr val="tx1">
+            <a:lumMod val="15000"/>
+            <a:lumOff val="85000"/>
+          </a:schemeClr>
+        </a:solidFill>
+        <a:round/>
+      </a:ln>
+    </cs:spPr>
+  </cs:gridlineMajor>
+  <cs:gridlineMinor>
+    <cs:lnRef idx="0"/>
+    <cs:fillRef idx="0"/>
+    <cs:effectRef idx="0"/>
+    <cs:fontRef idx="minor">
+      <a:schemeClr val="tx1"/>
+    </cs:fontRef>
+    <cs:spPr>
+      <a:ln w="9525" cap="flat" cmpd="sng" algn="ctr">
+        <a:solidFill>
+          <a:schemeClr val="tx1">
+            <a:lumMod val="5000"/>
+            <a:lumOff val="95000"/>
+          </a:schemeClr>
+        </a:solidFill>
+        <a:round/>
+      </a:ln>
+    </cs:spPr>
+  </cs:gridlineMinor>
+  <cs:hiLoLine>
+    <cs:lnRef idx="0"/>
+    <cs:fillRef idx="0"/>
+    <cs:effectRef idx="0"/>
+    <cs:fontRef idx="minor">
+      <a:schemeClr val="tx1"/>
+    </cs:fontRef>
+    <cs:spPr>
+      <a:ln w="9525" cap="flat" cmpd="sng" algn="ctr">
+        <a:solidFill>
+          <a:schemeClr val="tx1">
+            <a:lumMod val="75000"/>
+            <a:lumOff val="25000"/>
+          </a:schemeClr>
+        </a:solidFill>
+        <a:round/>
+      </a:ln>
+    </cs:spPr>
+  </cs:hiLoLine>
+  <cs:leaderLine>
+    <cs:lnRef idx="0"/>
+    <cs:fillRef idx="0"/>
+    <cs:effectRef idx="0"/>
+    <cs:fontRef idx="minor">
+      <a:schemeClr val="tx1"/>
+    </cs:fontRef>
+    <cs:spPr>
+      <a:ln w="9525" cap="flat" cmpd="sng" algn="ctr">
+        <a:solidFill>
+          <a:schemeClr val="tx1">
+            <a:lumMod val="35000"/>
+            <a:lumOff val="65000"/>
+          </a:schemeClr>
+        </a:solidFill>
+        <a:round/>
+      </a:ln>
+    </cs:spPr>
+  </cs:leaderLine>
+  <cs:legend>
+    <cs:lnRef idx="0"/>
+    <cs:fillRef idx="0"/>
+    <cs:effectRef idx="0"/>
+    <cs:fontRef idx="minor">
+      <a:schemeClr val="tx1">
+        <a:lumMod val="65000"/>
+        <a:lumOff val="35000"/>
+      </a:schemeClr>
+    </cs:fontRef>
+    <cs:defRPr sz="1197" kern="1200"/>
+  </cs:legend>
+  <cs:plotArea mods="allowNoFillOverride allowNoLineOverride">
+    <cs:lnRef idx="0"/>
+    <cs:fillRef idx="0"/>
+    <cs:effectRef idx="0"/>
+    <cs:fontRef idx="minor">
+      <a:schemeClr val="tx1"/>
+    </cs:fontRef>
+  </cs:plotArea>
+  <cs:plotArea3D mods="allowNoFillOverride allowNoLineOverride">
+    <cs:lnRef idx="0"/>
+    <cs:fillRef idx="0"/>
+    <cs:effectRef idx="0"/>
+    <cs:fontRef idx="minor">
+      <a:schemeClr val="tx1"/>
+    </cs:fontRef>
+  </cs:plotArea3D>
+  <cs:seriesAxis>
+    <cs:lnRef idx="0"/>
+    <cs:fillRef idx="0"/>
+    <cs:effectRef idx="0"/>
+    <cs:fontRef idx="minor">
+      <a:schemeClr val="tx1">
+        <a:lumMod val="65000"/>
+        <a:lumOff val="35000"/>
+      </a:schemeClr>
+    </cs:fontRef>
+    <cs:defRPr sz="1197" kern="1200"/>
+  </cs:seriesAxis>
+  <cs:seriesLine>
+    <cs:lnRef idx="0"/>
+    <cs:fillRef idx="0"/>
+    <cs:effectRef idx="0"/>
+    <cs:fontRef idx="minor">
+      <a:schemeClr val="tx1"/>
+    </cs:fontRef>
+    <cs:spPr>
+      <a:ln w="9525" cap="flat" cmpd="sng" algn="ctr">
+        <a:solidFill>
+          <a:schemeClr val="tx1">
+            <a:lumMod val="35000"/>
+            <a:lumOff val="65000"/>
+          </a:schemeClr>
+        </a:solidFill>
+        <a:round/>
+      </a:ln>
+    </cs:spPr>
+  </cs:seriesLine>
+  <cs:title>
+    <cs:lnRef idx="0"/>
+    <cs:fillRef idx="0"/>
+    <cs:effectRef idx="0"/>
+    <cs:fontRef idx="minor">
+      <a:schemeClr val="tx1">
+        <a:lumMod val="65000"/>
+        <a:lumOff val="35000"/>
+      </a:schemeClr>
+    </cs:fontRef>
+    <cs:defRPr sz="1862" b="0" kern="1200" spc="0" baseline="0"/>
+  </cs:title>
+  <cs:trendline>
+    <cs:lnRef idx="0">
+      <cs:styleClr val="auto"/>
+    </cs:lnRef>
+    <cs:fillRef idx="0"/>
+    <cs:effectRef idx="0"/>
+    <cs:fontRef idx="minor">
+      <a:schemeClr val="tx1"/>
+    </cs:fontRef>
+    <cs:spPr>
+      <a:ln w="19050" cap="rnd">
+        <a:solidFill>
+          <a:schemeClr val="phClr"/>
+        </a:solidFill>
+        <a:prstDash val="sysDot"/>
+      </a:ln>
+    </cs:spPr>
+  </cs:trendline>
+  <cs:trendlineLabel>
+    <cs:lnRef idx="0"/>
+    <cs:fillRef idx="0"/>
+    <cs:effectRef idx="0"/>
+    <cs:fontRef idx="minor">
+      <a:schemeClr val="tx1">
+        <a:lumMod val="65000"/>
+        <a:lumOff val="35000"/>
+      </a:schemeClr>
+    </cs:fontRef>
+    <cs:defRPr sz="1197" kern="1200"/>
+  </cs:trendlineLabel>
+  <cs:upBar>
+    <cs:lnRef idx="0"/>
+    <cs:fillRef idx="0"/>
+    <cs:effectRef idx="0"/>
+    <cs:fontRef idx="minor">
+      <a:schemeClr val="dk1"/>
+    </cs:fontRef>
+    <cs:spPr>
+      <a:solidFill>
+        <a:schemeClr val="lt1"/>
+      </a:solidFill>
+      <a:ln w="9525">
+        <a:solidFill>
+          <a:schemeClr val="tx1">
+            <a:lumMod val="15000"/>
+            <a:lumOff val="85000"/>
+          </a:schemeClr>
+        </a:solidFill>
+      </a:ln>
+    </cs:spPr>
+  </cs:upBar>
+  <cs:valueAxis>
+    <cs:lnRef idx="0"/>
+    <cs:fillRef idx="0"/>
+    <cs:effectRef idx="0"/>
+    <cs:fontRef idx="minor">
+      <a:schemeClr val="tx1">
+        <a:lumMod val="65000"/>
+        <a:lumOff val="35000"/>
+      </a:schemeClr>
+    </cs:fontRef>
+    <cs:defRPr sz="1197" kern="1200"/>
+  </cs:valueAxis>
+  <cs:wall>
+    <cs:lnRef idx="0"/>
+    <cs:fillRef idx="0"/>
+    <cs:effectRef idx="0"/>
+    <cs:fontRef idx="minor">
+      <a:schemeClr val="tx1"/>
+    </cs:fontRef>
+    <cs:spPr>
+      <a:noFill/>
+      <a:ln>
+        <a:noFill/>
+      </a:ln>
+    </cs:spPr>
+  </cs:wall>
+</cs:chartStyle>
 </file>
 
 <file path=ppt/handoutMasters/handoutMaster1.xml><?xml version="1.0" encoding="utf-8"?>
@@ -872,7 +1664,7 @@
     </p:spTree>
     <p:extLst>
       <p:ext uri="{BB962C8B-B14F-4D97-AF65-F5344CB8AC3E}">
-        <p14:creationId xmlns:p14="http://schemas.microsoft.com/office/powerpoint/2010/main" val="3203678815"/>
+        <p14:creationId xmlns:p14="http://schemas.microsoft.com/office/powerpoint/2010/main" val="1054801191"/>
       </p:ext>
     </p:extLst>
   </p:cSld>
@@ -958,93 +1750,7 @@
     </p:spTree>
     <p:extLst>
       <p:ext uri="{BB962C8B-B14F-4D97-AF65-F5344CB8AC3E}">
-        <p14:creationId xmlns:p14="http://schemas.microsoft.com/office/powerpoint/2010/main" val="4152561302"/>
-      </p:ext>
-    </p:extLst>
-  </p:cSld>
-  <p:clrMapOvr>
-    <a:masterClrMapping/>
-  </p:clrMapOvr>
-</p:notes>
-</file>
-
-<file path=ppt/notesSlides/notesSlide12.xml><?xml version="1.0" encoding="utf-8"?>
-<p:notes xmlns:a="http://schemas.openxmlformats.org/drawingml/2006/main" xmlns:r="http://schemas.openxmlformats.org/officeDocument/2006/relationships" xmlns:p="http://schemas.openxmlformats.org/presentationml/2006/main">
-  <p:cSld>
-    <p:spTree>
-      <p:nvGrpSpPr>
-        <p:cNvPr id="1" name=""/>
-        <p:cNvGrpSpPr/>
-        <p:nvPr/>
-      </p:nvGrpSpPr>
-      <p:grpSpPr>
-        <a:xfrm>
-          <a:off x="0" y="0"/>
-          <a:ext cx="0" cy="0"/>
-          <a:chOff x="0" y="0"/>
-          <a:chExt cx="0" cy="0"/>
-        </a:xfrm>
-      </p:grpSpPr>
-      <p:sp>
-        <p:nvSpPr>
-          <p:cNvPr id="2" name="Образ слайда 1"/>
-          <p:cNvSpPr>
-            <a:spLocks noGrp="1" noRot="1" noChangeAspect="1"/>
-          </p:cNvSpPr>
-          <p:nvPr>
-            <p:ph type="sldImg"/>
-          </p:nvPr>
-        </p:nvSpPr>
-        <p:spPr/>
-      </p:sp>
-      <p:sp>
-        <p:nvSpPr>
-          <p:cNvPr id="3" name="Заметки 2"/>
-          <p:cNvSpPr>
-            <a:spLocks noGrp="1"/>
-          </p:cNvSpPr>
-          <p:nvPr>
-            <p:ph type="body" idx="1"/>
-          </p:nvPr>
-        </p:nvSpPr>
-        <p:spPr/>
-        <p:txBody>
-          <a:bodyPr rtlCol="0"/>
-          <a:lstStyle/>
-          <a:p>
-            <a:pPr rtl="0"/>
-            <a:endParaRPr lang="ru-RU" dirty="0"/>
-          </a:p>
-        </p:txBody>
-      </p:sp>
-      <p:sp>
-        <p:nvSpPr>
-          <p:cNvPr id="4" name="Номер слайда 3"/>
-          <p:cNvSpPr>
-            <a:spLocks noGrp="1"/>
-          </p:cNvSpPr>
-          <p:nvPr>
-            <p:ph type="sldNum" sz="quarter" idx="5"/>
-          </p:nvPr>
-        </p:nvSpPr>
-        <p:spPr/>
-        <p:txBody>
-          <a:bodyPr rtlCol="0"/>
-          <a:lstStyle/>
-          <a:p>
-            <a:pPr rtl="0"/>
-            <a:fld id="{BE60DC36-8EFA-4378-9855-E019C55AC472}" type="slidenum">
-              <a:rPr lang="ru-RU" smtClean="0"/>
-              <a:t>12</a:t>
-            </a:fld>
-            <a:endParaRPr lang="ru-RU" dirty="0"/>
-          </a:p>
-        </p:txBody>
-      </p:sp>
-    </p:spTree>
-    <p:extLst>
-      <p:ext uri="{BB962C8B-B14F-4D97-AF65-F5344CB8AC3E}">
-        <p14:creationId xmlns:p14="http://schemas.microsoft.com/office/powerpoint/2010/main" val="1054801191"/>
+        <p14:creationId xmlns:p14="http://schemas.microsoft.com/office/powerpoint/2010/main" val="3790490946"/>
       </p:ext>
     </p:extLst>
   </p:cSld>
@@ -1474,7 +2180,7 @@
     </p:spTree>
     <p:extLst>
       <p:ext uri="{BB962C8B-B14F-4D97-AF65-F5344CB8AC3E}">
-        <p14:creationId xmlns:p14="http://schemas.microsoft.com/office/powerpoint/2010/main" val="1856715019"/>
+        <p14:creationId xmlns:p14="http://schemas.microsoft.com/office/powerpoint/2010/main" val="443379830"/>
       </p:ext>
     </p:extLst>
   </p:cSld>
@@ -1560,7 +2266,7 @@
     </p:spTree>
     <p:extLst>
       <p:ext uri="{BB962C8B-B14F-4D97-AF65-F5344CB8AC3E}">
-        <p14:creationId xmlns:p14="http://schemas.microsoft.com/office/powerpoint/2010/main" val="1259739279"/>
+        <p14:creationId xmlns:p14="http://schemas.microsoft.com/office/powerpoint/2010/main" val="1856715019"/>
       </p:ext>
     </p:extLst>
   </p:cSld>
@@ -1646,7 +2352,7 @@
     </p:spTree>
     <p:extLst>
       <p:ext uri="{BB962C8B-B14F-4D97-AF65-F5344CB8AC3E}">
-        <p14:creationId xmlns:p14="http://schemas.microsoft.com/office/powerpoint/2010/main" val="3397132010"/>
+        <p14:creationId xmlns:p14="http://schemas.microsoft.com/office/powerpoint/2010/main" val="4038782821"/>
       </p:ext>
     </p:extLst>
   </p:cSld>
@@ -1732,7 +2438,7 @@
     </p:spTree>
     <p:extLst>
       <p:ext uri="{BB962C8B-B14F-4D97-AF65-F5344CB8AC3E}">
-        <p14:creationId xmlns:p14="http://schemas.microsoft.com/office/powerpoint/2010/main" val="1865572358"/>
+        <p14:creationId xmlns:p14="http://schemas.microsoft.com/office/powerpoint/2010/main" val="3487646317"/>
       </p:ext>
     </p:extLst>
   </p:cSld>
@@ -5076,7 +5782,7 @@
               <a:t>UltraVision</a:t>
             </a:r>
             <a:r>
-              <a:rPr lang="ru-RU" b="1" dirty="0"/>
+              <a:rPr lang="ru-RU" b="1"/>
               <a:t>?</a:t>
             </a:r>
             <a:br>
@@ -6626,1320 +7332,6 @@
           <a:chExt cx="0" cy="0"/>
         </a:xfrm>
       </p:grpSpPr>
-      <p:sp>
-        <p:nvSpPr>
-          <p:cNvPr id="7" name="Заголовок 6" hidden="1">
-            <a:extLst>
-              <a:ext uri="{FF2B5EF4-FFF2-40B4-BE49-F238E27FC236}">
-                <a16:creationId xmlns:a16="http://schemas.microsoft.com/office/drawing/2014/main" id="{ED2F5393-91A3-4102-A584-E902285C507A}"/>
-              </a:ext>
-            </a:extLst>
-          </p:cNvPr>
-          <p:cNvSpPr>
-            <a:spLocks noGrp="1"/>
-          </p:cNvSpPr>
-          <p:nvPr>
-            <p:ph type="title" idx="4294967295"/>
-          </p:nvPr>
-        </p:nvSpPr>
-        <p:spPr>
-          <a:xfrm>
-            <a:off x="0" y="365125"/>
-            <a:ext cx="10515600" cy="1325563"/>
-          </a:xfrm>
-        </p:spPr>
-        <p:txBody>
-          <a:bodyPr rtlCol="0"/>
-          <a:lstStyle/>
-          <a:p>
-            <a:r>
-              <a:rPr lang="ru-RU" dirty="0"/>
-              <a:t>Слайд 4 с анализом проекта</a:t>
-            </a:r>
-          </a:p>
-        </p:txBody>
-      </p:sp>
-      <p:cxnSp>
-        <p:nvCxnSpPr>
-          <p:cNvPr id="8" name="Прямая соединительная линия 7">
-            <a:extLst>
-              <a:ext uri="{FF2B5EF4-FFF2-40B4-BE49-F238E27FC236}">
-                <a16:creationId xmlns:a16="http://schemas.microsoft.com/office/drawing/2014/main" id="{D0986099-F5F2-4E8B-BE17-81194861A00C}"/>
-              </a:ext>
-              <a:ext uri="{C183D7F6-B498-43B3-948B-1728B52AA6E4}">
-                <adec:decorative xmlns:adec="http://schemas.microsoft.com/office/drawing/2017/decorative" val="1"/>
-              </a:ext>
-            </a:extLst>
-          </p:cNvPr>
-          <p:cNvCxnSpPr>
-            <a:cxnSpLocks/>
-          </p:cNvCxnSpPr>
-          <p:nvPr/>
-        </p:nvCxnSpPr>
-        <p:spPr>
-          <a:xfrm>
-            <a:off x="8105775" y="522898"/>
-            <a:ext cx="4086225" cy="0"/>
-          </a:xfrm>
-          <a:prstGeom prst="line">
-            <a:avLst/>
-          </a:prstGeom>
-          <a:ln>
-            <a:solidFill>
-              <a:schemeClr val="accent3">
-                <a:lumMod val="50000"/>
-              </a:schemeClr>
-            </a:solidFill>
-            <a:headEnd type="oval"/>
-          </a:ln>
-        </p:spPr>
-        <p:style>
-          <a:lnRef idx="1">
-            <a:schemeClr val="accent1"/>
-          </a:lnRef>
-          <a:fillRef idx="0">
-            <a:schemeClr val="accent1"/>
-          </a:fillRef>
-          <a:effectRef idx="0">
-            <a:schemeClr val="accent1"/>
-          </a:effectRef>
-          <a:fontRef idx="minor">
-            <a:schemeClr val="tx1"/>
-          </a:fontRef>
-        </p:style>
-      </p:cxnSp>
-      <p:sp>
-        <p:nvSpPr>
-          <p:cNvPr id="11" name="Заголовок 1">
-            <a:extLst>
-              <a:ext uri="{FF2B5EF4-FFF2-40B4-BE49-F238E27FC236}">
-                <a16:creationId xmlns:a16="http://schemas.microsoft.com/office/drawing/2014/main" id="{4E3F5479-058B-4FA8-92E9-18CAB8CDC5C5}"/>
-              </a:ext>
-            </a:extLst>
-          </p:cNvPr>
-          <p:cNvSpPr txBox="1">
-            <a:spLocks/>
-          </p:cNvSpPr>
-          <p:nvPr/>
-        </p:nvSpPr>
-        <p:spPr>
-          <a:xfrm>
-            <a:off x="228600" y="190500"/>
-            <a:ext cx="11734800" cy="387798"/>
-          </a:xfrm>
-          <a:prstGeom prst="rect">
-            <a:avLst/>
-          </a:prstGeom>
-        </p:spPr>
-        <p:txBody>
-          <a:bodyPr vert="horz" wrap="square" lIns="0" tIns="0" rIns="0" bIns="0" rtlCol="0" anchor="t">
-            <a:spAutoFit/>
-          </a:bodyPr>
-          <a:lstStyle>
-            <a:lvl1pPr algn="l" defTabSz="914400" rtl="0" eaLnBrk="1" latinLnBrk="0" hangingPunct="1">
-              <a:lnSpc>
-                <a:spcPct val="90000"/>
-              </a:lnSpc>
-              <a:spcBef>
-                <a:spcPct val="0"/>
-              </a:spcBef>
-              <a:buNone/>
-              <a:defRPr sz="4400" kern="1200">
-                <a:solidFill>
-                  <a:schemeClr val="tx1"/>
-                </a:solidFill>
-                <a:latin typeface="+mj-lt"/>
-                <a:ea typeface="+mj-ea"/>
-                <a:cs typeface="+mj-cs"/>
-              </a:defRPr>
-            </a:lvl1pPr>
-          </a:lstStyle>
-          <a:p>
-            <a:pPr algn="ctr" rtl="0"/>
-            <a:r>
-              <a:rPr lang="ru-RU" sz="2800" b="1" dirty="0">
-                <a:solidFill>
-                  <a:schemeClr val="tx1">
-                    <a:lumMod val="75000"/>
-                    <a:lumOff val="25000"/>
-                  </a:schemeClr>
-                </a:solidFill>
-              </a:rPr>
-              <a:t>Быстрое демо</a:t>
-            </a:r>
-            <a:endParaRPr lang="ru-RU" sz="2800" dirty="0">
-              <a:solidFill>
-                <a:schemeClr val="tx1">
-                  <a:lumMod val="75000"/>
-                  <a:lumOff val="25000"/>
-                </a:schemeClr>
-              </a:solidFill>
-            </a:endParaRPr>
-          </a:p>
-        </p:txBody>
-      </p:sp>
-      <p:cxnSp>
-        <p:nvCxnSpPr>
-          <p:cNvPr id="14" name="Прямая соединительная линия 13">
-            <a:extLst>
-              <a:ext uri="{FF2B5EF4-FFF2-40B4-BE49-F238E27FC236}">
-                <a16:creationId xmlns:a16="http://schemas.microsoft.com/office/drawing/2014/main" id="{83E690F4-843A-47A5-8620-4FB01C0D8E68}"/>
-              </a:ext>
-              <a:ext uri="{C183D7F6-B498-43B3-948B-1728B52AA6E4}">
-                <adec:decorative xmlns:adec="http://schemas.microsoft.com/office/drawing/2017/decorative" val="1"/>
-              </a:ext>
-            </a:extLst>
-          </p:cNvPr>
-          <p:cNvCxnSpPr>
-            <a:cxnSpLocks/>
-          </p:cNvCxnSpPr>
-          <p:nvPr/>
-        </p:nvCxnSpPr>
-        <p:spPr>
-          <a:xfrm>
-            <a:off x="0" y="522898"/>
-            <a:ext cx="4086225" cy="0"/>
-          </a:xfrm>
-          <a:prstGeom prst="line">
-            <a:avLst/>
-          </a:prstGeom>
-          <a:ln>
-            <a:solidFill>
-              <a:schemeClr val="accent3">
-                <a:lumMod val="50000"/>
-              </a:schemeClr>
-            </a:solidFill>
-            <a:tailEnd type="oval"/>
-          </a:ln>
-        </p:spPr>
-        <p:style>
-          <a:lnRef idx="1">
-            <a:schemeClr val="accent1"/>
-          </a:lnRef>
-          <a:fillRef idx="0">
-            <a:schemeClr val="accent1"/>
-          </a:fillRef>
-          <a:effectRef idx="0">
-            <a:schemeClr val="accent1"/>
-          </a:effectRef>
-          <a:fontRef idx="minor">
-            <a:schemeClr val="tx1"/>
-          </a:fontRef>
-        </p:style>
-      </p:cxnSp>
-      <p:sp>
-        <p:nvSpPr>
-          <p:cNvPr id="80" name="Прямоугольник 79">
-            <a:extLst>
-              <a:ext uri="{FF2B5EF4-FFF2-40B4-BE49-F238E27FC236}">
-                <a16:creationId xmlns:a16="http://schemas.microsoft.com/office/drawing/2014/main" id="{6BEBF752-C33D-4EC4-8210-F7B1D3A10097}"/>
-              </a:ext>
-            </a:extLst>
-          </p:cNvPr>
-          <p:cNvSpPr/>
-          <p:nvPr/>
-        </p:nvSpPr>
-        <p:spPr>
-          <a:xfrm>
-            <a:off x="1831182" y="2333832"/>
-            <a:ext cx="1371600" cy="492443"/>
-          </a:xfrm>
-          <a:prstGeom prst="rect">
-            <a:avLst/>
-          </a:prstGeom>
-        </p:spPr>
-        <p:txBody>
-          <a:bodyPr wrap="square" lIns="0" tIns="0" rIns="0" bIns="0" rtlCol="0" anchor="ctr">
-            <a:spAutoFit/>
-          </a:bodyPr>
-          <a:lstStyle/>
-          <a:p>
-            <a:pPr algn="ctr" rtl="0"/>
-            <a:r>
-              <a:rPr lang="ru-RU" sz="1600" dirty="0">
-                <a:solidFill>
-                  <a:schemeClr val="bg1"/>
-                </a:solidFill>
-              </a:rPr>
-              <a:t>Цели управления</a:t>
-            </a:r>
-          </a:p>
-        </p:txBody>
-      </p:sp>
-      <p:sp>
-        <p:nvSpPr>
-          <p:cNvPr id="81" name="Прямоугольник 80">
-            <a:extLst>
-              <a:ext uri="{FF2B5EF4-FFF2-40B4-BE49-F238E27FC236}">
-                <a16:creationId xmlns:a16="http://schemas.microsoft.com/office/drawing/2014/main" id="{D4EC02E4-F054-4111-9038-AE0BDA4C8060}"/>
-              </a:ext>
-            </a:extLst>
-          </p:cNvPr>
-          <p:cNvSpPr/>
-          <p:nvPr/>
-        </p:nvSpPr>
-        <p:spPr>
-          <a:xfrm>
-            <a:off x="1831182" y="4741965"/>
-            <a:ext cx="1371600" cy="246221"/>
-          </a:xfrm>
-          <a:prstGeom prst="rect">
-            <a:avLst/>
-          </a:prstGeom>
-        </p:spPr>
-        <p:txBody>
-          <a:bodyPr wrap="square" lIns="0" tIns="0" rIns="0" bIns="0" rtlCol="0" anchor="ctr">
-            <a:spAutoFit/>
-          </a:bodyPr>
-          <a:lstStyle/>
-          <a:p>
-            <a:pPr algn="ctr" rtl="0"/>
-            <a:r>
-              <a:rPr lang="ru-RU" sz="1600" dirty="0">
-                <a:solidFill>
-                  <a:schemeClr val="bg1"/>
-                </a:solidFill>
-              </a:rPr>
-              <a:t>Цели клиента</a:t>
-            </a:r>
-          </a:p>
-        </p:txBody>
-      </p:sp>
-      <p:sp>
-        <p:nvSpPr>
-          <p:cNvPr id="83" name="Прямоугольник 82">
-            <a:extLst>
-              <a:ext uri="{FF2B5EF4-FFF2-40B4-BE49-F238E27FC236}">
-                <a16:creationId xmlns:a16="http://schemas.microsoft.com/office/drawing/2014/main" id="{9F6EE26A-3174-49AD-900E-08C045755F3C}"/>
-              </a:ext>
-            </a:extLst>
-          </p:cNvPr>
-          <p:cNvSpPr/>
-          <p:nvPr/>
-        </p:nvSpPr>
-        <p:spPr>
-          <a:xfrm>
-            <a:off x="6607968" y="3476343"/>
-            <a:ext cx="1371600" cy="492443"/>
-          </a:xfrm>
-          <a:prstGeom prst="rect">
-            <a:avLst/>
-          </a:prstGeom>
-        </p:spPr>
-        <p:txBody>
-          <a:bodyPr wrap="square" lIns="0" tIns="0" rIns="0" bIns="0" rtlCol="0" anchor="ctr">
-            <a:spAutoFit/>
-          </a:bodyPr>
-          <a:lstStyle/>
-          <a:p>
-            <a:pPr algn="ctr" rtl="0"/>
-            <a:r>
-              <a:rPr lang="ru-RU" sz="1600" dirty="0">
-                <a:solidFill>
-                  <a:schemeClr val="bg1"/>
-                </a:solidFill>
-              </a:rPr>
-              <a:t>План реализации</a:t>
-            </a:r>
-          </a:p>
-        </p:txBody>
-      </p:sp>
-      <p:sp>
-        <p:nvSpPr>
-          <p:cNvPr id="84" name="Прямоугольник 83">
-            <a:extLst>
-              <a:ext uri="{FF2B5EF4-FFF2-40B4-BE49-F238E27FC236}">
-                <a16:creationId xmlns:a16="http://schemas.microsoft.com/office/drawing/2014/main" id="{3B69453F-B845-4467-8C29-7A6677641EC0}"/>
-              </a:ext>
-            </a:extLst>
-          </p:cNvPr>
-          <p:cNvSpPr/>
-          <p:nvPr/>
-        </p:nvSpPr>
-        <p:spPr>
-          <a:xfrm>
-            <a:off x="8989218" y="3599454"/>
-            <a:ext cx="1371600" cy="246221"/>
-          </a:xfrm>
-          <a:prstGeom prst="rect">
-            <a:avLst/>
-          </a:prstGeom>
-        </p:spPr>
-        <p:txBody>
-          <a:bodyPr wrap="square" lIns="0" tIns="0" rIns="0" bIns="0" rtlCol="0" anchor="ctr">
-            <a:spAutoFit/>
-          </a:bodyPr>
-          <a:lstStyle/>
-          <a:p>
-            <a:pPr algn="ctr" rtl="0"/>
-            <a:r>
-              <a:rPr lang="ru-RU" sz="1600" dirty="0">
-                <a:solidFill>
-                  <a:schemeClr val="bg1"/>
-                </a:solidFill>
-              </a:rPr>
-              <a:t>Расписания</a:t>
-            </a:r>
-          </a:p>
-        </p:txBody>
-      </p:sp>
-      <p:sp>
-        <p:nvSpPr>
-          <p:cNvPr id="85" name="Прямоугольник 84">
-            <a:extLst>
-              <a:ext uri="{FF2B5EF4-FFF2-40B4-BE49-F238E27FC236}">
-                <a16:creationId xmlns:a16="http://schemas.microsoft.com/office/drawing/2014/main" id="{C7CFAFBF-6B2A-49A8-ADCE-FD94A08C87B3}"/>
-              </a:ext>
-            </a:extLst>
-          </p:cNvPr>
-          <p:cNvSpPr/>
-          <p:nvPr/>
-        </p:nvSpPr>
-        <p:spPr>
-          <a:xfrm>
-            <a:off x="8989218" y="1778472"/>
-            <a:ext cx="1371600" cy="246221"/>
-          </a:xfrm>
-          <a:prstGeom prst="rect">
-            <a:avLst/>
-          </a:prstGeom>
-        </p:spPr>
-        <p:txBody>
-          <a:bodyPr wrap="square" lIns="0" tIns="0" rIns="0" bIns="0" rtlCol="0" anchor="ctr">
-            <a:spAutoFit/>
-          </a:bodyPr>
-          <a:lstStyle/>
-          <a:p>
-            <a:pPr algn="ctr" rtl="0"/>
-            <a:r>
-              <a:rPr lang="ru-RU" sz="1600" dirty="0">
-                <a:solidFill>
-                  <a:schemeClr val="bg1"/>
-                </a:solidFill>
-              </a:rPr>
-              <a:t>Задачи</a:t>
-            </a:r>
-          </a:p>
-        </p:txBody>
-      </p:sp>
-      <p:sp>
-        <p:nvSpPr>
-          <p:cNvPr id="86" name="Прямоугольник 85">
-            <a:extLst>
-              <a:ext uri="{FF2B5EF4-FFF2-40B4-BE49-F238E27FC236}">
-                <a16:creationId xmlns:a16="http://schemas.microsoft.com/office/drawing/2014/main" id="{6B499F5E-706B-4272-818B-C87149038662}"/>
-              </a:ext>
-            </a:extLst>
-          </p:cNvPr>
-          <p:cNvSpPr/>
-          <p:nvPr/>
-        </p:nvSpPr>
-        <p:spPr>
-          <a:xfrm>
-            <a:off x="8989218" y="5420435"/>
-            <a:ext cx="1371600" cy="246221"/>
-          </a:xfrm>
-          <a:prstGeom prst="rect">
-            <a:avLst/>
-          </a:prstGeom>
-        </p:spPr>
-        <p:txBody>
-          <a:bodyPr wrap="square" lIns="0" tIns="0" rIns="0" bIns="0" rtlCol="0" anchor="ctr">
-            <a:spAutoFit/>
-          </a:bodyPr>
-          <a:lstStyle/>
-          <a:p>
-            <a:pPr algn="ctr" rtl="0"/>
-            <a:r>
-              <a:rPr lang="ru-RU" sz="1600" dirty="0">
-                <a:solidFill>
-                  <a:schemeClr val="bg1"/>
-                </a:solidFill>
-              </a:rPr>
-              <a:t>Ресурсы</a:t>
-            </a:r>
-          </a:p>
-        </p:txBody>
-      </p:sp>
-      <p:sp>
-        <p:nvSpPr>
-          <p:cNvPr id="32" name="Прямоугольник 31">
-            <a:extLst>
-              <a:ext uri="{FF2B5EF4-FFF2-40B4-BE49-F238E27FC236}">
-                <a16:creationId xmlns:a16="http://schemas.microsoft.com/office/drawing/2014/main" id="{F95E5CA0-5952-4205-B8FA-A2FC96012B3D}"/>
-              </a:ext>
-            </a:extLst>
-          </p:cNvPr>
-          <p:cNvSpPr/>
-          <p:nvPr/>
-        </p:nvSpPr>
-        <p:spPr>
-          <a:xfrm>
-            <a:off x="641799" y="1126063"/>
-            <a:ext cx="4162870" cy="1969770"/>
-          </a:xfrm>
-          <a:prstGeom prst="rect">
-            <a:avLst/>
-          </a:prstGeom>
-        </p:spPr>
-        <p:txBody>
-          <a:bodyPr wrap="square" lIns="0" tIns="0" rIns="0" bIns="0" rtlCol="0" anchor="t">
-            <a:spAutoFit/>
-          </a:bodyPr>
-          <a:lstStyle/>
-          <a:p>
-            <a:pPr rtl="0"/>
-            <a:r>
-              <a:rPr lang="ru-RU" sz="1600" b="1" dirty="0">
-                <a:solidFill>
-                  <a:schemeClr val="tx1">
-                    <a:lumMod val="75000"/>
-                    <a:lumOff val="25000"/>
-                  </a:schemeClr>
-                </a:solidFill>
-                <a:cs typeface="Segoe UI" panose="020B0502040204020203" pitchFamily="34" charset="0"/>
-              </a:rPr>
-              <a:t>Поиск определенного лица</a:t>
-            </a:r>
-          </a:p>
-          <a:p>
-            <a:pPr marL="285750" indent="-285750" rtl="0">
-              <a:buFont typeface="Arial" panose="020B0604020202020204" pitchFamily="34" charset="0"/>
-              <a:buChar char="•"/>
-            </a:pPr>
-            <a:r>
-              <a:rPr lang="en-US" sz="1600" b="1" dirty="0">
-                <a:solidFill>
-                  <a:schemeClr val="tx1">
-                    <a:lumMod val="75000"/>
-                    <a:lumOff val="25000"/>
-                  </a:schemeClr>
-                </a:solidFill>
-                <a:cs typeface="Segoe UI" panose="020B0502040204020203" pitchFamily="34" charset="0"/>
-              </a:rPr>
-              <a:t>OpenCV </a:t>
-            </a:r>
-            <a:r>
-              <a:rPr lang="en-US" sz="1600" b="1" dirty="0" err="1">
-                <a:solidFill>
-                  <a:schemeClr val="tx1">
-                    <a:lumMod val="75000"/>
-                    <a:lumOff val="25000"/>
-                  </a:schemeClr>
-                </a:solidFill>
-                <a:cs typeface="Segoe UI" panose="020B0502040204020203" pitchFamily="34" charset="0"/>
-              </a:rPr>
-              <a:t>Haar</a:t>
-            </a:r>
-            <a:endParaRPr lang="ru-RU" sz="1600" b="1" dirty="0">
-              <a:solidFill>
-                <a:schemeClr val="tx1">
-                  <a:lumMod val="75000"/>
-                  <a:lumOff val="25000"/>
-                </a:schemeClr>
-              </a:solidFill>
-              <a:cs typeface="Segoe UI" panose="020B0502040204020203" pitchFamily="34" charset="0"/>
-            </a:endParaRPr>
-          </a:p>
-          <a:p>
-            <a:r>
-              <a:rPr lang="ru-RU" sz="1600" dirty="0">
-                <a:solidFill>
-                  <a:schemeClr val="tx1">
-                    <a:lumMod val="75000"/>
-                    <a:lumOff val="25000"/>
-                  </a:schemeClr>
-                </a:solidFill>
-                <a:cs typeface="Segoe UI" panose="020B0502040204020203" pitchFamily="34" charset="0"/>
-              </a:rPr>
-              <a:t> Плохо работает с поворотом лица</a:t>
-            </a:r>
-          </a:p>
-          <a:p>
-            <a:r>
-              <a:rPr lang="ru-RU" sz="1600" dirty="0">
-                <a:solidFill>
-                  <a:schemeClr val="tx1">
-                    <a:lumMod val="75000"/>
-                    <a:lumOff val="25000"/>
-                  </a:schemeClr>
-                </a:solidFill>
-                <a:cs typeface="Segoe UI" panose="020B0502040204020203" pitchFamily="34" charset="0"/>
-              </a:rPr>
-              <a:t> Проблемы с коллизией </a:t>
-            </a:r>
-            <a:endParaRPr lang="en-US" sz="1600" dirty="0">
-              <a:solidFill>
-                <a:schemeClr val="tx1">
-                  <a:lumMod val="75000"/>
-                  <a:lumOff val="25000"/>
-                </a:schemeClr>
-              </a:solidFill>
-              <a:cs typeface="Segoe UI" panose="020B0502040204020203" pitchFamily="34" charset="0"/>
-            </a:endParaRPr>
-          </a:p>
-          <a:p>
-            <a:pPr marL="285750" indent="-285750">
-              <a:buFont typeface="Arial" panose="020B0604020202020204" pitchFamily="34" charset="0"/>
-              <a:buChar char="•"/>
-            </a:pPr>
-            <a:r>
-              <a:rPr lang="en-US" sz="1600" b="1" dirty="0">
-                <a:solidFill>
-                  <a:schemeClr val="tx1">
-                    <a:lumMod val="75000"/>
-                    <a:lumOff val="25000"/>
-                  </a:schemeClr>
-                </a:solidFill>
-                <a:cs typeface="Segoe UI" panose="020B0502040204020203" pitchFamily="34" charset="0"/>
-              </a:rPr>
-              <a:t>OpenCV DNN</a:t>
-            </a:r>
-            <a:endParaRPr lang="ru-RU" sz="1600" b="1" dirty="0">
-              <a:solidFill>
-                <a:schemeClr val="tx1">
-                  <a:lumMod val="75000"/>
-                  <a:lumOff val="25000"/>
-                </a:schemeClr>
-              </a:solidFill>
-              <a:cs typeface="Segoe UI" panose="020B0502040204020203" pitchFamily="34" charset="0"/>
-            </a:endParaRPr>
-          </a:p>
-          <a:p>
-            <a:r>
-              <a:rPr lang="ru-RU" sz="1600" dirty="0">
-                <a:solidFill>
-                  <a:schemeClr val="tx1">
-                    <a:lumMod val="75000"/>
-                    <a:lumOff val="25000"/>
-                  </a:schemeClr>
-                </a:solidFill>
-                <a:cs typeface="Segoe UI" panose="020B0502040204020203" pitchFamily="34" charset="0"/>
-              </a:rPr>
-              <a:t>Долго</a:t>
-            </a:r>
-            <a:endParaRPr lang="en-US" sz="1600" dirty="0">
-              <a:solidFill>
-                <a:schemeClr val="tx1">
-                  <a:lumMod val="75000"/>
-                  <a:lumOff val="25000"/>
-                </a:schemeClr>
-              </a:solidFill>
-              <a:cs typeface="Segoe UI" panose="020B0502040204020203" pitchFamily="34" charset="0"/>
-            </a:endParaRPr>
-          </a:p>
-          <a:p>
-            <a:endParaRPr lang="ru-RU" sz="1600" dirty="0">
-              <a:solidFill>
-                <a:schemeClr val="tx1">
-                  <a:lumMod val="75000"/>
-                  <a:lumOff val="25000"/>
-                </a:schemeClr>
-              </a:solidFill>
-              <a:cs typeface="Segoe UI" panose="020B0502040204020203" pitchFamily="34" charset="0"/>
-            </a:endParaRPr>
-          </a:p>
-          <a:p>
-            <a:pPr rtl="0"/>
-            <a:endParaRPr lang="ru-RU" sz="1600" b="1" dirty="0">
-              <a:solidFill>
-                <a:schemeClr val="tx1">
-                  <a:lumMod val="75000"/>
-                  <a:lumOff val="25000"/>
-                </a:schemeClr>
-              </a:solidFill>
-              <a:cs typeface="Segoe UI" panose="020B0502040204020203" pitchFamily="34" charset="0"/>
-            </a:endParaRPr>
-          </a:p>
-        </p:txBody>
-      </p:sp>
-    </p:spTree>
-    <p:extLst>
-      <p:ext uri="{BB962C8B-B14F-4D97-AF65-F5344CB8AC3E}">
-        <p14:creationId xmlns:p14="http://schemas.microsoft.com/office/powerpoint/2010/main" val="4109440730"/>
-      </p:ext>
-    </p:extLst>
-  </p:cSld>
-  <p:clrMapOvr>
-    <a:masterClrMapping/>
-  </p:clrMapOvr>
-</p:sld>
-</file>
-
-<file path=ppt/slides/slide11.xml><?xml version="1.0" encoding="utf-8"?>
-<p:sld xmlns:a="http://schemas.openxmlformats.org/drawingml/2006/main" xmlns:r="http://schemas.openxmlformats.org/officeDocument/2006/relationships" xmlns:p="http://schemas.openxmlformats.org/presentationml/2006/main">
-  <p:cSld>
-    <p:spTree>
-      <p:nvGrpSpPr>
-        <p:cNvPr id="1" name=""/>
-        <p:cNvGrpSpPr/>
-        <p:nvPr/>
-      </p:nvGrpSpPr>
-      <p:grpSpPr>
-        <a:xfrm>
-          <a:off x="0" y="0"/>
-          <a:ext cx="0" cy="0"/>
-          <a:chOff x="0" y="0"/>
-          <a:chExt cx="0" cy="0"/>
-        </a:xfrm>
-      </p:grpSpPr>
-      <p:sp>
-        <p:nvSpPr>
-          <p:cNvPr id="7" name="Заголовок 6" hidden="1">
-            <a:extLst>
-              <a:ext uri="{FF2B5EF4-FFF2-40B4-BE49-F238E27FC236}">
-                <a16:creationId xmlns:a16="http://schemas.microsoft.com/office/drawing/2014/main" id="{ED2F5393-91A3-4102-A584-E902285C507A}"/>
-              </a:ext>
-            </a:extLst>
-          </p:cNvPr>
-          <p:cNvSpPr>
-            <a:spLocks noGrp="1"/>
-          </p:cNvSpPr>
-          <p:nvPr>
-            <p:ph type="title" idx="4294967295"/>
-          </p:nvPr>
-        </p:nvSpPr>
-        <p:spPr>
-          <a:xfrm>
-            <a:off x="0" y="365125"/>
-            <a:ext cx="10515600" cy="1325563"/>
-          </a:xfrm>
-        </p:spPr>
-        <p:txBody>
-          <a:bodyPr rtlCol="0"/>
-          <a:lstStyle/>
-          <a:p>
-            <a:r>
-              <a:rPr lang="ru-RU" dirty="0"/>
-              <a:t>Слайд 4 с анализом проекта</a:t>
-            </a:r>
-          </a:p>
-        </p:txBody>
-      </p:sp>
-      <p:cxnSp>
-        <p:nvCxnSpPr>
-          <p:cNvPr id="8" name="Прямая соединительная линия 7">
-            <a:extLst>
-              <a:ext uri="{FF2B5EF4-FFF2-40B4-BE49-F238E27FC236}">
-                <a16:creationId xmlns:a16="http://schemas.microsoft.com/office/drawing/2014/main" id="{D0986099-F5F2-4E8B-BE17-81194861A00C}"/>
-              </a:ext>
-              <a:ext uri="{C183D7F6-B498-43B3-948B-1728B52AA6E4}">
-                <adec:decorative xmlns:adec="http://schemas.microsoft.com/office/drawing/2017/decorative" val="1"/>
-              </a:ext>
-            </a:extLst>
-          </p:cNvPr>
-          <p:cNvCxnSpPr>
-            <a:cxnSpLocks/>
-          </p:cNvCxnSpPr>
-          <p:nvPr/>
-        </p:nvCxnSpPr>
-        <p:spPr>
-          <a:xfrm>
-            <a:off x="8105775" y="522898"/>
-            <a:ext cx="4086225" cy="0"/>
-          </a:xfrm>
-          <a:prstGeom prst="line">
-            <a:avLst/>
-          </a:prstGeom>
-          <a:ln>
-            <a:solidFill>
-              <a:schemeClr val="accent3">
-                <a:lumMod val="50000"/>
-              </a:schemeClr>
-            </a:solidFill>
-            <a:headEnd type="oval"/>
-          </a:ln>
-        </p:spPr>
-        <p:style>
-          <a:lnRef idx="1">
-            <a:schemeClr val="accent1"/>
-          </a:lnRef>
-          <a:fillRef idx="0">
-            <a:schemeClr val="accent1"/>
-          </a:fillRef>
-          <a:effectRef idx="0">
-            <a:schemeClr val="accent1"/>
-          </a:effectRef>
-          <a:fontRef idx="minor">
-            <a:schemeClr val="tx1"/>
-          </a:fontRef>
-        </p:style>
-      </p:cxnSp>
-      <p:sp>
-        <p:nvSpPr>
-          <p:cNvPr id="11" name="Заголовок 1">
-            <a:extLst>
-              <a:ext uri="{FF2B5EF4-FFF2-40B4-BE49-F238E27FC236}">
-                <a16:creationId xmlns:a16="http://schemas.microsoft.com/office/drawing/2014/main" id="{4E3F5479-058B-4FA8-92E9-18CAB8CDC5C5}"/>
-              </a:ext>
-            </a:extLst>
-          </p:cNvPr>
-          <p:cNvSpPr txBox="1">
-            <a:spLocks/>
-          </p:cNvSpPr>
-          <p:nvPr/>
-        </p:nvSpPr>
-        <p:spPr>
-          <a:xfrm>
-            <a:off x="228600" y="190500"/>
-            <a:ext cx="11734800" cy="387798"/>
-          </a:xfrm>
-          <a:prstGeom prst="rect">
-            <a:avLst/>
-          </a:prstGeom>
-        </p:spPr>
-        <p:txBody>
-          <a:bodyPr vert="horz" wrap="square" lIns="0" tIns="0" rIns="0" bIns="0" rtlCol="0" anchor="t">
-            <a:spAutoFit/>
-          </a:bodyPr>
-          <a:lstStyle>
-            <a:lvl1pPr algn="l" defTabSz="914400" rtl="0" eaLnBrk="1" latinLnBrk="0" hangingPunct="1">
-              <a:lnSpc>
-                <a:spcPct val="90000"/>
-              </a:lnSpc>
-              <a:spcBef>
-                <a:spcPct val="0"/>
-              </a:spcBef>
-              <a:buNone/>
-              <a:defRPr sz="4400" kern="1200">
-                <a:solidFill>
-                  <a:schemeClr val="tx1"/>
-                </a:solidFill>
-                <a:latin typeface="+mj-lt"/>
-                <a:ea typeface="+mj-ea"/>
-                <a:cs typeface="+mj-cs"/>
-              </a:defRPr>
-            </a:lvl1pPr>
-          </a:lstStyle>
-          <a:p>
-            <a:pPr algn="ctr" rtl="0"/>
-            <a:r>
-              <a:rPr lang="ru-RU" sz="2800" b="1" dirty="0">
-                <a:solidFill>
-                  <a:schemeClr val="tx1">
-                    <a:lumMod val="75000"/>
-                    <a:lumOff val="25000"/>
-                  </a:schemeClr>
-                </a:solidFill>
-              </a:rPr>
-              <a:t>Быстрое демо</a:t>
-            </a:r>
-            <a:endParaRPr lang="ru-RU" sz="2800" dirty="0">
-              <a:solidFill>
-                <a:schemeClr val="tx1">
-                  <a:lumMod val="75000"/>
-                  <a:lumOff val="25000"/>
-                </a:schemeClr>
-              </a:solidFill>
-            </a:endParaRPr>
-          </a:p>
-        </p:txBody>
-      </p:sp>
-      <p:cxnSp>
-        <p:nvCxnSpPr>
-          <p:cNvPr id="14" name="Прямая соединительная линия 13">
-            <a:extLst>
-              <a:ext uri="{FF2B5EF4-FFF2-40B4-BE49-F238E27FC236}">
-                <a16:creationId xmlns:a16="http://schemas.microsoft.com/office/drawing/2014/main" id="{83E690F4-843A-47A5-8620-4FB01C0D8E68}"/>
-              </a:ext>
-              <a:ext uri="{C183D7F6-B498-43B3-948B-1728B52AA6E4}">
-                <adec:decorative xmlns:adec="http://schemas.microsoft.com/office/drawing/2017/decorative" val="1"/>
-              </a:ext>
-            </a:extLst>
-          </p:cNvPr>
-          <p:cNvCxnSpPr>
-            <a:cxnSpLocks/>
-          </p:cNvCxnSpPr>
-          <p:nvPr/>
-        </p:nvCxnSpPr>
-        <p:spPr>
-          <a:xfrm>
-            <a:off x="0" y="522898"/>
-            <a:ext cx="4086225" cy="0"/>
-          </a:xfrm>
-          <a:prstGeom prst="line">
-            <a:avLst/>
-          </a:prstGeom>
-          <a:ln>
-            <a:solidFill>
-              <a:schemeClr val="accent3">
-                <a:lumMod val="50000"/>
-              </a:schemeClr>
-            </a:solidFill>
-            <a:tailEnd type="oval"/>
-          </a:ln>
-        </p:spPr>
-        <p:style>
-          <a:lnRef idx="1">
-            <a:schemeClr val="accent1"/>
-          </a:lnRef>
-          <a:fillRef idx="0">
-            <a:schemeClr val="accent1"/>
-          </a:fillRef>
-          <a:effectRef idx="0">
-            <a:schemeClr val="accent1"/>
-          </a:effectRef>
-          <a:fontRef idx="minor">
-            <a:schemeClr val="tx1"/>
-          </a:fontRef>
-        </p:style>
-      </p:cxnSp>
-      <p:sp>
-        <p:nvSpPr>
-          <p:cNvPr id="80" name="Прямоугольник 79">
-            <a:extLst>
-              <a:ext uri="{FF2B5EF4-FFF2-40B4-BE49-F238E27FC236}">
-                <a16:creationId xmlns:a16="http://schemas.microsoft.com/office/drawing/2014/main" id="{6BEBF752-C33D-4EC4-8210-F7B1D3A10097}"/>
-              </a:ext>
-            </a:extLst>
-          </p:cNvPr>
-          <p:cNvSpPr/>
-          <p:nvPr/>
-        </p:nvSpPr>
-        <p:spPr>
-          <a:xfrm>
-            <a:off x="1831182" y="2333832"/>
-            <a:ext cx="1371600" cy="492443"/>
-          </a:xfrm>
-          <a:prstGeom prst="rect">
-            <a:avLst/>
-          </a:prstGeom>
-        </p:spPr>
-        <p:txBody>
-          <a:bodyPr wrap="square" lIns="0" tIns="0" rIns="0" bIns="0" rtlCol="0" anchor="ctr">
-            <a:spAutoFit/>
-          </a:bodyPr>
-          <a:lstStyle/>
-          <a:p>
-            <a:pPr algn="ctr" rtl="0"/>
-            <a:r>
-              <a:rPr lang="ru-RU" sz="1600" dirty="0">
-                <a:solidFill>
-                  <a:schemeClr val="bg1"/>
-                </a:solidFill>
-              </a:rPr>
-              <a:t>Цели управления</a:t>
-            </a:r>
-          </a:p>
-        </p:txBody>
-      </p:sp>
-      <p:sp>
-        <p:nvSpPr>
-          <p:cNvPr id="81" name="Прямоугольник 80">
-            <a:extLst>
-              <a:ext uri="{FF2B5EF4-FFF2-40B4-BE49-F238E27FC236}">
-                <a16:creationId xmlns:a16="http://schemas.microsoft.com/office/drawing/2014/main" id="{D4EC02E4-F054-4111-9038-AE0BDA4C8060}"/>
-              </a:ext>
-            </a:extLst>
-          </p:cNvPr>
-          <p:cNvSpPr/>
-          <p:nvPr/>
-        </p:nvSpPr>
-        <p:spPr>
-          <a:xfrm>
-            <a:off x="1831182" y="4741965"/>
-            <a:ext cx="1371600" cy="246221"/>
-          </a:xfrm>
-          <a:prstGeom prst="rect">
-            <a:avLst/>
-          </a:prstGeom>
-        </p:spPr>
-        <p:txBody>
-          <a:bodyPr wrap="square" lIns="0" tIns="0" rIns="0" bIns="0" rtlCol="0" anchor="ctr">
-            <a:spAutoFit/>
-          </a:bodyPr>
-          <a:lstStyle/>
-          <a:p>
-            <a:pPr algn="ctr" rtl="0"/>
-            <a:r>
-              <a:rPr lang="ru-RU" sz="1600" dirty="0">
-                <a:solidFill>
-                  <a:schemeClr val="bg1"/>
-                </a:solidFill>
-              </a:rPr>
-              <a:t>Цели клиента</a:t>
-            </a:r>
-          </a:p>
-        </p:txBody>
-      </p:sp>
-      <p:sp>
-        <p:nvSpPr>
-          <p:cNvPr id="83" name="Прямоугольник 82">
-            <a:extLst>
-              <a:ext uri="{FF2B5EF4-FFF2-40B4-BE49-F238E27FC236}">
-                <a16:creationId xmlns:a16="http://schemas.microsoft.com/office/drawing/2014/main" id="{9F6EE26A-3174-49AD-900E-08C045755F3C}"/>
-              </a:ext>
-            </a:extLst>
-          </p:cNvPr>
-          <p:cNvSpPr/>
-          <p:nvPr/>
-        </p:nvSpPr>
-        <p:spPr>
-          <a:xfrm>
-            <a:off x="6607968" y="3476343"/>
-            <a:ext cx="1371600" cy="492443"/>
-          </a:xfrm>
-          <a:prstGeom prst="rect">
-            <a:avLst/>
-          </a:prstGeom>
-        </p:spPr>
-        <p:txBody>
-          <a:bodyPr wrap="square" lIns="0" tIns="0" rIns="0" bIns="0" rtlCol="0" anchor="ctr">
-            <a:spAutoFit/>
-          </a:bodyPr>
-          <a:lstStyle/>
-          <a:p>
-            <a:pPr algn="ctr" rtl="0"/>
-            <a:r>
-              <a:rPr lang="ru-RU" sz="1600" dirty="0">
-                <a:solidFill>
-                  <a:schemeClr val="bg1"/>
-                </a:solidFill>
-              </a:rPr>
-              <a:t>План реализации</a:t>
-            </a:r>
-          </a:p>
-        </p:txBody>
-      </p:sp>
-      <p:sp>
-        <p:nvSpPr>
-          <p:cNvPr id="84" name="Прямоугольник 83">
-            <a:extLst>
-              <a:ext uri="{FF2B5EF4-FFF2-40B4-BE49-F238E27FC236}">
-                <a16:creationId xmlns:a16="http://schemas.microsoft.com/office/drawing/2014/main" id="{3B69453F-B845-4467-8C29-7A6677641EC0}"/>
-              </a:ext>
-            </a:extLst>
-          </p:cNvPr>
-          <p:cNvSpPr/>
-          <p:nvPr/>
-        </p:nvSpPr>
-        <p:spPr>
-          <a:xfrm>
-            <a:off x="8989218" y="3599454"/>
-            <a:ext cx="1371600" cy="246221"/>
-          </a:xfrm>
-          <a:prstGeom prst="rect">
-            <a:avLst/>
-          </a:prstGeom>
-        </p:spPr>
-        <p:txBody>
-          <a:bodyPr wrap="square" lIns="0" tIns="0" rIns="0" bIns="0" rtlCol="0" anchor="ctr">
-            <a:spAutoFit/>
-          </a:bodyPr>
-          <a:lstStyle/>
-          <a:p>
-            <a:pPr algn="ctr" rtl="0"/>
-            <a:r>
-              <a:rPr lang="ru-RU" sz="1600" dirty="0">
-                <a:solidFill>
-                  <a:schemeClr val="bg1"/>
-                </a:solidFill>
-              </a:rPr>
-              <a:t>Расписания</a:t>
-            </a:r>
-          </a:p>
-        </p:txBody>
-      </p:sp>
-      <p:sp>
-        <p:nvSpPr>
-          <p:cNvPr id="85" name="Прямоугольник 84">
-            <a:extLst>
-              <a:ext uri="{FF2B5EF4-FFF2-40B4-BE49-F238E27FC236}">
-                <a16:creationId xmlns:a16="http://schemas.microsoft.com/office/drawing/2014/main" id="{C7CFAFBF-6B2A-49A8-ADCE-FD94A08C87B3}"/>
-              </a:ext>
-            </a:extLst>
-          </p:cNvPr>
-          <p:cNvSpPr/>
-          <p:nvPr/>
-        </p:nvSpPr>
-        <p:spPr>
-          <a:xfrm>
-            <a:off x="8989218" y="1778472"/>
-            <a:ext cx="1371600" cy="246221"/>
-          </a:xfrm>
-          <a:prstGeom prst="rect">
-            <a:avLst/>
-          </a:prstGeom>
-        </p:spPr>
-        <p:txBody>
-          <a:bodyPr wrap="square" lIns="0" tIns="0" rIns="0" bIns="0" rtlCol="0" anchor="ctr">
-            <a:spAutoFit/>
-          </a:bodyPr>
-          <a:lstStyle/>
-          <a:p>
-            <a:pPr algn="ctr" rtl="0"/>
-            <a:r>
-              <a:rPr lang="ru-RU" sz="1600" dirty="0">
-                <a:solidFill>
-                  <a:schemeClr val="bg1"/>
-                </a:solidFill>
-              </a:rPr>
-              <a:t>Задачи</a:t>
-            </a:r>
-          </a:p>
-        </p:txBody>
-      </p:sp>
-      <p:sp>
-        <p:nvSpPr>
-          <p:cNvPr id="86" name="Прямоугольник 85">
-            <a:extLst>
-              <a:ext uri="{FF2B5EF4-FFF2-40B4-BE49-F238E27FC236}">
-                <a16:creationId xmlns:a16="http://schemas.microsoft.com/office/drawing/2014/main" id="{6B499F5E-706B-4272-818B-C87149038662}"/>
-              </a:ext>
-            </a:extLst>
-          </p:cNvPr>
-          <p:cNvSpPr/>
-          <p:nvPr/>
-        </p:nvSpPr>
-        <p:spPr>
-          <a:xfrm>
-            <a:off x="8989218" y="5420435"/>
-            <a:ext cx="1371600" cy="246221"/>
-          </a:xfrm>
-          <a:prstGeom prst="rect">
-            <a:avLst/>
-          </a:prstGeom>
-        </p:spPr>
-        <p:txBody>
-          <a:bodyPr wrap="square" lIns="0" tIns="0" rIns="0" bIns="0" rtlCol="0" anchor="ctr">
-            <a:spAutoFit/>
-          </a:bodyPr>
-          <a:lstStyle/>
-          <a:p>
-            <a:pPr algn="ctr" rtl="0"/>
-            <a:r>
-              <a:rPr lang="ru-RU" sz="1600" dirty="0">
-                <a:solidFill>
-                  <a:schemeClr val="bg1"/>
-                </a:solidFill>
-              </a:rPr>
-              <a:t>Ресурсы</a:t>
-            </a:r>
-          </a:p>
-        </p:txBody>
-      </p:sp>
-      <p:sp>
-        <p:nvSpPr>
-          <p:cNvPr id="32" name="Прямоугольник 31">
-            <a:extLst>
-              <a:ext uri="{FF2B5EF4-FFF2-40B4-BE49-F238E27FC236}">
-                <a16:creationId xmlns:a16="http://schemas.microsoft.com/office/drawing/2014/main" id="{F95E5CA0-5952-4205-B8FA-A2FC96012B3D}"/>
-              </a:ext>
-            </a:extLst>
-          </p:cNvPr>
-          <p:cNvSpPr/>
-          <p:nvPr/>
-        </p:nvSpPr>
-        <p:spPr>
-          <a:xfrm>
-            <a:off x="641799" y="1126063"/>
-            <a:ext cx="4162870" cy="1969770"/>
-          </a:xfrm>
-          <a:prstGeom prst="rect">
-            <a:avLst/>
-          </a:prstGeom>
-        </p:spPr>
-        <p:txBody>
-          <a:bodyPr wrap="square" lIns="0" tIns="0" rIns="0" bIns="0" rtlCol="0" anchor="t">
-            <a:spAutoFit/>
-          </a:bodyPr>
-          <a:lstStyle/>
-          <a:p>
-            <a:pPr rtl="0"/>
-            <a:r>
-              <a:rPr lang="ru-RU" sz="1600" b="1" dirty="0">
-                <a:solidFill>
-                  <a:schemeClr val="tx1">
-                    <a:lumMod val="75000"/>
-                    <a:lumOff val="25000"/>
-                  </a:schemeClr>
-                </a:solidFill>
-                <a:cs typeface="Segoe UI" panose="020B0502040204020203" pitchFamily="34" charset="0"/>
-              </a:rPr>
-              <a:t>Поиск определенного лица</a:t>
-            </a:r>
-          </a:p>
-          <a:p>
-            <a:pPr marL="285750" indent="-285750" rtl="0">
-              <a:buFont typeface="Arial" panose="020B0604020202020204" pitchFamily="34" charset="0"/>
-              <a:buChar char="•"/>
-            </a:pPr>
-            <a:r>
-              <a:rPr lang="en-US" sz="1600" b="1" dirty="0">
-                <a:solidFill>
-                  <a:schemeClr val="tx1">
-                    <a:lumMod val="75000"/>
-                    <a:lumOff val="25000"/>
-                  </a:schemeClr>
-                </a:solidFill>
-                <a:cs typeface="Segoe UI" panose="020B0502040204020203" pitchFamily="34" charset="0"/>
-              </a:rPr>
-              <a:t>OpenCV </a:t>
-            </a:r>
-            <a:r>
-              <a:rPr lang="en-US" sz="1600" b="1" dirty="0" err="1">
-                <a:solidFill>
-                  <a:schemeClr val="tx1">
-                    <a:lumMod val="75000"/>
-                    <a:lumOff val="25000"/>
-                  </a:schemeClr>
-                </a:solidFill>
-                <a:cs typeface="Segoe UI" panose="020B0502040204020203" pitchFamily="34" charset="0"/>
-              </a:rPr>
-              <a:t>Haar</a:t>
-            </a:r>
-            <a:endParaRPr lang="ru-RU" sz="1600" b="1" dirty="0">
-              <a:solidFill>
-                <a:schemeClr val="tx1">
-                  <a:lumMod val="75000"/>
-                  <a:lumOff val="25000"/>
-                </a:schemeClr>
-              </a:solidFill>
-              <a:cs typeface="Segoe UI" panose="020B0502040204020203" pitchFamily="34" charset="0"/>
-            </a:endParaRPr>
-          </a:p>
-          <a:p>
-            <a:r>
-              <a:rPr lang="ru-RU" sz="1600" dirty="0">
-                <a:solidFill>
-                  <a:schemeClr val="tx1">
-                    <a:lumMod val="75000"/>
-                    <a:lumOff val="25000"/>
-                  </a:schemeClr>
-                </a:solidFill>
-                <a:cs typeface="Segoe UI" panose="020B0502040204020203" pitchFamily="34" charset="0"/>
-              </a:rPr>
-              <a:t> Плохо работает с поворотом лица</a:t>
-            </a:r>
-          </a:p>
-          <a:p>
-            <a:r>
-              <a:rPr lang="ru-RU" sz="1600" dirty="0">
-                <a:solidFill>
-                  <a:schemeClr val="tx1">
-                    <a:lumMod val="75000"/>
-                    <a:lumOff val="25000"/>
-                  </a:schemeClr>
-                </a:solidFill>
-                <a:cs typeface="Segoe UI" panose="020B0502040204020203" pitchFamily="34" charset="0"/>
-              </a:rPr>
-              <a:t> Проблемы с коллизией </a:t>
-            </a:r>
-            <a:endParaRPr lang="en-US" sz="1600" dirty="0">
-              <a:solidFill>
-                <a:schemeClr val="tx1">
-                  <a:lumMod val="75000"/>
-                  <a:lumOff val="25000"/>
-                </a:schemeClr>
-              </a:solidFill>
-              <a:cs typeface="Segoe UI" panose="020B0502040204020203" pitchFamily="34" charset="0"/>
-            </a:endParaRPr>
-          </a:p>
-          <a:p>
-            <a:pPr marL="285750" indent="-285750">
-              <a:buFont typeface="Arial" panose="020B0604020202020204" pitchFamily="34" charset="0"/>
-              <a:buChar char="•"/>
-            </a:pPr>
-            <a:r>
-              <a:rPr lang="en-US" sz="1600" b="1" dirty="0">
-                <a:solidFill>
-                  <a:schemeClr val="tx1">
-                    <a:lumMod val="75000"/>
-                    <a:lumOff val="25000"/>
-                  </a:schemeClr>
-                </a:solidFill>
-                <a:cs typeface="Segoe UI" panose="020B0502040204020203" pitchFamily="34" charset="0"/>
-              </a:rPr>
-              <a:t>OpenCV DNN</a:t>
-            </a:r>
-            <a:endParaRPr lang="ru-RU" sz="1600" b="1" dirty="0">
-              <a:solidFill>
-                <a:schemeClr val="tx1">
-                  <a:lumMod val="75000"/>
-                  <a:lumOff val="25000"/>
-                </a:schemeClr>
-              </a:solidFill>
-              <a:cs typeface="Segoe UI" panose="020B0502040204020203" pitchFamily="34" charset="0"/>
-            </a:endParaRPr>
-          </a:p>
-          <a:p>
-            <a:r>
-              <a:rPr lang="ru-RU" sz="1600" dirty="0">
-                <a:solidFill>
-                  <a:schemeClr val="tx1">
-                    <a:lumMod val="75000"/>
-                    <a:lumOff val="25000"/>
-                  </a:schemeClr>
-                </a:solidFill>
-                <a:cs typeface="Segoe UI" panose="020B0502040204020203" pitchFamily="34" charset="0"/>
-              </a:rPr>
-              <a:t>Долго</a:t>
-            </a:r>
-            <a:endParaRPr lang="en-US" sz="1600" dirty="0">
-              <a:solidFill>
-                <a:schemeClr val="tx1">
-                  <a:lumMod val="75000"/>
-                  <a:lumOff val="25000"/>
-                </a:schemeClr>
-              </a:solidFill>
-              <a:cs typeface="Segoe UI" panose="020B0502040204020203" pitchFamily="34" charset="0"/>
-            </a:endParaRPr>
-          </a:p>
-          <a:p>
-            <a:endParaRPr lang="ru-RU" sz="1600" dirty="0">
-              <a:solidFill>
-                <a:schemeClr val="tx1">
-                  <a:lumMod val="75000"/>
-                  <a:lumOff val="25000"/>
-                </a:schemeClr>
-              </a:solidFill>
-              <a:cs typeface="Segoe UI" panose="020B0502040204020203" pitchFamily="34" charset="0"/>
-            </a:endParaRPr>
-          </a:p>
-          <a:p>
-            <a:pPr rtl="0"/>
-            <a:endParaRPr lang="ru-RU" sz="1600" b="1" dirty="0">
-              <a:solidFill>
-                <a:schemeClr val="tx1">
-                  <a:lumMod val="75000"/>
-                  <a:lumOff val="25000"/>
-                </a:schemeClr>
-              </a:solidFill>
-              <a:cs typeface="Segoe UI" panose="020B0502040204020203" pitchFamily="34" charset="0"/>
-            </a:endParaRPr>
-          </a:p>
-        </p:txBody>
-      </p:sp>
-    </p:spTree>
-    <p:extLst>
-      <p:ext uri="{BB962C8B-B14F-4D97-AF65-F5344CB8AC3E}">
-        <p14:creationId xmlns:p14="http://schemas.microsoft.com/office/powerpoint/2010/main" val="3535739603"/>
-      </p:ext>
-    </p:extLst>
-  </p:cSld>
-  <p:clrMapOvr>
-    <a:masterClrMapping/>
-  </p:clrMapOvr>
-</p:sld>
-</file>
-
-<file path=ppt/slides/slide12.xml><?xml version="1.0" encoding="utf-8"?>
-<p:sld xmlns:a="http://schemas.openxmlformats.org/drawingml/2006/main" xmlns:r="http://schemas.openxmlformats.org/officeDocument/2006/relationships" xmlns:p="http://schemas.openxmlformats.org/presentationml/2006/main">
-  <p:cSld>
-    <p:spTree>
-      <p:nvGrpSpPr>
-        <p:cNvPr id="1" name=""/>
-        <p:cNvGrpSpPr/>
-        <p:nvPr/>
-      </p:nvGrpSpPr>
-      <p:grpSpPr>
-        <a:xfrm>
-          <a:off x="0" y="0"/>
-          <a:ext cx="0" cy="0"/>
-          <a:chOff x="0" y="0"/>
-          <a:chExt cx="0" cy="0"/>
-        </a:xfrm>
-      </p:grpSpPr>
       <p:grpSp>
         <p:nvGrpSpPr>
           <p:cNvPr id="11" name="Группа 10">
@@ -8086,8 +7478,8 @@
         </p:nvSpPr>
         <p:spPr>
           <a:xfrm>
-            <a:off x="1524000" y="2930403"/>
-            <a:ext cx="9144000" cy="997196"/>
+            <a:off x="1524000" y="3429000"/>
+            <a:ext cx="9144000" cy="664797"/>
           </a:xfrm>
         </p:spPr>
         <p:txBody>
@@ -8098,10 +7490,10 @@
           <a:p>
             <a:pPr rtl="0"/>
             <a:r>
-              <a:rPr lang="ru-RU" sz="7200" b="1" dirty="0"/>
-              <a:t>Спасибо</a:t>
-            </a:r>
-            <a:endParaRPr lang="ru-RU" sz="7200" dirty="0"/>
+              <a:rPr lang="ru-RU" sz="4800" b="1" dirty="0"/>
+              <a:t>Спасибо за внимание</a:t>
+            </a:r>
+            <a:endParaRPr lang="ru-RU" sz="4800" dirty="0"/>
           </a:p>
         </p:txBody>
       </p:sp>
@@ -8118,8 +7510,8 @@
 </p:sld>
 </file>
 
-<file path=ppt/slides/slide2.xml><?xml version="1.0" encoding="utf-8"?>
-<p:sld xmlns:a="http://schemas.openxmlformats.org/drawingml/2006/main" xmlns:r="http://schemas.openxmlformats.org/officeDocument/2006/relationships" xmlns:p="http://schemas.openxmlformats.org/presentationml/2006/main">
+<file path=ppt/slides/slide11.xml><?xml version="1.0" encoding="utf-8"?>
+<p:sld xmlns:a="http://schemas.openxmlformats.org/drawingml/2006/main" xmlns:r="http://schemas.openxmlformats.org/officeDocument/2006/relationships" xmlns:p="http://schemas.openxmlformats.org/presentationml/2006/main" show="0">
   <p:cSld>
     <p:spTree>
       <p:nvGrpSpPr>
@@ -8137,10 +7529,67 @@
       </p:grpSpPr>
       <p:sp>
         <p:nvSpPr>
-          <p:cNvPr id="7" name="Заголовок 6" hidden="1">
+          <p:cNvPr id="9" name="Прямоугольник 8">
             <a:extLst>
               <a:ext uri="{FF2B5EF4-FFF2-40B4-BE49-F238E27FC236}">
-                <a16:creationId xmlns:a16="http://schemas.microsoft.com/office/drawing/2014/main" id="{A588A72A-976E-478A-9DD3-765AB3ED4CD0}"/>
+                <a16:creationId xmlns:a16="http://schemas.microsoft.com/office/drawing/2014/main" id="{F4673A57-8C07-453C-8611-1D99E8CDE141}"/>
+              </a:ext>
+              <a:ext uri="{C183D7F6-B498-43B3-948B-1728B52AA6E4}">
+                <adec:decorative xmlns:adec="http://schemas.microsoft.com/office/drawing/2017/decorative" val="1"/>
+              </a:ext>
+            </a:extLst>
+          </p:cNvPr>
+          <p:cNvSpPr/>
+          <p:nvPr/>
+        </p:nvSpPr>
+        <p:spPr>
+          <a:xfrm>
+            <a:off x="0" y="990601"/>
+            <a:ext cx="12192000" cy="3513665"/>
+          </a:xfrm>
+          <a:prstGeom prst="rect">
+            <a:avLst/>
+          </a:prstGeom>
+          <a:solidFill>
+            <a:schemeClr val="bg1">
+              <a:lumMod val="95000"/>
+            </a:schemeClr>
+          </a:solidFill>
+          <a:ln>
+            <a:noFill/>
+          </a:ln>
+        </p:spPr>
+        <p:style>
+          <a:lnRef idx="2">
+            <a:schemeClr val="accent1">
+              <a:shade val="50000"/>
+            </a:schemeClr>
+          </a:lnRef>
+          <a:fillRef idx="1">
+            <a:schemeClr val="accent1"/>
+          </a:fillRef>
+          <a:effectRef idx="0">
+            <a:schemeClr val="accent1"/>
+          </a:effectRef>
+          <a:fontRef idx="minor">
+            <a:schemeClr val="lt1"/>
+          </a:fontRef>
+        </p:style>
+        <p:txBody>
+          <a:bodyPr rtlCol="0" anchor="ctr"/>
+          <a:lstStyle/>
+          <a:p>
+            <a:pPr algn="ctr" rtl="0"/>
+            <a:endParaRPr lang="ru-RU" dirty="0"/>
+          </a:p>
+        </p:txBody>
+      </p:sp>
+      <p:sp>
+        <p:nvSpPr>
+          <p:cNvPr id="4" name="Заголовок 3" hidden="1">
+            <a:extLst>
+              <a:ext uri="{FF2B5EF4-FFF2-40B4-BE49-F238E27FC236}">
+                <a16:creationId xmlns:a16="http://schemas.microsoft.com/office/drawing/2014/main" id="{2AC0C949-7A02-4C95-8017-D82E7E71C4F7}"/>
               </a:ext>
             </a:extLst>
           </p:cNvPr>
@@ -8163,17 +7612,8 @@
           <a:p>
             <a:r>
               <a:rPr lang="ru-RU" dirty="0"/>
-              <a:t>Слайд </a:t>
-            </a:r>
-            <a:r>
-              <a:rPr lang="en-US" dirty="0"/>
-              <a:t>8</a:t>
-            </a:r>
-            <a:r>
-              <a:rPr lang="ru-RU" dirty="0"/>
-              <a:t> с анализом проекта</a:t>
-            </a:r>
-            <a:endParaRPr lang="ru" dirty="0"/>
+              <a:t>Слайд 5 с анализом проекта</a:t>
+            </a:r>
           </a:p>
         </p:txBody>
       </p:sp>
@@ -8243,6 +7683,1613 @@
         <p:spPr>
           <a:xfrm>
             <a:off x="228600" y="190500"/>
+            <a:ext cx="11734800" cy="775597"/>
+          </a:xfrm>
+          <a:prstGeom prst="rect">
+            <a:avLst/>
+          </a:prstGeom>
+        </p:spPr>
+        <p:txBody>
+          <a:bodyPr vert="horz" wrap="square" lIns="0" tIns="0" rIns="0" bIns="0" rtlCol="0" anchor="t">
+            <a:spAutoFit/>
+          </a:bodyPr>
+          <a:lstStyle>
+            <a:lvl1pPr algn="l" defTabSz="914400" rtl="0" eaLnBrk="1" latinLnBrk="0" hangingPunct="1">
+              <a:lnSpc>
+                <a:spcPct val="90000"/>
+              </a:lnSpc>
+              <a:spcBef>
+                <a:spcPct val="0"/>
+              </a:spcBef>
+              <a:buNone/>
+              <a:defRPr sz="4400" kern="1200">
+                <a:solidFill>
+                  <a:schemeClr val="tx1"/>
+                </a:solidFill>
+                <a:latin typeface="+mj-lt"/>
+                <a:ea typeface="+mj-ea"/>
+                <a:cs typeface="+mj-cs"/>
+              </a:defRPr>
+            </a:lvl1pPr>
+          </a:lstStyle>
+          <a:p>
+            <a:pPr algn="ctr" rtl="0"/>
+            <a:r>
+              <a:rPr lang="ru-RU" sz="2800" b="1" dirty="0">
+                <a:solidFill>
+                  <a:schemeClr val="tx1">
+                    <a:lumMod val="75000"/>
+                    <a:lumOff val="25000"/>
+                  </a:schemeClr>
+                </a:solidFill>
+              </a:rPr>
+              <a:t>Анализ проекта</a:t>
+            </a:r>
+            <a:br>
+              <a:rPr lang="ru-RU" sz="2800" dirty="0">
+                <a:solidFill>
+                  <a:schemeClr val="tx1">
+                    <a:lumMod val="75000"/>
+                    <a:lumOff val="25000"/>
+                  </a:schemeClr>
+                </a:solidFill>
+              </a:rPr>
+            </a:br>
+            <a:endParaRPr lang="ru-RU" sz="2800" dirty="0">
+              <a:solidFill>
+                <a:schemeClr val="tx1">
+                  <a:lumMod val="75000"/>
+                  <a:lumOff val="25000"/>
+                </a:schemeClr>
+              </a:solidFill>
+            </a:endParaRPr>
+          </a:p>
+        </p:txBody>
+      </p:sp>
+      <p:cxnSp>
+        <p:nvCxnSpPr>
+          <p:cNvPr id="14" name="Прямая соединительная линия 13">
+            <a:extLst>
+              <a:ext uri="{FF2B5EF4-FFF2-40B4-BE49-F238E27FC236}">
+                <a16:creationId xmlns:a16="http://schemas.microsoft.com/office/drawing/2014/main" id="{83E690F4-843A-47A5-8620-4FB01C0D8E68}"/>
+              </a:ext>
+              <a:ext uri="{C183D7F6-B498-43B3-948B-1728B52AA6E4}">
+                <adec:decorative xmlns:adec="http://schemas.microsoft.com/office/drawing/2017/decorative" val="1"/>
+              </a:ext>
+            </a:extLst>
+          </p:cNvPr>
+          <p:cNvCxnSpPr>
+            <a:cxnSpLocks/>
+          </p:cNvCxnSpPr>
+          <p:nvPr/>
+        </p:nvCxnSpPr>
+        <p:spPr>
+          <a:xfrm>
+            <a:off x="0" y="522898"/>
+            <a:ext cx="4086225" cy="0"/>
+          </a:xfrm>
+          <a:prstGeom prst="line">
+            <a:avLst/>
+          </a:prstGeom>
+          <a:ln>
+            <a:solidFill>
+              <a:schemeClr val="accent3">
+                <a:lumMod val="50000"/>
+              </a:schemeClr>
+            </a:solidFill>
+            <a:tailEnd type="oval"/>
+          </a:ln>
+        </p:spPr>
+        <p:style>
+          <a:lnRef idx="1">
+            <a:schemeClr val="accent1"/>
+          </a:lnRef>
+          <a:fillRef idx="0">
+            <a:schemeClr val="accent1"/>
+          </a:fillRef>
+          <a:effectRef idx="0">
+            <a:schemeClr val="accent1"/>
+          </a:effectRef>
+          <a:fontRef idx="minor">
+            <a:schemeClr val="tx1"/>
+          </a:fontRef>
+        </p:style>
+      </p:cxnSp>
+      <p:graphicFrame>
+        <p:nvGraphicFramePr>
+          <p:cNvPr id="20" name="Диаграмма 6" descr="Диаграмма.">
+            <a:extLst>
+              <a:ext uri="{FF2B5EF4-FFF2-40B4-BE49-F238E27FC236}">
+                <a16:creationId xmlns:a16="http://schemas.microsoft.com/office/drawing/2014/main" id="{686C4999-06C3-490E-B7B9-866B1D0D975E}"/>
+              </a:ext>
+            </a:extLst>
+          </p:cNvPr>
+          <p:cNvGraphicFramePr/>
+          <p:nvPr>
+            <p:extLst>
+              <p:ext uri="{D42A27DB-BD31-4B8C-83A1-F6EECF244321}">
+                <p14:modId xmlns:p14="http://schemas.microsoft.com/office/powerpoint/2010/main" val="1757921148"/>
+              </p:ext>
+            </p:extLst>
+          </p:nvPr>
+        </p:nvGraphicFramePr>
+        <p:xfrm>
+          <a:off x="654050" y="1083302"/>
+          <a:ext cx="10883900" cy="3344334"/>
+        </p:xfrm>
+        <a:graphic>
+          <a:graphicData uri="http://schemas.openxmlformats.org/drawingml/2006/chart">
+            <c:chart xmlns:c="http://schemas.openxmlformats.org/drawingml/2006/chart" xmlns:r="http://schemas.openxmlformats.org/officeDocument/2006/relationships" r:id="rId3"/>
+          </a:graphicData>
+        </a:graphic>
+      </p:graphicFrame>
+      <p:cxnSp>
+        <p:nvCxnSpPr>
+          <p:cNvPr id="15" name="Прямая соединительная линия 14">
+            <a:extLst>
+              <a:ext uri="{FF2B5EF4-FFF2-40B4-BE49-F238E27FC236}">
+                <a16:creationId xmlns:a16="http://schemas.microsoft.com/office/drawing/2014/main" id="{6516ABC0-EF46-4159-B4CF-45B14EA929B3}"/>
+              </a:ext>
+              <a:ext uri="{C183D7F6-B498-43B3-948B-1728B52AA6E4}">
+                <adec:decorative xmlns:adec="http://schemas.microsoft.com/office/drawing/2017/decorative" val="1"/>
+              </a:ext>
+            </a:extLst>
+          </p:cNvPr>
+          <p:cNvCxnSpPr/>
+          <p:nvPr/>
+        </p:nvCxnSpPr>
+        <p:spPr>
+          <a:xfrm>
+            <a:off x="4152902" y="4879971"/>
+            <a:ext cx="0" cy="1206500"/>
+          </a:xfrm>
+          <a:prstGeom prst="line">
+            <a:avLst/>
+          </a:prstGeom>
+          <a:ln>
+            <a:solidFill>
+              <a:schemeClr val="accent3">
+                <a:lumMod val="50000"/>
+              </a:schemeClr>
+            </a:solidFill>
+          </a:ln>
+        </p:spPr>
+        <p:style>
+          <a:lnRef idx="1">
+            <a:schemeClr val="accent1"/>
+          </a:lnRef>
+          <a:fillRef idx="0">
+            <a:schemeClr val="accent1"/>
+          </a:fillRef>
+          <a:effectRef idx="0">
+            <a:schemeClr val="accent1"/>
+          </a:effectRef>
+          <a:fontRef idx="minor">
+            <a:schemeClr val="tx1"/>
+          </a:fontRef>
+        </p:style>
+      </p:cxnSp>
+      <p:cxnSp>
+        <p:nvCxnSpPr>
+          <p:cNvPr id="40" name="Прямая соединительная линия 39">
+            <a:extLst>
+              <a:ext uri="{FF2B5EF4-FFF2-40B4-BE49-F238E27FC236}">
+                <a16:creationId xmlns:a16="http://schemas.microsoft.com/office/drawing/2014/main" id="{B1E755E2-4A99-478A-BBEF-ACE16BEBFCB7}"/>
+              </a:ext>
+              <a:ext uri="{C183D7F6-B498-43B3-948B-1728B52AA6E4}">
+                <adec:decorative xmlns:adec="http://schemas.microsoft.com/office/drawing/2017/decorative" val="1"/>
+              </a:ext>
+            </a:extLst>
+          </p:cNvPr>
+          <p:cNvCxnSpPr/>
+          <p:nvPr/>
+        </p:nvCxnSpPr>
+        <p:spPr>
+          <a:xfrm>
+            <a:off x="8039100" y="4879971"/>
+            <a:ext cx="0" cy="1206500"/>
+          </a:xfrm>
+          <a:prstGeom prst="line">
+            <a:avLst/>
+          </a:prstGeom>
+          <a:ln>
+            <a:solidFill>
+              <a:schemeClr val="accent3">
+                <a:lumMod val="50000"/>
+              </a:schemeClr>
+            </a:solidFill>
+          </a:ln>
+        </p:spPr>
+        <p:style>
+          <a:lnRef idx="1">
+            <a:schemeClr val="accent1"/>
+          </a:lnRef>
+          <a:fillRef idx="0">
+            <a:schemeClr val="accent1"/>
+          </a:fillRef>
+          <a:effectRef idx="0">
+            <a:schemeClr val="accent1"/>
+          </a:effectRef>
+          <a:fontRef idx="minor">
+            <a:schemeClr val="tx1"/>
+          </a:fontRef>
+        </p:style>
+      </p:cxnSp>
+      <p:sp>
+        <p:nvSpPr>
+          <p:cNvPr id="43" name="Прямоугольник 42">
+            <a:extLst>
+              <a:ext uri="{FF2B5EF4-FFF2-40B4-BE49-F238E27FC236}">
+                <a16:creationId xmlns:a16="http://schemas.microsoft.com/office/drawing/2014/main" id="{51613421-44EB-4EA7-89AE-D8972D473414}"/>
+              </a:ext>
+            </a:extLst>
+          </p:cNvPr>
+          <p:cNvSpPr/>
+          <p:nvPr/>
+        </p:nvSpPr>
+        <p:spPr>
+          <a:xfrm>
+            <a:off x="838205" y="5521007"/>
+            <a:ext cx="2743195" cy="730969"/>
+          </a:xfrm>
+          <a:prstGeom prst="rect">
+            <a:avLst/>
+          </a:prstGeom>
+        </p:spPr>
+        <p:txBody>
+          <a:bodyPr wrap="square" lIns="0" tIns="0" rIns="0" bIns="0" rtlCol="0" anchor="t">
+            <a:spAutoFit/>
+          </a:bodyPr>
+          <a:lstStyle/>
+          <a:p>
+            <a:pPr rtl="0">
+              <a:lnSpc>
+                <a:spcPts val="1900"/>
+              </a:lnSpc>
+            </a:pPr>
+            <a:r>
+              <a:rPr lang="ru-RU" sz="1400" dirty="0" err="1">
+                <a:solidFill>
+                  <a:schemeClr val="tx1">
+                    <a:lumMod val="75000"/>
+                    <a:lumOff val="25000"/>
+                  </a:schemeClr>
+                </a:solidFill>
+                <a:cs typeface="Segoe UI" panose="020B0502040204020203" pitchFamily="34" charset="0"/>
+              </a:rPr>
+              <a:t>Lorem</a:t>
+            </a:r>
+            <a:r>
+              <a:rPr lang="ru-RU" sz="1400" dirty="0">
+                <a:solidFill>
+                  <a:schemeClr val="tx1">
+                    <a:lumMod val="75000"/>
+                    <a:lumOff val="25000"/>
+                  </a:schemeClr>
+                </a:solidFill>
+                <a:cs typeface="Segoe UI" panose="020B0502040204020203" pitchFamily="34" charset="0"/>
+              </a:rPr>
+              <a:t> </a:t>
+            </a:r>
+            <a:r>
+              <a:rPr lang="ru-RU" sz="1400" dirty="0" err="1">
+                <a:solidFill>
+                  <a:schemeClr val="tx1">
+                    <a:lumMod val="75000"/>
+                    <a:lumOff val="25000"/>
+                  </a:schemeClr>
+                </a:solidFill>
+                <a:cs typeface="Segoe UI" panose="020B0502040204020203" pitchFamily="34" charset="0"/>
+              </a:rPr>
+              <a:t>ipsum</a:t>
+            </a:r>
+            <a:r>
+              <a:rPr lang="ru-RU" sz="1400" dirty="0">
+                <a:solidFill>
+                  <a:schemeClr val="tx1">
+                    <a:lumMod val="75000"/>
+                    <a:lumOff val="25000"/>
+                  </a:schemeClr>
+                </a:solidFill>
+                <a:cs typeface="Segoe UI" panose="020B0502040204020203" pitchFamily="34" charset="0"/>
+              </a:rPr>
+              <a:t> </a:t>
+            </a:r>
+            <a:r>
+              <a:rPr lang="ru-RU" sz="1400" dirty="0" err="1">
+                <a:solidFill>
+                  <a:schemeClr val="tx1">
+                    <a:lumMod val="75000"/>
+                    <a:lumOff val="25000"/>
+                  </a:schemeClr>
+                </a:solidFill>
+                <a:cs typeface="Segoe UI" panose="020B0502040204020203" pitchFamily="34" charset="0"/>
+              </a:rPr>
+              <a:t>dolor</a:t>
+            </a:r>
+            <a:r>
+              <a:rPr lang="ru-RU" sz="1400" dirty="0">
+                <a:solidFill>
+                  <a:schemeClr val="tx1">
+                    <a:lumMod val="75000"/>
+                    <a:lumOff val="25000"/>
+                  </a:schemeClr>
+                </a:solidFill>
+                <a:cs typeface="Segoe UI" panose="020B0502040204020203" pitchFamily="34" charset="0"/>
+              </a:rPr>
+              <a:t> </a:t>
+            </a:r>
+            <a:r>
+              <a:rPr lang="ru-RU" sz="1400" dirty="0" err="1">
+                <a:solidFill>
+                  <a:schemeClr val="tx1">
+                    <a:lumMod val="75000"/>
+                    <a:lumOff val="25000"/>
+                  </a:schemeClr>
+                </a:solidFill>
+                <a:cs typeface="Segoe UI" panose="020B0502040204020203" pitchFamily="34" charset="0"/>
+              </a:rPr>
+              <a:t>sit</a:t>
+            </a:r>
+            <a:r>
+              <a:rPr lang="ru-RU" sz="1400" dirty="0">
+                <a:solidFill>
+                  <a:schemeClr val="tx1">
+                    <a:lumMod val="75000"/>
+                    <a:lumOff val="25000"/>
+                  </a:schemeClr>
+                </a:solidFill>
+                <a:cs typeface="Segoe UI" panose="020B0502040204020203" pitchFamily="34" charset="0"/>
+              </a:rPr>
+              <a:t> </a:t>
+            </a:r>
+            <a:r>
+              <a:rPr lang="ru-RU" sz="1400" dirty="0" err="1">
+                <a:solidFill>
+                  <a:schemeClr val="tx1">
+                    <a:lumMod val="75000"/>
+                    <a:lumOff val="25000"/>
+                  </a:schemeClr>
+                </a:solidFill>
+                <a:cs typeface="Segoe UI" panose="020B0502040204020203" pitchFamily="34" charset="0"/>
+              </a:rPr>
+              <a:t>amet</a:t>
+            </a:r>
+            <a:r>
+              <a:rPr lang="ru-RU" sz="1400" dirty="0">
+                <a:solidFill>
+                  <a:schemeClr val="tx1">
+                    <a:lumMod val="75000"/>
+                    <a:lumOff val="25000"/>
+                  </a:schemeClr>
+                </a:solidFill>
+                <a:cs typeface="Segoe UI" panose="020B0502040204020203" pitchFamily="34" charset="0"/>
+              </a:rPr>
+              <a:t>, </a:t>
+            </a:r>
+            <a:r>
+              <a:rPr lang="ru-RU" sz="1400" dirty="0" err="1">
+                <a:solidFill>
+                  <a:schemeClr val="tx1">
+                    <a:lumMod val="75000"/>
+                    <a:lumOff val="25000"/>
+                  </a:schemeClr>
+                </a:solidFill>
+                <a:cs typeface="Segoe UI" panose="020B0502040204020203" pitchFamily="34" charset="0"/>
+              </a:rPr>
+              <a:t>consectetur</a:t>
+            </a:r>
+            <a:r>
+              <a:rPr lang="ru-RU" sz="1400" dirty="0">
+                <a:solidFill>
+                  <a:schemeClr val="tx1">
+                    <a:lumMod val="75000"/>
+                    <a:lumOff val="25000"/>
+                  </a:schemeClr>
+                </a:solidFill>
+                <a:cs typeface="Segoe UI" panose="020B0502040204020203" pitchFamily="34" charset="0"/>
+              </a:rPr>
+              <a:t> </a:t>
+            </a:r>
+            <a:r>
+              <a:rPr lang="ru-RU" sz="1400" dirty="0" err="1">
+                <a:solidFill>
+                  <a:schemeClr val="tx1">
+                    <a:lumMod val="75000"/>
+                    <a:lumOff val="25000"/>
+                  </a:schemeClr>
+                </a:solidFill>
+                <a:cs typeface="Segoe UI" panose="020B0502040204020203" pitchFamily="34" charset="0"/>
+              </a:rPr>
+              <a:t>adipiscing</a:t>
+            </a:r>
+            <a:r>
+              <a:rPr lang="ru-RU" sz="1400" dirty="0">
+                <a:solidFill>
+                  <a:schemeClr val="tx1">
+                    <a:lumMod val="75000"/>
+                    <a:lumOff val="25000"/>
+                  </a:schemeClr>
+                </a:solidFill>
+                <a:cs typeface="Segoe UI" panose="020B0502040204020203" pitchFamily="34" charset="0"/>
+              </a:rPr>
+              <a:t> </a:t>
+            </a:r>
+            <a:r>
+              <a:rPr lang="ru-RU" sz="1400" dirty="0" err="1">
+                <a:solidFill>
+                  <a:schemeClr val="tx1">
+                    <a:lumMod val="75000"/>
+                    <a:lumOff val="25000"/>
+                  </a:schemeClr>
+                </a:solidFill>
+                <a:cs typeface="Segoe UI" panose="020B0502040204020203" pitchFamily="34" charset="0"/>
+              </a:rPr>
+              <a:t>elit</a:t>
+            </a:r>
+            <a:r>
+              <a:rPr lang="ru-RU" sz="1400" dirty="0">
+                <a:solidFill>
+                  <a:schemeClr val="tx1">
+                    <a:lumMod val="75000"/>
+                    <a:lumOff val="25000"/>
+                  </a:schemeClr>
+                </a:solidFill>
+                <a:cs typeface="Segoe UI" panose="020B0502040204020203" pitchFamily="34" charset="0"/>
+              </a:rPr>
+              <a:t>, </a:t>
+            </a:r>
+            <a:r>
+              <a:rPr lang="ru-RU" sz="1400" dirty="0" err="1">
+                <a:solidFill>
+                  <a:schemeClr val="tx1">
+                    <a:lumMod val="75000"/>
+                    <a:lumOff val="25000"/>
+                  </a:schemeClr>
+                </a:solidFill>
+                <a:cs typeface="Segoe UI" panose="020B0502040204020203" pitchFamily="34" charset="0"/>
+              </a:rPr>
+              <a:t>sed</a:t>
+            </a:r>
+            <a:r>
+              <a:rPr lang="ru-RU" sz="1400" dirty="0">
+                <a:solidFill>
+                  <a:schemeClr val="tx1">
+                    <a:lumMod val="75000"/>
+                    <a:lumOff val="25000"/>
+                  </a:schemeClr>
+                </a:solidFill>
+                <a:cs typeface="Segoe UI" panose="020B0502040204020203" pitchFamily="34" charset="0"/>
+              </a:rPr>
+              <a:t> </a:t>
+            </a:r>
+            <a:r>
+              <a:rPr lang="ru-RU" sz="1400" dirty="0" err="1">
+                <a:solidFill>
+                  <a:schemeClr val="tx1">
+                    <a:lumMod val="75000"/>
+                    <a:lumOff val="25000"/>
+                  </a:schemeClr>
+                </a:solidFill>
+                <a:cs typeface="Segoe UI" panose="020B0502040204020203" pitchFamily="34" charset="0"/>
+              </a:rPr>
+              <a:t>do</a:t>
+            </a:r>
+            <a:r>
+              <a:rPr lang="ru-RU" sz="1400" dirty="0">
+                <a:solidFill>
+                  <a:schemeClr val="tx1">
+                    <a:lumMod val="75000"/>
+                    <a:lumOff val="25000"/>
+                  </a:schemeClr>
+                </a:solidFill>
+                <a:cs typeface="Segoe UI" panose="020B0502040204020203" pitchFamily="34" charset="0"/>
+              </a:rPr>
+              <a:t> </a:t>
+            </a:r>
+            <a:r>
+              <a:rPr lang="ru-RU" sz="1400" dirty="0" err="1">
+                <a:solidFill>
+                  <a:schemeClr val="tx1">
+                    <a:lumMod val="75000"/>
+                    <a:lumOff val="25000"/>
+                  </a:schemeClr>
+                </a:solidFill>
+                <a:cs typeface="Segoe UI" panose="020B0502040204020203" pitchFamily="34" charset="0"/>
+              </a:rPr>
+              <a:t>eiusmod</a:t>
+            </a:r>
+            <a:r>
+              <a:rPr lang="ru-RU" sz="1400" dirty="0">
+                <a:solidFill>
+                  <a:schemeClr val="tx1">
+                    <a:lumMod val="75000"/>
+                    <a:lumOff val="25000"/>
+                  </a:schemeClr>
+                </a:solidFill>
+                <a:cs typeface="Segoe UI" panose="020B0502040204020203" pitchFamily="34" charset="0"/>
+              </a:rPr>
+              <a:t> </a:t>
+            </a:r>
+            <a:r>
+              <a:rPr lang="ru-RU" sz="1400" dirty="0" err="1">
+                <a:solidFill>
+                  <a:schemeClr val="tx1">
+                    <a:lumMod val="75000"/>
+                    <a:lumOff val="25000"/>
+                  </a:schemeClr>
+                </a:solidFill>
+                <a:cs typeface="Segoe UI" panose="020B0502040204020203" pitchFamily="34" charset="0"/>
+              </a:rPr>
+              <a:t>tempor</a:t>
+            </a:r>
+            <a:r>
+              <a:rPr lang="ru-RU" sz="1400" dirty="0">
+                <a:solidFill>
+                  <a:schemeClr val="tx1">
+                    <a:lumMod val="75000"/>
+                    <a:lumOff val="25000"/>
+                  </a:schemeClr>
+                </a:solidFill>
+                <a:cs typeface="Segoe UI" panose="020B0502040204020203" pitchFamily="34" charset="0"/>
+              </a:rPr>
+              <a:t>.</a:t>
+            </a:r>
+          </a:p>
+        </p:txBody>
+      </p:sp>
+      <p:sp>
+        <p:nvSpPr>
+          <p:cNvPr id="44" name="Прямоугольник 43">
+            <a:extLst>
+              <a:ext uri="{FF2B5EF4-FFF2-40B4-BE49-F238E27FC236}">
+                <a16:creationId xmlns:a16="http://schemas.microsoft.com/office/drawing/2014/main" id="{71E47AC8-8358-4724-91F8-0D1B21FC5F47}"/>
+              </a:ext>
+            </a:extLst>
+          </p:cNvPr>
+          <p:cNvSpPr/>
+          <p:nvPr/>
+        </p:nvSpPr>
+        <p:spPr>
+          <a:xfrm>
+            <a:off x="838205" y="5000266"/>
+            <a:ext cx="2743195" cy="492443"/>
+          </a:xfrm>
+          <a:prstGeom prst="rect">
+            <a:avLst/>
+          </a:prstGeom>
+        </p:spPr>
+        <p:txBody>
+          <a:bodyPr wrap="square" lIns="0" tIns="0" rIns="0" bIns="0" rtlCol="0" anchor="t">
+            <a:spAutoFit/>
+          </a:bodyPr>
+          <a:lstStyle/>
+          <a:p>
+            <a:pPr rtl="0"/>
+            <a:r>
+              <a:rPr lang="ru-RU" sz="3200" dirty="0">
+                <a:solidFill>
+                  <a:schemeClr val="accent3">
+                    <a:lumMod val="75000"/>
+                  </a:schemeClr>
+                </a:solidFill>
+                <a:cs typeface="Segoe UI" panose="020B0502040204020203" pitchFamily="34" charset="0"/>
+              </a:rPr>
+              <a:t>5 980</a:t>
+            </a:r>
+          </a:p>
+        </p:txBody>
+      </p:sp>
+      <p:sp>
+        <p:nvSpPr>
+          <p:cNvPr id="45" name="Прямоугольник 44">
+            <a:extLst>
+              <a:ext uri="{FF2B5EF4-FFF2-40B4-BE49-F238E27FC236}">
+                <a16:creationId xmlns:a16="http://schemas.microsoft.com/office/drawing/2014/main" id="{69F7E025-DDEC-4748-AAE9-9FA2A4BF1E49}"/>
+              </a:ext>
+            </a:extLst>
+          </p:cNvPr>
+          <p:cNvSpPr/>
+          <p:nvPr/>
+        </p:nvSpPr>
+        <p:spPr>
+          <a:xfrm>
+            <a:off x="838205" y="4748574"/>
+            <a:ext cx="2743195" cy="243656"/>
+          </a:xfrm>
+          <a:prstGeom prst="rect">
+            <a:avLst/>
+          </a:prstGeom>
+        </p:spPr>
+        <p:txBody>
+          <a:bodyPr wrap="square" lIns="0" tIns="0" rIns="0" bIns="0" rtlCol="0" anchor="t">
+            <a:spAutoFit/>
+          </a:bodyPr>
+          <a:lstStyle/>
+          <a:p>
+            <a:pPr rtl="0">
+              <a:lnSpc>
+                <a:spcPts val="1900"/>
+              </a:lnSpc>
+            </a:pPr>
+            <a:r>
+              <a:rPr lang="ru-RU" sz="1400" b="1" dirty="0">
+                <a:solidFill>
+                  <a:schemeClr val="accent3">
+                    <a:lumMod val="75000"/>
+                  </a:schemeClr>
+                </a:solidFill>
+                <a:latin typeface="+mj-lt"/>
+                <a:cs typeface="Segoe UI" panose="020B0502040204020203" pitchFamily="34" charset="0"/>
+              </a:rPr>
+              <a:t>LOREM IPSUM</a:t>
+            </a:r>
+          </a:p>
+        </p:txBody>
+      </p:sp>
+      <p:sp>
+        <p:nvSpPr>
+          <p:cNvPr id="46" name="Прямоугольник 45">
+            <a:extLst>
+              <a:ext uri="{FF2B5EF4-FFF2-40B4-BE49-F238E27FC236}">
+                <a16:creationId xmlns:a16="http://schemas.microsoft.com/office/drawing/2014/main" id="{84176128-6116-4C3C-9CC3-394E6E116762}"/>
+              </a:ext>
+            </a:extLst>
+          </p:cNvPr>
+          <p:cNvSpPr/>
+          <p:nvPr/>
+        </p:nvSpPr>
+        <p:spPr>
+          <a:xfrm>
+            <a:off x="4724403" y="5521007"/>
+            <a:ext cx="2743195" cy="730969"/>
+          </a:xfrm>
+          <a:prstGeom prst="rect">
+            <a:avLst/>
+          </a:prstGeom>
+        </p:spPr>
+        <p:txBody>
+          <a:bodyPr wrap="square" lIns="0" tIns="0" rIns="0" bIns="0" rtlCol="0" anchor="t">
+            <a:spAutoFit/>
+          </a:bodyPr>
+          <a:lstStyle/>
+          <a:p>
+            <a:pPr rtl="0">
+              <a:lnSpc>
+                <a:spcPts val="1900"/>
+              </a:lnSpc>
+            </a:pPr>
+            <a:r>
+              <a:rPr lang="ru-RU" sz="1400" dirty="0" err="1">
+                <a:solidFill>
+                  <a:schemeClr val="tx1">
+                    <a:lumMod val="75000"/>
+                    <a:lumOff val="25000"/>
+                  </a:schemeClr>
+                </a:solidFill>
+                <a:cs typeface="Segoe UI" panose="020B0502040204020203" pitchFamily="34" charset="0"/>
+              </a:rPr>
+              <a:t>Lorem</a:t>
+            </a:r>
+            <a:r>
+              <a:rPr lang="ru-RU" sz="1400" dirty="0">
+                <a:solidFill>
+                  <a:schemeClr val="tx1">
+                    <a:lumMod val="75000"/>
+                    <a:lumOff val="25000"/>
+                  </a:schemeClr>
+                </a:solidFill>
+                <a:cs typeface="Segoe UI" panose="020B0502040204020203" pitchFamily="34" charset="0"/>
+              </a:rPr>
+              <a:t> </a:t>
+            </a:r>
+            <a:r>
+              <a:rPr lang="ru-RU" sz="1400" dirty="0" err="1">
+                <a:solidFill>
+                  <a:schemeClr val="tx1">
+                    <a:lumMod val="75000"/>
+                    <a:lumOff val="25000"/>
+                  </a:schemeClr>
+                </a:solidFill>
+                <a:cs typeface="Segoe UI" panose="020B0502040204020203" pitchFamily="34" charset="0"/>
+              </a:rPr>
+              <a:t>ipsum</a:t>
+            </a:r>
+            <a:r>
+              <a:rPr lang="ru-RU" sz="1400" dirty="0">
+                <a:solidFill>
+                  <a:schemeClr val="tx1">
+                    <a:lumMod val="75000"/>
+                    <a:lumOff val="25000"/>
+                  </a:schemeClr>
+                </a:solidFill>
+                <a:cs typeface="Segoe UI" panose="020B0502040204020203" pitchFamily="34" charset="0"/>
+              </a:rPr>
+              <a:t> </a:t>
+            </a:r>
+            <a:r>
+              <a:rPr lang="ru-RU" sz="1400" dirty="0" err="1">
+                <a:solidFill>
+                  <a:schemeClr val="tx1">
+                    <a:lumMod val="75000"/>
+                    <a:lumOff val="25000"/>
+                  </a:schemeClr>
+                </a:solidFill>
+                <a:cs typeface="Segoe UI" panose="020B0502040204020203" pitchFamily="34" charset="0"/>
+              </a:rPr>
+              <a:t>dolor</a:t>
+            </a:r>
+            <a:r>
+              <a:rPr lang="ru-RU" sz="1400" dirty="0">
+                <a:solidFill>
+                  <a:schemeClr val="tx1">
+                    <a:lumMod val="75000"/>
+                    <a:lumOff val="25000"/>
+                  </a:schemeClr>
+                </a:solidFill>
+                <a:cs typeface="Segoe UI" panose="020B0502040204020203" pitchFamily="34" charset="0"/>
+              </a:rPr>
+              <a:t> </a:t>
+            </a:r>
+            <a:r>
+              <a:rPr lang="ru-RU" sz="1400" dirty="0" err="1">
+                <a:solidFill>
+                  <a:schemeClr val="tx1">
+                    <a:lumMod val="75000"/>
+                    <a:lumOff val="25000"/>
+                  </a:schemeClr>
+                </a:solidFill>
+                <a:cs typeface="Segoe UI" panose="020B0502040204020203" pitchFamily="34" charset="0"/>
+              </a:rPr>
+              <a:t>sit</a:t>
+            </a:r>
+            <a:r>
+              <a:rPr lang="ru-RU" sz="1400" dirty="0">
+                <a:solidFill>
+                  <a:schemeClr val="tx1">
+                    <a:lumMod val="75000"/>
+                    <a:lumOff val="25000"/>
+                  </a:schemeClr>
+                </a:solidFill>
+                <a:cs typeface="Segoe UI" panose="020B0502040204020203" pitchFamily="34" charset="0"/>
+              </a:rPr>
+              <a:t> </a:t>
+            </a:r>
+            <a:r>
+              <a:rPr lang="ru-RU" sz="1400" dirty="0" err="1">
+                <a:solidFill>
+                  <a:schemeClr val="tx1">
+                    <a:lumMod val="75000"/>
+                    <a:lumOff val="25000"/>
+                  </a:schemeClr>
+                </a:solidFill>
+                <a:cs typeface="Segoe UI" panose="020B0502040204020203" pitchFamily="34" charset="0"/>
+              </a:rPr>
+              <a:t>amet</a:t>
+            </a:r>
+            <a:r>
+              <a:rPr lang="ru-RU" sz="1400" dirty="0">
+                <a:solidFill>
+                  <a:schemeClr val="tx1">
+                    <a:lumMod val="75000"/>
+                    <a:lumOff val="25000"/>
+                  </a:schemeClr>
+                </a:solidFill>
+                <a:cs typeface="Segoe UI" panose="020B0502040204020203" pitchFamily="34" charset="0"/>
+              </a:rPr>
+              <a:t>, </a:t>
+            </a:r>
+            <a:r>
+              <a:rPr lang="ru-RU" sz="1400" dirty="0" err="1">
+                <a:solidFill>
+                  <a:schemeClr val="tx1">
+                    <a:lumMod val="75000"/>
+                    <a:lumOff val="25000"/>
+                  </a:schemeClr>
+                </a:solidFill>
+                <a:cs typeface="Segoe UI" panose="020B0502040204020203" pitchFamily="34" charset="0"/>
+              </a:rPr>
+              <a:t>consectetur</a:t>
+            </a:r>
+            <a:r>
+              <a:rPr lang="ru-RU" sz="1400" dirty="0">
+                <a:solidFill>
+                  <a:schemeClr val="tx1">
+                    <a:lumMod val="75000"/>
+                    <a:lumOff val="25000"/>
+                  </a:schemeClr>
+                </a:solidFill>
+                <a:cs typeface="Segoe UI" panose="020B0502040204020203" pitchFamily="34" charset="0"/>
+              </a:rPr>
+              <a:t> </a:t>
+            </a:r>
+            <a:r>
+              <a:rPr lang="ru-RU" sz="1400" dirty="0" err="1">
+                <a:solidFill>
+                  <a:schemeClr val="tx1">
+                    <a:lumMod val="75000"/>
+                    <a:lumOff val="25000"/>
+                  </a:schemeClr>
+                </a:solidFill>
+                <a:cs typeface="Segoe UI" panose="020B0502040204020203" pitchFamily="34" charset="0"/>
+              </a:rPr>
+              <a:t>adipiscing</a:t>
+            </a:r>
+            <a:r>
+              <a:rPr lang="ru-RU" sz="1400" dirty="0">
+                <a:solidFill>
+                  <a:schemeClr val="tx1">
+                    <a:lumMod val="75000"/>
+                    <a:lumOff val="25000"/>
+                  </a:schemeClr>
+                </a:solidFill>
+                <a:cs typeface="Segoe UI" panose="020B0502040204020203" pitchFamily="34" charset="0"/>
+              </a:rPr>
+              <a:t> </a:t>
+            </a:r>
+            <a:r>
+              <a:rPr lang="ru-RU" sz="1400" dirty="0" err="1">
+                <a:solidFill>
+                  <a:schemeClr val="tx1">
+                    <a:lumMod val="75000"/>
+                    <a:lumOff val="25000"/>
+                  </a:schemeClr>
+                </a:solidFill>
+                <a:cs typeface="Segoe UI" panose="020B0502040204020203" pitchFamily="34" charset="0"/>
+              </a:rPr>
+              <a:t>elit</a:t>
+            </a:r>
+            <a:r>
+              <a:rPr lang="ru-RU" sz="1400" dirty="0">
+                <a:solidFill>
+                  <a:schemeClr val="tx1">
+                    <a:lumMod val="75000"/>
+                    <a:lumOff val="25000"/>
+                  </a:schemeClr>
+                </a:solidFill>
+                <a:cs typeface="Segoe UI" panose="020B0502040204020203" pitchFamily="34" charset="0"/>
+              </a:rPr>
+              <a:t>, </a:t>
+            </a:r>
+            <a:r>
+              <a:rPr lang="ru-RU" sz="1400" dirty="0" err="1">
+                <a:solidFill>
+                  <a:schemeClr val="tx1">
+                    <a:lumMod val="75000"/>
+                    <a:lumOff val="25000"/>
+                  </a:schemeClr>
+                </a:solidFill>
+                <a:cs typeface="Segoe UI" panose="020B0502040204020203" pitchFamily="34" charset="0"/>
+              </a:rPr>
+              <a:t>sed</a:t>
+            </a:r>
+            <a:r>
+              <a:rPr lang="ru-RU" sz="1400" dirty="0">
+                <a:solidFill>
+                  <a:schemeClr val="tx1">
+                    <a:lumMod val="75000"/>
+                    <a:lumOff val="25000"/>
+                  </a:schemeClr>
+                </a:solidFill>
+                <a:cs typeface="Segoe UI" panose="020B0502040204020203" pitchFamily="34" charset="0"/>
+              </a:rPr>
+              <a:t> </a:t>
+            </a:r>
+            <a:r>
+              <a:rPr lang="ru-RU" sz="1400" dirty="0" err="1">
+                <a:solidFill>
+                  <a:schemeClr val="tx1">
+                    <a:lumMod val="75000"/>
+                    <a:lumOff val="25000"/>
+                  </a:schemeClr>
+                </a:solidFill>
+                <a:cs typeface="Segoe UI" panose="020B0502040204020203" pitchFamily="34" charset="0"/>
+              </a:rPr>
+              <a:t>do</a:t>
+            </a:r>
+            <a:r>
+              <a:rPr lang="ru-RU" sz="1400" dirty="0">
+                <a:solidFill>
+                  <a:schemeClr val="tx1">
+                    <a:lumMod val="75000"/>
+                    <a:lumOff val="25000"/>
+                  </a:schemeClr>
+                </a:solidFill>
+                <a:cs typeface="Segoe UI" panose="020B0502040204020203" pitchFamily="34" charset="0"/>
+              </a:rPr>
+              <a:t> </a:t>
+            </a:r>
+            <a:r>
+              <a:rPr lang="ru-RU" sz="1400" dirty="0" err="1">
+                <a:solidFill>
+                  <a:schemeClr val="tx1">
+                    <a:lumMod val="75000"/>
+                    <a:lumOff val="25000"/>
+                  </a:schemeClr>
+                </a:solidFill>
+                <a:cs typeface="Segoe UI" panose="020B0502040204020203" pitchFamily="34" charset="0"/>
+              </a:rPr>
+              <a:t>eiusmod</a:t>
+            </a:r>
+            <a:r>
+              <a:rPr lang="ru-RU" sz="1400" dirty="0">
+                <a:solidFill>
+                  <a:schemeClr val="tx1">
+                    <a:lumMod val="75000"/>
+                    <a:lumOff val="25000"/>
+                  </a:schemeClr>
+                </a:solidFill>
+                <a:cs typeface="Segoe UI" panose="020B0502040204020203" pitchFamily="34" charset="0"/>
+              </a:rPr>
+              <a:t> </a:t>
+            </a:r>
+            <a:r>
+              <a:rPr lang="ru-RU" sz="1400" dirty="0" err="1">
+                <a:solidFill>
+                  <a:schemeClr val="tx1">
+                    <a:lumMod val="75000"/>
+                    <a:lumOff val="25000"/>
+                  </a:schemeClr>
+                </a:solidFill>
+                <a:cs typeface="Segoe UI" panose="020B0502040204020203" pitchFamily="34" charset="0"/>
+              </a:rPr>
+              <a:t>tempor</a:t>
+            </a:r>
+            <a:r>
+              <a:rPr lang="ru-RU" sz="1400" dirty="0">
+                <a:solidFill>
+                  <a:schemeClr val="tx1">
+                    <a:lumMod val="75000"/>
+                    <a:lumOff val="25000"/>
+                  </a:schemeClr>
+                </a:solidFill>
+                <a:cs typeface="Segoe UI" panose="020B0502040204020203" pitchFamily="34" charset="0"/>
+              </a:rPr>
+              <a:t>.</a:t>
+            </a:r>
+          </a:p>
+        </p:txBody>
+      </p:sp>
+      <p:sp>
+        <p:nvSpPr>
+          <p:cNvPr id="47" name="Прямоугольник 46">
+            <a:extLst>
+              <a:ext uri="{FF2B5EF4-FFF2-40B4-BE49-F238E27FC236}">
+                <a16:creationId xmlns:a16="http://schemas.microsoft.com/office/drawing/2014/main" id="{839BCDE9-6CF8-45EE-BFA1-6E32ED5C240E}"/>
+              </a:ext>
+            </a:extLst>
+          </p:cNvPr>
+          <p:cNvSpPr/>
+          <p:nvPr/>
+        </p:nvSpPr>
+        <p:spPr>
+          <a:xfrm>
+            <a:off x="4724403" y="5000266"/>
+            <a:ext cx="2743195" cy="492443"/>
+          </a:xfrm>
+          <a:prstGeom prst="rect">
+            <a:avLst/>
+          </a:prstGeom>
+        </p:spPr>
+        <p:txBody>
+          <a:bodyPr wrap="square" lIns="0" tIns="0" rIns="0" bIns="0" rtlCol="0" anchor="t">
+            <a:spAutoFit/>
+          </a:bodyPr>
+          <a:lstStyle/>
+          <a:p>
+            <a:pPr rtl="0"/>
+            <a:r>
+              <a:rPr lang="ru-RU" sz="3200" dirty="0">
+                <a:solidFill>
+                  <a:schemeClr val="accent4">
+                    <a:lumMod val="75000"/>
+                  </a:schemeClr>
+                </a:solidFill>
+                <a:cs typeface="Segoe UI" panose="020B0502040204020203" pitchFamily="34" charset="0"/>
+              </a:rPr>
+              <a:t>- 1,19</a:t>
+            </a:r>
+          </a:p>
+        </p:txBody>
+      </p:sp>
+      <p:sp>
+        <p:nvSpPr>
+          <p:cNvPr id="48" name="Прямоугольник 47">
+            <a:extLst>
+              <a:ext uri="{FF2B5EF4-FFF2-40B4-BE49-F238E27FC236}">
+                <a16:creationId xmlns:a16="http://schemas.microsoft.com/office/drawing/2014/main" id="{7DDB637A-4822-4FE9-8AEA-11DEA7859049}"/>
+              </a:ext>
+            </a:extLst>
+          </p:cNvPr>
+          <p:cNvSpPr/>
+          <p:nvPr/>
+        </p:nvSpPr>
+        <p:spPr>
+          <a:xfrm>
+            <a:off x="4724403" y="4748574"/>
+            <a:ext cx="2743195" cy="221920"/>
+          </a:xfrm>
+          <a:prstGeom prst="rect">
+            <a:avLst/>
+          </a:prstGeom>
+        </p:spPr>
+        <p:txBody>
+          <a:bodyPr wrap="square" lIns="0" tIns="0" rIns="0" bIns="0" rtlCol="0" anchor="t">
+            <a:spAutoFit/>
+          </a:bodyPr>
+          <a:lstStyle/>
+          <a:p>
+            <a:pPr rtl="0">
+              <a:lnSpc>
+                <a:spcPts val="1900"/>
+              </a:lnSpc>
+            </a:pPr>
+            <a:r>
+              <a:rPr lang="ru-RU" sz="1400" b="1" dirty="0">
+                <a:solidFill>
+                  <a:schemeClr val="accent4">
+                    <a:lumMod val="75000"/>
+                  </a:schemeClr>
+                </a:solidFill>
+                <a:latin typeface="+mj-lt"/>
+                <a:cs typeface="Segoe UI" panose="020B0502040204020203" pitchFamily="34" charset="0"/>
+              </a:rPr>
+              <a:t>LOREM IPSUM</a:t>
+            </a:r>
+          </a:p>
+        </p:txBody>
+      </p:sp>
+      <p:sp>
+        <p:nvSpPr>
+          <p:cNvPr id="49" name="Прямоугольник 48">
+            <a:extLst>
+              <a:ext uri="{FF2B5EF4-FFF2-40B4-BE49-F238E27FC236}">
+                <a16:creationId xmlns:a16="http://schemas.microsoft.com/office/drawing/2014/main" id="{7FA68D61-8BDC-4C14-9F0D-CF0C946CD30A}"/>
+              </a:ext>
+            </a:extLst>
+          </p:cNvPr>
+          <p:cNvSpPr/>
+          <p:nvPr/>
+        </p:nvSpPr>
+        <p:spPr>
+          <a:xfrm>
+            <a:off x="8610600" y="5521007"/>
+            <a:ext cx="2743195" cy="730969"/>
+          </a:xfrm>
+          <a:prstGeom prst="rect">
+            <a:avLst/>
+          </a:prstGeom>
+        </p:spPr>
+        <p:txBody>
+          <a:bodyPr wrap="square" lIns="0" tIns="0" rIns="0" bIns="0" rtlCol="0" anchor="t">
+            <a:spAutoFit/>
+          </a:bodyPr>
+          <a:lstStyle/>
+          <a:p>
+            <a:pPr rtl="0">
+              <a:lnSpc>
+                <a:spcPts val="1900"/>
+              </a:lnSpc>
+            </a:pPr>
+            <a:r>
+              <a:rPr lang="ru-RU" sz="1400" dirty="0" err="1">
+                <a:solidFill>
+                  <a:schemeClr val="tx1">
+                    <a:lumMod val="75000"/>
+                    <a:lumOff val="25000"/>
+                  </a:schemeClr>
+                </a:solidFill>
+                <a:cs typeface="Segoe UI" panose="020B0502040204020203" pitchFamily="34" charset="0"/>
+              </a:rPr>
+              <a:t>Lorem</a:t>
+            </a:r>
+            <a:r>
+              <a:rPr lang="ru-RU" sz="1400" dirty="0">
+                <a:solidFill>
+                  <a:schemeClr val="tx1">
+                    <a:lumMod val="75000"/>
+                    <a:lumOff val="25000"/>
+                  </a:schemeClr>
+                </a:solidFill>
+                <a:cs typeface="Segoe UI" panose="020B0502040204020203" pitchFamily="34" charset="0"/>
+              </a:rPr>
+              <a:t> </a:t>
+            </a:r>
+            <a:r>
+              <a:rPr lang="ru-RU" sz="1400" dirty="0" err="1">
+                <a:solidFill>
+                  <a:schemeClr val="tx1">
+                    <a:lumMod val="75000"/>
+                    <a:lumOff val="25000"/>
+                  </a:schemeClr>
+                </a:solidFill>
+                <a:cs typeface="Segoe UI" panose="020B0502040204020203" pitchFamily="34" charset="0"/>
+              </a:rPr>
+              <a:t>ipsum</a:t>
+            </a:r>
+            <a:r>
+              <a:rPr lang="ru-RU" sz="1400" dirty="0">
+                <a:solidFill>
+                  <a:schemeClr val="tx1">
+                    <a:lumMod val="75000"/>
+                    <a:lumOff val="25000"/>
+                  </a:schemeClr>
+                </a:solidFill>
+                <a:cs typeface="Segoe UI" panose="020B0502040204020203" pitchFamily="34" charset="0"/>
+              </a:rPr>
+              <a:t> </a:t>
+            </a:r>
+            <a:r>
+              <a:rPr lang="ru-RU" sz="1400" dirty="0" err="1">
+                <a:solidFill>
+                  <a:schemeClr val="tx1">
+                    <a:lumMod val="75000"/>
+                    <a:lumOff val="25000"/>
+                  </a:schemeClr>
+                </a:solidFill>
+                <a:cs typeface="Segoe UI" panose="020B0502040204020203" pitchFamily="34" charset="0"/>
+              </a:rPr>
+              <a:t>dolor</a:t>
+            </a:r>
+            <a:r>
+              <a:rPr lang="ru-RU" sz="1400" dirty="0">
+                <a:solidFill>
+                  <a:schemeClr val="tx1">
+                    <a:lumMod val="75000"/>
+                    <a:lumOff val="25000"/>
+                  </a:schemeClr>
+                </a:solidFill>
+                <a:cs typeface="Segoe UI" panose="020B0502040204020203" pitchFamily="34" charset="0"/>
+              </a:rPr>
+              <a:t> </a:t>
+            </a:r>
+            <a:r>
+              <a:rPr lang="ru-RU" sz="1400" dirty="0" err="1">
+                <a:solidFill>
+                  <a:schemeClr val="tx1">
+                    <a:lumMod val="75000"/>
+                    <a:lumOff val="25000"/>
+                  </a:schemeClr>
+                </a:solidFill>
+                <a:cs typeface="Segoe UI" panose="020B0502040204020203" pitchFamily="34" charset="0"/>
+              </a:rPr>
+              <a:t>sit</a:t>
+            </a:r>
+            <a:r>
+              <a:rPr lang="ru-RU" sz="1400" dirty="0">
+                <a:solidFill>
+                  <a:schemeClr val="tx1">
+                    <a:lumMod val="75000"/>
+                    <a:lumOff val="25000"/>
+                  </a:schemeClr>
+                </a:solidFill>
+                <a:cs typeface="Segoe UI" panose="020B0502040204020203" pitchFamily="34" charset="0"/>
+              </a:rPr>
+              <a:t> </a:t>
+            </a:r>
+            <a:r>
+              <a:rPr lang="ru-RU" sz="1400" dirty="0" err="1">
+                <a:solidFill>
+                  <a:schemeClr val="tx1">
+                    <a:lumMod val="75000"/>
+                    <a:lumOff val="25000"/>
+                  </a:schemeClr>
+                </a:solidFill>
+                <a:cs typeface="Segoe UI" panose="020B0502040204020203" pitchFamily="34" charset="0"/>
+              </a:rPr>
+              <a:t>amet</a:t>
+            </a:r>
+            <a:r>
+              <a:rPr lang="ru-RU" sz="1400" dirty="0">
+                <a:solidFill>
+                  <a:schemeClr val="tx1">
+                    <a:lumMod val="75000"/>
+                    <a:lumOff val="25000"/>
+                  </a:schemeClr>
+                </a:solidFill>
+                <a:cs typeface="Segoe UI" panose="020B0502040204020203" pitchFamily="34" charset="0"/>
+              </a:rPr>
+              <a:t>, </a:t>
+            </a:r>
+            <a:r>
+              <a:rPr lang="ru-RU" sz="1400" dirty="0" err="1">
+                <a:solidFill>
+                  <a:schemeClr val="tx1">
+                    <a:lumMod val="75000"/>
+                    <a:lumOff val="25000"/>
+                  </a:schemeClr>
+                </a:solidFill>
+                <a:cs typeface="Segoe UI" panose="020B0502040204020203" pitchFamily="34" charset="0"/>
+              </a:rPr>
+              <a:t>consectetur</a:t>
+            </a:r>
+            <a:r>
+              <a:rPr lang="ru-RU" sz="1400" dirty="0">
+                <a:solidFill>
+                  <a:schemeClr val="tx1">
+                    <a:lumMod val="75000"/>
+                    <a:lumOff val="25000"/>
+                  </a:schemeClr>
+                </a:solidFill>
+                <a:cs typeface="Segoe UI" panose="020B0502040204020203" pitchFamily="34" charset="0"/>
+              </a:rPr>
+              <a:t> </a:t>
+            </a:r>
+            <a:r>
+              <a:rPr lang="ru-RU" sz="1400" dirty="0" err="1">
+                <a:solidFill>
+                  <a:schemeClr val="tx1">
+                    <a:lumMod val="75000"/>
+                    <a:lumOff val="25000"/>
+                  </a:schemeClr>
+                </a:solidFill>
+                <a:cs typeface="Segoe UI" panose="020B0502040204020203" pitchFamily="34" charset="0"/>
+              </a:rPr>
+              <a:t>adipiscing</a:t>
+            </a:r>
+            <a:r>
+              <a:rPr lang="ru-RU" sz="1400" dirty="0">
+                <a:solidFill>
+                  <a:schemeClr val="tx1">
+                    <a:lumMod val="75000"/>
+                    <a:lumOff val="25000"/>
+                  </a:schemeClr>
+                </a:solidFill>
+                <a:cs typeface="Segoe UI" panose="020B0502040204020203" pitchFamily="34" charset="0"/>
+              </a:rPr>
+              <a:t> </a:t>
+            </a:r>
+            <a:r>
+              <a:rPr lang="ru-RU" sz="1400" dirty="0" err="1">
+                <a:solidFill>
+                  <a:schemeClr val="tx1">
+                    <a:lumMod val="75000"/>
+                    <a:lumOff val="25000"/>
+                  </a:schemeClr>
+                </a:solidFill>
+                <a:cs typeface="Segoe UI" panose="020B0502040204020203" pitchFamily="34" charset="0"/>
+              </a:rPr>
+              <a:t>elit</a:t>
+            </a:r>
+            <a:r>
+              <a:rPr lang="ru-RU" sz="1400" dirty="0">
+                <a:solidFill>
+                  <a:schemeClr val="tx1">
+                    <a:lumMod val="75000"/>
+                    <a:lumOff val="25000"/>
+                  </a:schemeClr>
+                </a:solidFill>
+                <a:cs typeface="Segoe UI" panose="020B0502040204020203" pitchFamily="34" charset="0"/>
+              </a:rPr>
+              <a:t>, </a:t>
+            </a:r>
+            <a:r>
+              <a:rPr lang="ru-RU" sz="1400" dirty="0" err="1">
+                <a:solidFill>
+                  <a:schemeClr val="tx1">
+                    <a:lumMod val="75000"/>
+                    <a:lumOff val="25000"/>
+                  </a:schemeClr>
+                </a:solidFill>
+                <a:cs typeface="Segoe UI" panose="020B0502040204020203" pitchFamily="34" charset="0"/>
+              </a:rPr>
+              <a:t>sed</a:t>
+            </a:r>
+            <a:r>
+              <a:rPr lang="ru-RU" sz="1400" dirty="0">
+                <a:solidFill>
+                  <a:schemeClr val="tx1">
+                    <a:lumMod val="75000"/>
+                    <a:lumOff val="25000"/>
+                  </a:schemeClr>
+                </a:solidFill>
+                <a:cs typeface="Segoe UI" panose="020B0502040204020203" pitchFamily="34" charset="0"/>
+              </a:rPr>
+              <a:t> </a:t>
+            </a:r>
+            <a:r>
+              <a:rPr lang="ru-RU" sz="1400" dirty="0" err="1">
+                <a:solidFill>
+                  <a:schemeClr val="tx1">
+                    <a:lumMod val="75000"/>
+                    <a:lumOff val="25000"/>
+                  </a:schemeClr>
+                </a:solidFill>
+                <a:cs typeface="Segoe UI" panose="020B0502040204020203" pitchFamily="34" charset="0"/>
+              </a:rPr>
+              <a:t>do</a:t>
+            </a:r>
+            <a:r>
+              <a:rPr lang="ru-RU" sz="1400" dirty="0">
+                <a:solidFill>
+                  <a:schemeClr val="tx1">
+                    <a:lumMod val="75000"/>
+                    <a:lumOff val="25000"/>
+                  </a:schemeClr>
+                </a:solidFill>
+                <a:cs typeface="Segoe UI" panose="020B0502040204020203" pitchFamily="34" charset="0"/>
+              </a:rPr>
+              <a:t> </a:t>
+            </a:r>
+            <a:r>
+              <a:rPr lang="ru-RU" sz="1400" dirty="0" err="1">
+                <a:solidFill>
+                  <a:schemeClr val="tx1">
+                    <a:lumMod val="75000"/>
+                    <a:lumOff val="25000"/>
+                  </a:schemeClr>
+                </a:solidFill>
+                <a:cs typeface="Segoe UI" panose="020B0502040204020203" pitchFamily="34" charset="0"/>
+              </a:rPr>
+              <a:t>eiusmod</a:t>
+            </a:r>
+            <a:r>
+              <a:rPr lang="ru-RU" sz="1400" dirty="0">
+                <a:solidFill>
+                  <a:schemeClr val="tx1">
+                    <a:lumMod val="75000"/>
+                    <a:lumOff val="25000"/>
+                  </a:schemeClr>
+                </a:solidFill>
+                <a:cs typeface="Segoe UI" panose="020B0502040204020203" pitchFamily="34" charset="0"/>
+              </a:rPr>
+              <a:t> </a:t>
+            </a:r>
+            <a:r>
+              <a:rPr lang="ru-RU" sz="1400" dirty="0" err="1">
+                <a:solidFill>
+                  <a:schemeClr val="tx1">
+                    <a:lumMod val="75000"/>
+                    <a:lumOff val="25000"/>
+                  </a:schemeClr>
+                </a:solidFill>
+                <a:cs typeface="Segoe UI" panose="020B0502040204020203" pitchFamily="34" charset="0"/>
+              </a:rPr>
+              <a:t>tempor</a:t>
+            </a:r>
+            <a:r>
+              <a:rPr lang="ru-RU" sz="1400" dirty="0">
+                <a:solidFill>
+                  <a:schemeClr val="tx1">
+                    <a:lumMod val="75000"/>
+                    <a:lumOff val="25000"/>
+                  </a:schemeClr>
+                </a:solidFill>
+                <a:cs typeface="Segoe UI" panose="020B0502040204020203" pitchFamily="34" charset="0"/>
+              </a:rPr>
+              <a:t>.</a:t>
+            </a:r>
+          </a:p>
+        </p:txBody>
+      </p:sp>
+      <p:sp>
+        <p:nvSpPr>
+          <p:cNvPr id="50" name="Прямоугольник 49">
+            <a:extLst>
+              <a:ext uri="{FF2B5EF4-FFF2-40B4-BE49-F238E27FC236}">
+                <a16:creationId xmlns:a16="http://schemas.microsoft.com/office/drawing/2014/main" id="{B164A1DA-19AA-4A0C-9ED2-92A9346B807A}"/>
+              </a:ext>
+            </a:extLst>
+          </p:cNvPr>
+          <p:cNvSpPr/>
+          <p:nvPr/>
+        </p:nvSpPr>
+        <p:spPr>
+          <a:xfrm>
+            <a:off x="8610600" y="5000266"/>
+            <a:ext cx="2743195" cy="492443"/>
+          </a:xfrm>
+          <a:prstGeom prst="rect">
+            <a:avLst/>
+          </a:prstGeom>
+        </p:spPr>
+        <p:txBody>
+          <a:bodyPr wrap="square" lIns="0" tIns="0" rIns="0" bIns="0" rtlCol="0" anchor="t">
+            <a:spAutoFit/>
+          </a:bodyPr>
+          <a:lstStyle/>
+          <a:p>
+            <a:r>
+              <a:rPr lang="ru-RU" sz="3200" dirty="0">
+                <a:solidFill>
+                  <a:schemeClr val="tx1">
+                    <a:lumMod val="75000"/>
+                    <a:lumOff val="25000"/>
+                  </a:schemeClr>
+                </a:solidFill>
+                <a:cs typeface="Segoe UI" panose="020B0502040204020203" pitchFamily="34" charset="0"/>
+              </a:rPr>
+              <a:t>113 200 50 ₽</a:t>
+            </a:r>
+          </a:p>
+        </p:txBody>
+      </p:sp>
+      <p:sp>
+        <p:nvSpPr>
+          <p:cNvPr id="51" name="Прямоугольник 50">
+            <a:extLst>
+              <a:ext uri="{FF2B5EF4-FFF2-40B4-BE49-F238E27FC236}">
+                <a16:creationId xmlns:a16="http://schemas.microsoft.com/office/drawing/2014/main" id="{FA4B18CA-09B5-4584-8D25-60B58EF68413}"/>
+              </a:ext>
+            </a:extLst>
+          </p:cNvPr>
+          <p:cNvSpPr/>
+          <p:nvPr/>
+        </p:nvSpPr>
+        <p:spPr>
+          <a:xfrm>
+            <a:off x="8610600" y="4748574"/>
+            <a:ext cx="2743195" cy="243656"/>
+          </a:xfrm>
+          <a:prstGeom prst="rect">
+            <a:avLst/>
+          </a:prstGeom>
+        </p:spPr>
+        <p:txBody>
+          <a:bodyPr wrap="square" lIns="0" tIns="0" rIns="0" bIns="0" rtlCol="0" anchor="t">
+            <a:spAutoFit/>
+          </a:bodyPr>
+          <a:lstStyle/>
+          <a:p>
+            <a:pPr rtl="0">
+              <a:lnSpc>
+                <a:spcPts val="1900"/>
+              </a:lnSpc>
+            </a:pPr>
+            <a:r>
+              <a:rPr lang="ru-RU" sz="1400" b="1" dirty="0">
+                <a:solidFill>
+                  <a:schemeClr val="tx1">
+                    <a:lumMod val="75000"/>
+                    <a:lumOff val="25000"/>
+                  </a:schemeClr>
+                </a:solidFill>
+                <a:latin typeface="+mj-lt"/>
+                <a:cs typeface="Segoe UI" panose="020B0502040204020203" pitchFamily="34" charset="0"/>
+              </a:rPr>
+              <a:t>LOREM IPSUM</a:t>
+            </a:r>
+          </a:p>
+        </p:txBody>
+      </p:sp>
+    </p:spTree>
+    <p:extLst>
+      <p:ext uri="{BB962C8B-B14F-4D97-AF65-F5344CB8AC3E}">
+        <p14:creationId xmlns:p14="http://schemas.microsoft.com/office/powerpoint/2010/main" val="1212140928"/>
+      </p:ext>
+    </p:extLst>
+  </p:cSld>
+  <p:clrMapOvr>
+    <a:masterClrMapping/>
+  </p:clrMapOvr>
+</p:sld>
+</file>
+
+<file path=ppt/slides/slide2.xml><?xml version="1.0" encoding="utf-8"?>
+<p:sld xmlns:a="http://schemas.openxmlformats.org/drawingml/2006/main" xmlns:r="http://schemas.openxmlformats.org/officeDocument/2006/relationships" xmlns:p="http://schemas.openxmlformats.org/presentationml/2006/main">
+  <p:cSld>
+    <p:spTree>
+      <p:nvGrpSpPr>
+        <p:cNvPr id="1" name=""/>
+        <p:cNvGrpSpPr/>
+        <p:nvPr/>
+      </p:nvGrpSpPr>
+      <p:grpSpPr>
+        <a:xfrm>
+          <a:off x="0" y="0"/>
+          <a:ext cx="0" cy="0"/>
+          <a:chOff x="0" y="0"/>
+          <a:chExt cx="0" cy="0"/>
+        </a:xfrm>
+      </p:grpSpPr>
+      <p:sp>
+        <p:nvSpPr>
+          <p:cNvPr id="7" name="Заголовок 6" hidden="1">
+            <a:extLst>
+              <a:ext uri="{FF2B5EF4-FFF2-40B4-BE49-F238E27FC236}">
+                <a16:creationId xmlns:a16="http://schemas.microsoft.com/office/drawing/2014/main" id="{A588A72A-976E-478A-9DD3-765AB3ED4CD0}"/>
+              </a:ext>
+            </a:extLst>
+          </p:cNvPr>
+          <p:cNvSpPr>
+            <a:spLocks noGrp="1"/>
+          </p:cNvSpPr>
+          <p:nvPr>
+            <p:ph type="title" idx="4294967295"/>
+          </p:nvPr>
+        </p:nvSpPr>
+        <p:spPr>
+          <a:xfrm>
+            <a:off x="0" y="365125"/>
+            <a:ext cx="10515600" cy="1325563"/>
+          </a:xfrm>
+        </p:spPr>
+        <p:txBody>
+          <a:bodyPr rtlCol="0"/>
+          <a:lstStyle/>
+          <a:p>
+            <a:r>
+              <a:rPr lang="ru-RU" dirty="0"/>
+              <a:t>Слайд </a:t>
+            </a:r>
+            <a:r>
+              <a:rPr lang="en-US" dirty="0"/>
+              <a:t>8</a:t>
+            </a:r>
+            <a:r>
+              <a:rPr lang="ru-RU" dirty="0"/>
+              <a:t> с анализом проекта</a:t>
+            </a:r>
+            <a:endParaRPr lang="ru" dirty="0"/>
+          </a:p>
+        </p:txBody>
+      </p:sp>
+      <p:cxnSp>
+        <p:nvCxnSpPr>
+          <p:cNvPr id="8" name="Прямая соединительная линия 7">
+            <a:extLst>
+              <a:ext uri="{FF2B5EF4-FFF2-40B4-BE49-F238E27FC236}">
+                <a16:creationId xmlns:a16="http://schemas.microsoft.com/office/drawing/2014/main" id="{D0986099-F5F2-4E8B-BE17-81194861A00C}"/>
+              </a:ext>
+              <a:ext uri="{C183D7F6-B498-43B3-948B-1728B52AA6E4}">
+                <adec:decorative xmlns:adec="http://schemas.microsoft.com/office/drawing/2017/decorative" val="1"/>
+              </a:ext>
+            </a:extLst>
+          </p:cNvPr>
+          <p:cNvCxnSpPr>
+            <a:cxnSpLocks/>
+          </p:cNvCxnSpPr>
+          <p:nvPr/>
+        </p:nvCxnSpPr>
+        <p:spPr>
+          <a:xfrm>
+            <a:off x="8105775" y="522898"/>
+            <a:ext cx="4086225" cy="0"/>
+          </a:xfrm>
+          <a:prstGeom prst="line">
+            <a:avLst/>
+          </a:prstGeom>
+          <a:ln>
+            <a:solidFill>
+              <a:schemeClr val="accent3">
+                <a:lumMod val="50000"/>
+              </a:schemeClr>
+            </a:solidFill>
+            <a:headEnd type="oval"/>
+          </a:ln>
+        </p:spPr>
+        <p:style>
+          <a:lnRef idx="1">
+            <a:schemeClr val="accent1"/>
+          </a:lnRef>
+          <a:fillRef idx="0">
+            <a:schemeClr val="accent1"/>
+          </a:fillRef>
+          <a:effectRef idx="0">
+            <a:schemeClr val="accent1"/>
+          </a:effectRef>
+          <a:fontRef idx="minor">
+            <a:schemeClr val="tx1"/>
+          </a:fontRef>
+        </p:style>
+      </p:cxnSp>
+      <p:sp>
+        <p:nvSpPr>
+          <p:cNvPr id="11" name="Заголовок 1">
+            <a:extLst>
+              <a:ext uri="{FF2B5EF4-FFF2-40B4-BE49-F238E27FC236}">
+                <a16:creationId xmlns:a16="http://schemas.microsoft.com/office/drawing/2014/main" id="{4E3F5479-058B-4FA8-92E9-18CAB8CDC5C5}"/>
+              </a:ext>
+            </a:extLst>
+          </p:cNvPr>
+          <p:cNvSpPr txBox="1">
+            <a:spLocks/>
+          </p:cNvSpPr>
+          <p:nvPr/>
+        </p:nvSpPr>
+        <p:spPr>
+          <a:xfrm>
+            <a:off x="228600" y="190500"/>
             <a:ext cx="11734800" cy="664797"/>
           </a:xfrm>
           <a:prstGeom prst="rect">
@@ -10184,8 +11231,8 @@
         </p:nvCxnSpPr>
         <p:spPr>
           <a:xfrm>
-            <a:off x="8105775" y="522898"/>
-            <a:ext cx="4086225" cy="0"/>
+            <a:off x="8592000" y="512396"/>
+            <a:ext cx="3600000" cy="0"/>
           </a:xfrm>
           <a:prstGeom prst="line">
             <a:avLst/>
@@ -10314,7 +11361,7 @@
         <p:spPr>
           <a:xfrm>
             <a:off x="0" y="522898"/>
-            <a:ext cx="4086225" cy="0"/>
+            <a:ext cx="3600000" cy="0"/>
           </a:xfrm>
           <a:prstGeom prst="line">
             <a:avLst/>
@@ -18199,7 +19246,7 @@
         <p:spPr>
           <a:xfrm>
             <a:off x="0" y="3678647"/>
-            <a:ext cx="15123069" cy="15209"/>
+            <a:ext cx="12192000" cy="0"/>
           </a:xfrm>
           <a:prstGeom prst="line">
             <a:avLst/>
@@ -20408,7 +21455,7 @@
     </p:spTree>
     <p:extLst>
       <p:ext uri="{BB962C8B-B14F-4D97-AF65-F5344CB8AC3E}">
-        <p14:creationId xmlns:p14="http://schemas.microsoft.com/office/powerpoint/2010/main" val="33249464"/>
+        <p14:creationId xmlns:p14="http://schemas.microsoft.com/office/powerpoint/2010/main" val="1152100722"/>
       </p:ext>
     </p:extLst>
   </p:cSld>
@@ -20435,6 +21482,153 @@
           <a:chExt cx="0" cy="0"/>
         </a:xfrm>
       </p:grpSpPr>
+      <p:sp>
+        <p:nvSpPr>
+          <p:cNvPr id="39" name="Трапеция 38">
+            <a:extLst>
+              <a:ext uri="{FF2B5EF4-FFF2-40B4-BE49-F238E27FC236}">
+                <a16:creationId xmlns:a16="http://schemas.microsoft.com/office/drawing/2014/main" id="{EF6CD847-FF77-407A-87B5-D772DE13CE23}"/>
+              </a:ext>
+            </a:extLst>
+          </p:cNvPr>
+          <p:cNvSpPr/>
+          <p:nvPr/>
+        </p:nvSpPr>
+        <p:spPr>
+          <a:xfrm>
+            <a:off x="7654351" y="2966950"/>
+            <a:ext cx="6286968" cy="1298185"/>
+          </a:xfrm>
+          <a:prstGeom prst="trapezoid">
+            <a:avLst/>
+          </a:prstGeom>
+          <a:solidFill>
+            <a:srgbClr val="0D8295"/>
+          </a:solidFill>
+          <a:ln>
+            <a:noFill/>
+          </a:ln>
+        </p:spPr>
+        <p:style>
+          <a:lnRef idx="2">
+            <a:schemeClr val="accent1">
+              <a:shade val="50000"/>
+            </a:schemeClr>
+          </a:lnRef>
+          <a:fillRef idx="1">
+            <a:schemeClr val="accent1"/>
+          </a:fillRef>
+          <a:effectRef idx="0">
+            <a:schemeClr val="accent1"/>
+          </a:effectRef>
+          <a:fontRef idx="minor">
+            <a:schemeClr val="lt1"/>
+          </a:fontRef>
+        </p:style>
+        <p:txBody>
+          <a:bodyPr rtlCol="0" anchor="ctr"/>
+          <a:lstStyle/>
+          <a:p>
+            <a:pPr algn="ctr"/>
+            <a:endParaRPr lang="ru-RU"/>
+          </a:p>
+        </p:txBody>
+      </p:sp>
+      <p:cxnSp>
+        <p:nvCxnSpPr>
+          <p:cNvPr id="22" name="Прямая соединительная линия 21">
+            <a:extLst>
+              <a:ext uri="{FF2B5EF4-FFF2-40B4-BE49-F238E27FC236}">
+                <a16:creationId xmlns:a16="http://schemas.microsoft.com/office/drawing/2014/main" id="{0BE1FC11-075E-4B81-94F4-A10F1C0EE4DB}"/>
+              </a:ext>
+            </a:extLst>
+          </p:cNvPr>
+          <p:cNvCxnSpPr>
+            <a:cxnSpLocks/>
+          </p:cNvCxnSpPr>
+          <p:nvPr/>
+        </p:nvCxnSpPr>
+        <p:spPr>
+          <a:xfrm>
+            <a:off x="0" y="5986837"/>
+            <a:ext cx="12246334" cy="0"/>
+          </a:xfrm>
+          <a:prstGeom prst="line">
+            <a:avLst/>
+          </a:prstGeom>
+          <a:ln>
+            <a:solidFill>
+              <a:schemeClr val="tx1"/>
+            </a:solidFill>
+          </a:ln>
+        </p:spPr>
+        <p:style>
+          <a:lnRef idx="1">
+            <a:schemeClr val="accent1"/>
+          </a:lnRef>
+          <a:fillRef idx="0">
+            <a:schemeClr val="accent1"/>
+          </a:fillRef>
+          <a:effectRef idx="0">
+            <a:schemeClr val="accent1"/>
+          </a:effectRef>
+          <a:fontRef idx="minor">
+            <a:schemeClr val="tx1"/>
+          </a:fontRef>
+        </p:style>
+      </p:cxnSp>
+      <p:sp>
+        <p:nvSpPr>
+          <p:cNvPr id="15" name="Трапеция 14">
+            <a:extLst>
+              <a:ext uri="{FF2B5EF4-FFF2-40B4-BE49-F238E27FC236}">
+                <a16:creationId xmlns:a16="http://schemas.microsoft.com/office/drawing/2014/main" id="{80E16BC6-C8E2-4228-8905-425C2D77E7C5}"/>
+              </a:ext>
+            </a:extLst>
+          </p:cNvPr>
+          <p:cNvSpPr/>
+          <p:nvPr/>
+        </p:nvSpPr>
+        <p:spPr>
+          <a:xfrm>
+            <a:off x="7085021" y="4154630"/>
+            <a:ext cx="6801961" cy="1298185"/>
+          </a:xfrm>
+          <a:prstGeom prst="trapezoid">
+            <a:avLst/>
+          </a:prstGeom>
+          <a:solidFill>
+            <a:srgbClr val="CB7A09"/>
+          </a:solidFill>
+          <a:ln>
+            <a:noFill/>
+          </a:ln>
+        </p:spPr>
+        <p:style>
+          <a:lnRef idx="2">
+            <a:schemeClr val="accent1">
+              <a:shade val="50000"/>
+            </a:schemeClr>
+          </a:lnRef>
+          <a:fillRef idx="1">
+            <a:schemeClr val="accent1"/>
+          </a:fillRef>
+          <a:effectRef idx="0">
+            <a:schemeClr val="accent1"/>
+          </a:effectRef>
+          <a:fontRef idx="minor">
+            <a:schemeClr val="lt1"/>
+          </a:fontRef>
+        </p:style>
+        <p:txBody>
+          <a:bodyPr rtlCol="0" anchor="ctr"/>
+          <a:lstStyle/>
+          <a:p>
+            <a:pPr algn="ctr"/>
+            <a:endParaRPr lang="ru-RU"/>
+          </a:p>
+        </p:txBody>
+      </p:sp>
       <p:sp>
         <p:nvSpPr>
           <p:cNvPr id="7" name="Заголовок 6" hidden="1">
@@ -20534,7 +21728,7 @@
         <p:spPr>
           <a:xfrm>
             <a:off x="228600" y="190500"/>
-            <a:ext cx="11734800" cy="387798"/>
+            <a:ext cx="11734800" cy="775597"/>
           </a:xfrm>
           <a:prstGeom prst="rect">
             <a:avLst/>
@@ -20574,8 +21768,18 @@
                   </a:schemeClr>
                 </a:solidFill>
               </a:rPr>
-              <a:t>Классификация</a:t>
-            </a:r>
+              <a:t>Классификатор</a:t>
+            </a:r>
+            <a:br>
+              <a:rPr lang="ru-RU" sz="2800" dirty="0">
+                <a:solidFill>
+                  <a:schemeClr val="tx1">
+                    <a:lumMod val="75000"/>
+                    <a:lumOff val="25000"/>
+                  </a:schemeClr>
+                </a:solidFill>
+              </a:rPr>
+            </a:br>
             <a:endParaRPr lang="ru-RU" sz="2800" dirty="0">
               <a:solidFill>
                 <a:schemeClr val="tx1">
@@ -20650,7 +21854,7 @@
         </p:nvSpPr>
         <p:spPr>
           <a:xfrm>
-            <a:off x="1831182" y="2333832"/>
+            <a:off x="1525503" y="1211196"/>
             <a:ext cx="1371600" cy="492443"/>
           </a:xfrm>
           <a:prstGeom prst="rect">
@@ -20677,10 +21881,10 @@
       </p:sp>
       <p:sp>
         <p:nvSpPr>
-          <p:cNvPr id="81" name="Прямоугольник 80">
+          <p:cNvPr id="32" name="Прямоугольник 31">
             <a:extLst>
               <a:ext uri="{FF2B5EF4-FFF2-40B4-BE49-F238E27FC236}">
-                <a16:creationId xmlns:a16="http://schemas.microsoft.com/office/drawing/2014/main" id="{D4EC02E4-F054-4111-9038-AE0BDA4C8060}"/>
+                <a16:creationId xmlns:a16="http://schemas.microsoft.com/office/drawing/2014/main" id="{F95E5CA0-5952-4205-B8FA-A2FC96012B3D}"/>
               </a:ext>
             </a:extLst>
           </p:cNvPr>
@@ -20689,203 +21893,8 @@
         </p:nvSpPr>
         <p:spPr>
           <a:xfrm>
-            <a:off x="1831182" y="4741965"/>
-            <a:ext cx="1371600" cy="246221"/>
-          </a:xfrm>
-          <a:prstGeom prst="rect">
-            <a:avLst/>
-          </a:prstGeom>
-        </p:spPr>
-        <p:txBody>
-          <a:bodyPr wrap="square" lIns="0" tIns="0" rIns="0" bIns="0" rtlCol="0" anchor="ctr">
-            <a:spAutoFit/>
-          </a:bodyPr>
-          <a:lstStyle/>
-          <a:p>
-            <a:pPr algn="ctr" rtl="0"/>
-            <a:r>
-              <a:rPr lang="ru-RU" sz="1600" dirty="0">
-                <a:solidFill>
-                  <a:schemeClr val="bg1"/>
-                </a:solidFill>
-              </a:rPr>
-              <a:t>Цели клиента</a:t>
-            </a:r>
-          </a:p>
-        </p:txBody>
-      </p:sp>
-      <p:sp>
-        <p:nvSpPr>
-          <p:cNvPr id="83" name="Прямоугольник 82">
-            <a:extLst>
-              <a:ext uri="{FF2B5EF4-FFF2-40B4-BE49-F238E27FC236}">
-                <a16:creationId xmlns:a16="http://schemas.microsoft.com/office/drawing/2014/main" id="{9F6EE26A-3174-49AD-900E-08C045755F3C}"/>
-              </a:ext>
-            </a:extLst>
-          </p:cNvPr>
-          <p:cNvSpPr/>
-          <p:nvPr/>
-        </p:nvSpPr>
-        <p:spPr>
-          <a:xfrm>
-            <a:off x="6607968" y="3476343"/>
-            <a:ext cx="1371600" cy="492443"/>
-          </a:xfrm>
-          <a:prstGeom prst="rect">
-            <a:avLst/>
-          </a:prstGeom>
-        </p:spPr>
-        <p:txBody>
-          <a:bodyPr wrap="square" lIns="0" tIns="0" rIns="0" bIns="0" rtlCol="0" anchor="ctr">
-            <a:spAutoFit/>
-          </a:bodyPr>
-          <a:lstStyle/>
-          <a:p>
-            <a:pPr algn="ctr" rtl="0"/>
-            <a:r>
-              <a:rPr lang="ru-RU" sz="1600" dirty="0">
-                <a:solidFill>
-                  <a:schemeClr val="bg1"/>
-                </a:solidFill>
-              </a:rPr>
-              <a:t>План реализации</a:t>
-            </a:r>
-          </a:p>
-        </p:txBody>
-      </p:sp>
-      <p:sp>
-        <p:nvSpPr>
-          <p:cNvPr id="84" name="Прямоугольник 83">
-            <a:extLst>
-              <a:ext uri="{FF2B5EF4-FFF2-40B4-BE49-F238E27FC236}">
-                <a16:creationId xmlns:a16="http://schemas.microsoft.com/office/drawing/2014/main" id="{3B69453F-B845-4467-8C29-7A6677641EC0}"/>
-              </a:ext>
-            </a:extLst>
-          </p:cNvPr>
-          <p:cNvSpPr/>
-          <p:nvPr/>
-        </p:nvSpPr>
-        <p:spPr>
-          <a:xfrm>
-            <a:off x="8989218" y="3599454"/>
-            <a:ext cx="1371600" cy="246221"/>
-          </a:xfrm>
-          <a:prstGeom prst="rect">
-            <a:avLst/>
-          </a:prstGeom>
-        </p:spPr>
-        <p:txBody>
-          <a:bodyPr wrap="square" lIns="0" tIns="0" rIns="0" bIns="0" rtlCol="0" anchor="ctr">
-            <a:spAutoFit/>
-          </a:bodyPr>
-          <a:lstStyle/>
-          <a:p>
-            <a:pPr algn="ctr" rtl="0"/>
-            <a:r>
-              <a:rPr lang="ru-RU" sz="1600" dirty="0">
-                <a:solidFill>
-                  <a:schemeClr val="bg1"/>
-                </a:solidFill>
-              </a:rPr>
-              <a:t>Расписания</a:t>
-            </a:r>
-          </a:p>
-        </p:txBody>
-      </p:sp>
-      <p:sp>
-        <p:nvSpPr>
-          <p:cNvPr id="85" name="Прямоугольник 84">
-            <a:extLst>
-              <a:ext uri="{FF2B5EF4-FFF2-40B4-BE49-F238E27FC236}">
-                <a16:creationId xmlns:a16="http://schemas.microsoft.com/office/drawing/2014/main" id="{C7CFAFBF-6B2A-49A8-ADCE-FD94A08C87B3}"/>
-              </a:ext>
-            </a:extLst>
-          </p:cNvPr>
-          <p:cNvSpPr/>
-          <p:nvPr/>
-        </p:nvSpPr>
-        <p:spPr>
-          <a:xfrm>
-            <a:off x="8989218" y="1778472"/>
-            <a:ext cx="1371600" cy="246221"/>
-          </a:xfrm>
-          <a:prstGeom prst="rect">
-            <a:avLst/>
-          </a:prstGeom>
-        </p:spPr>
-        <p:txBody>
-          <a:bodyPr wrap="square" lIns="0" tIns="0" rIns="0" bIns="0" rtlCol="0" anchor="ctr">
-            <a:spAutoFit/>
-          </a:bodyPr>
-          <a:lstStyle/>
-          <a:p>
-            <a:pPr algn="ctr" rtl="0"/>
-            <a:r>
-              <a:rPr lang="ru-RU" sz="1600" dirty="0">
-                <a:solidFill>
-                  <a:schemeClr val="bg1"/>
-                </a:solidFill>
-              </a:rPr>
-              <a:t>Задачи</a:t>
-            </a:r>
-          </a:p>
-        </p:txBody>
-      </p:sp>
-      <p:sp>
-        <p:nvSpPr>
-          <p:cNvPr id="86" name="Прямоугольник 85">
-            <a:extLst>
-              <a:ext uri="{FF2B5EF4-FFF2-40B4-BE49-F238E27FC236}">
-                <a16:creationId xmlns:a16="http://schemas.microsoft.com/office/drawing/2014/main" id="{6B499F5E-706B-4272-818B-C87149038662}"/>
-              </a:ext>
-            </a:extLst>
-          </p:cNvPr>
-          <p:cNvSpPr/>
-          <p:nvPr/>
-        </p:nvSpPr>
-        <p:spPr>
-          <a:xfrm>
-            <a:off x="8989218" y="5420435"/>
-            <a:ext cx="1371600" cy="246221"/>
-          </a:xfrm>
-          <a:prstGeom prst="rect">
-            <a:avLst/>
-          </a:prstGeom>
-        </p:spPr>
-        <p:txBody>
-          <a:bodyPr wrap="square" lIns="0" tIns="0" rIns="0" bIns="0" rtlCol="0" anchor="ctr">
-            <a:spAutoFit/>
-          </a:bodyPr>
-          <a:lstStyle/>
-          <a:p>
-            <a:pPr algn="ctr" rtl="0"/>
-            <a:r>
-              <a:rPr lang="ru-RU" sz="1600" dirty="0">
-                <a:solidFill>
-                  <a:schemeClr val="bg1"/>
-                </a:solidFill>
-              </a:rPr>
-              <a:t>Ресурсы</a:t>
-            </a:r>
-          </a:p>
-        </p:txBody>
-      </p:sp>
-      <p:sp>
-        <p:nvSpPr>
-          <p:cNvPr id="32" name="Прямоугольник 31">
-            <a:extLst>
-              <a:ext uri="{FF2B5EF4-FFF2-40B4-BE49-F238E27FC236}">
-                <a16:creationId xmlns:a16="http://schemas.microsoft.com/office/drawing/2014/main" id="{F95E5CA0-5952-4205-B8FA-A2FC96012B3D}"/>
-              </a:ext>
-            </a:extLst>
-          </p:cNvPr>
-          <p:cNvSpPr/>
-          <p:nvPr/>
-        </p:nvSpPr>
-        <p:spPr>
-          <a:xfrm>
-            <a:off x="641799" y="1126063"/>
-            <a:ext cx="4162870" cy="1969770"/>
+            <a:off x="506960" y="1798851"/>
+            <a:ext cx="7588767" cy="2154436"/>
           </a:xfrm>
           <a:prstGeom prst="rect">
             <a:avLst/>
@@ -20899,7 +21908,7 @@
           <a:p>
             <a:pPr rtl="0"/>
             <a:r>
-              <a:rPr lang="ru-RU" sz="1600" b="1" dirty="0">
+              <a:rPr lang="en-US" sz="2800" b="1" dirty="0">
                 <a:solidFill>
                   <a:schemeClr val="tx1">
                     <a:lumMod val="75000"/>
@@ -20908,16 +21917,10 @@
                 </a:solidFill>
                 <a:cs typeface="Segoe UI" panose="020B0502040204020203" pitchFamily="34" charset="0"/>
               </a:rPr>
-              <a:t>Поиск определенного лица</a:t>
-            </a:r>
-          </a:p>
-          <a:p>
-            <a:pPr marL="285750" indent="-285750" rtl="0">
-              <a:buFont typeface="Arial" panose="020B0604020202020204" pitchFamily="34" charset="0"/>
-              <a:buChar char="•"/>
-            </a:pPr>
-            <a:r>
-              <a:rPr lang="en-US" sz="1600" b="1" dirty="0">
+              <a:t>Face-reidentification-retail-0095</a:t>
+            </a:r>
+            <a:r>
+              <a:rPr lang="ru-RU" sz="2800" b="1" dirty="0">
                 <a:solidFill>
                   <a:schemeClr val="tx1">
                     <a:lumMod val="75000"/>
@@ -20926,10 +21929,10 @@
                 </a:solidFill>
                 <a:cs typeface="Segoe UI" panose="020B0502040204020203" pitchFamily="34" charset="0"/>
               </a:rPr>
-              <a:t>OpenCV </a:t>
-            </a:r>
-            <a:r>
-              <a:rPr lang="en-US" sz="1600" b="1" dirty="0" err="1">
+              <a:t> (</a:t>
+            </a:r>
+            <a:r>
+              <a:rPr lang="en-US" sz="2800" b="1" dirty="0">
                 <a:solidFill>
                   <a:schemeClr val="tx1">
                     <a:lumMod val="75000"/>
@@ -20938,9 +21941,9 @@
                 </a:solidFill>
                 <a:cs typeface="Segoe UI" panose="020B0502040204020203" pitchFamily="34" charset="0"/>
               </a:rPr>
-              <a:t>Haar</a:t>
-            </a:r>
-            <a:endParaRPr lang="ru-RU" sz="1600" b="1" dirty="0">
+              <a:t>open model zoo)</a:t>
+            </a:r>
+            <a:endParaRPr lang="ru-RU" sz="2800" b="1" dirty="0">
               <a:solidFill>
                 <a:schemeClr val="tx1">
                   <a:lumMod val="75000"/>
@@ -20951,8 +21954,12 @@
             </a:endParaRPr>
           </a:p>
           <a:p>
-            <a:r>
-              <a:rPr lang="ru-RU" sz="1600" dirty="0">
+            <a:pPr marL="285750" indent="-285750" rtl="0">
+              <a:buFont typeface="Arial" panose="020B0604020202020204" pitchFamily="34" charset="0"/>
+              <a:buChar char="•"/>
+            </a:pPr>
+            <a:r>
+              <a:rPr lang="ru-RU" sz="2400" b="1" dirty="0">
                 <a:solidFill>
                   <a:schemeClr val="tx1">
                     <a:lumMod val="75000"/>
@@ -20961,12 +21968,16 @@
                 </a:solidFill>
                 <a:cs typeface="Segoe UI" panose="020B0502040204020203" pitchFamily="34" charset="0"/>
               </a:rPr>
-              <a:t> Плохо работает с поворотом лица</a:t>
-            </a:r>
-          </a:p>
-          <a:p>
-            <a:r>
-              <a:rPr lang="ru-RU" sz="1600" dirty="0">
+              <a:t>Легковесная</a:t>
+            </a:r>
+          </a:p>
+          <a:p>
+            <a:pPr marL="285750" indent="-285750" rtl="0">
+              <a:buFont typeface="Arial" panose="020B0604020202020204" pitchFamily="34" charset="0"/>
+              <a:buChar char="•"/>
+            </a:pPr>
+            <a:r>
+              <a:rPr lang="ru-RU" sz="2400" b="1" dirty="0">
                 <a:solidFill>
                   <a:schemeClr val="tx1">
                     <a:lumMod val="75000"/>
@@ -20975,25 +21986,16 @@
                 </a:solidFill>
                 <a:cs typeface="Segoe UI" panose="020B0502040204020203" pitchFamily="34" charset="0"/>
               </a:rPr>
-              <a:t> Проблемы с коллизией </a:t>
-            </a:r>
-            <a:endParaRPr lang="en-US" sz="1600" dirty="0">
-              <a:solidFill>
-                <a:schemeClr val="tx1">
-                  <a:lumMod val="75000"/>
-                  <a:lumOff val="25000"/>
-                </a:schemeClr>
-              </a:solidFill>
-              <a:cs typeface="Segoe UI" panose="020B0502040204020203" pitchFamily="34" charset="0"/>
-            </a:endParaRPr>
-          </a:p>
-          <a:p>
-            <a:pPr marL="285750" indent="-285750">
+              <a:t>Точная</a:t>
+            </a:r>
+          </a:p>
+          <a:p>
+            <a:pPr marL="285750" indent="-285750" rtl="0">
               <a:buFont typeface="Arial" panose="020B0604020202020204" pitchFamily="34" charset="0"/>
               <a:buChar char="•"/>
             </a:pPr>
             <a:r>
-              <a:rPr lang="en-US" sz="1600" b="1" dirty="0">
+              <a:rPr lang="ru-RU" sz="2400" b="1" dirty="0">
                 <a:solidFill>
                   <a:schemeClr val="tx1">
                     <a:lumMod val="75000"/>
@@ -21002,21 +22004,12 @@
                 </a:solidFill>
                 <a:cs typeface="Segoe UI" panose="020B0502040204020203" pitchFamily="34" charset="0"/>
               </a:rPr>
-              <a:t>OpenCV DNN</a:t>
-            </a:r>
-            <a:endParaRPr lang="ru-RU" sz="1600" b="1" dirty="0">
-              <a:solidFill>
-                <a:schemeClr val="tx1">
-                  <a:lumMod val="75000"/>
-                  <a:lumOff val="25000"/>
-                </a:schemeClr>
-              </a:solidFill>
-              <a:cs typeface="Segoe UI" panose="020B0502040204020203" pitchFamily="34" charset="0"/>
-            </a:endParaRPr>
-          </a:p>
-          <a:p>
-            <a:r>
-              <a:rPr lang="ru-RU" sz="1600" dirty="0">
+              <a:t>Быстрая </a:t>
+            </a:r>
+          </a:p>
+          <a:p>
+            <a:r>
+              <a:rPr lang="ru-RU" sz="2400" dirty="0">
                 <a:solidFill>
                   <a:schemeClr val="tx1">
                     <a:lumMod val="75000"/>
@@ -21025,20 +22018,33 @@
                 </a:solidFill>
                 <a:cs typeface="Segoe UI" panose="020B0502040204020203" pitchFamily="34" charset="0"/>
               </a:rPr>
-              <a:t>Долго</a:t>
-            </a:r>
-            <a:endParaRPr lang="en-US" sz="1600" dirty="0">
-              <a:solidFill>
-                <a:schemeClr val="tx1">
-                  <a:lumMod val="75000"/>
-                  <a:lumOff val="25000"/>
-                </a:schemeClr>
-              </a:solidFill>
-              <a:cs typeface="Segoe UI" panose="020B0502040204020203" pitchFamily="34" charset="0"/>
-            </a:endParaRPr>
-          </a:p>
-          <a:p>
-            <a:endParaRPr lang="ru-RU" sz="1600" dirty="0">
+              <a:t> Основана на </a:t>
+            </a:r>
+            <a:r>
+              <a:rPr lang="en-US" sz="2400" dirty="0" err="1">
+                <a:solidFill>
+                  <a:schemeClr val="tx1">
+                    <a:lumMod val="75000"/>
+                    <a:lumOff val="25000"/>
+                  </a:schemeClr>
+                </a:solidFill>
+                <a:cs typeface="Segoe UI" panose="020B0502040204020203" pitchFamily="34" charset="0"/>
+              </a:rPr>
+              <a:t>MobileNet</a:t>
+            </a:r>
+            <a:r>
+              <a:rPr lang="en-US" sz="2400" dirty="0">
+                <a:solidFill>
+                  <a:schemeClr val="tx1">
+                    <a:lumMod val="75000"/>
+                    <a:lumOff val="25000"/>
+                  </a:schemeClr>
+                </a:solidFill>
+                <a:cs typeface="Segoe UI" panose="020B0502040204020203" pitchFamily="34" charset="0"/>
+              </a:rPr>
+              <a:t> V2 backbone</a:t>
+            </a:r>
+            <a:endParaRPr lang="ru-RU" sz="2400" dirty="0">
               <a:solidFill>
                 <a:schemeClr val="tx1">
                   <a:lumMod val="75000"/>
@@ -21062,10 +22068,632 @@
           </a:p>
         </p:txBody>
       </p:sp>
+      <p:pic>
+        <p:nvPicPr>
+          <p:cNvPr id="9" name="Рисунок 8" descr="Изображение выглядит как черный&#10;&#10;Автоматически созданное описание">
+            <a:extLst>
+              <a:ext uri="{FF2B5EF4-FFF2-40B4-BE49-F238E27FC236}">
+                <a16:creationId xmlns:a16="http://schemas.microsoft.com/office/drawing/2014/main" id="{CAC7F4A7-35BA-4FC6-A00F-33A842B09FCD}"/>
+              </a:ext>
+            </a:extLst>
+          </p:cNvPr>
+          <p:cNvPicPr>
+            <a:picLocks noChangeAspect="1"/>
+          </p:cNvPicPr>
+          <p:nvPr/>
+        </p:nvPicPr>
+        <p:blipFill>
+          <a:blip r:embed="rId3">
+            <a:extLst>
+              <a:ext uri="{28A0092B-C50C-407E-A947-70E740481C1C}">
+                <a14:useLocalDpi xmlns:a14="http://schemas.microsoft.com/office/drawing/2010/main" val="0"/>
+              </a:ext>
+            </a:extLst>
+          </a:blip>
+          <a:stretch>
+            <a:fillRect/>
+          </a:stretch>
+        </p:blipFill>
+        <p:spPr>
+          <a:xfrm>
+            <a:off x="7896170" y="4598121"/>
+            <a:ext cx="399115" cy="382857"/>
+          </a:xfrm>
+          <a:prstGeom prst="rect">
+            <a:avLst/>
+          </a:prstGeom>
+        </p:spPr>
+      </p:pic>
+      <p:sp>
+        <p:nvSpPr>
+          <p:cNvPr id="13" name="Прямоугольник 12">
+            <a:extLst>
+              <a:ext uri="{FF2B5EF4-FFF2-40B4-BE49-F238E27FC236}">
+                <a16:creationId xmlns:a16="http://schemas.microsoft.com/office/drawing/2014/main" id="{3D2B1A44-4D21-4FDC-97D3-A935CFFCA78B}"/>
+              </a:ext>
+            </a:extLst>
+          </p:cNvPr>
+          <p:cNvSpPr/>
+          <p:nvPr/>
+        </p:nvSpPr>
+        <p:spPr>
+          <a:xfrm>
+            <a:off x="8336519" y="4281721"/>
+            <a:ext cx="3881802" cy="1015663"/>
+          </a:xfrm>
+          <a:prstGeom prst="rect">
+            <a:avLst/>
+          </a:prstGeom>
+        </p:spPr>
+        <p:txBody>
+          <a:bodyPr wrap="square">
+            <a:spAutoFit/>
+          </a:bodyPr>
+          <a:lstStyle/>
+          <a:p>
+            <a:r>
+              <a:rPr lang="ru-RU" sz="2000" b="1" dirty="0">
+                <a:solidFill>
+                  <a:schemeClr val="tx1">
+                    <a:lumMod val="75000"/>
+                    <a:lumOff val="25000"/>
+                  </a:schemeClr>
+                </a:solidFill>
+                <a:cs typeface="Segoe UI" panose="020B0502040204020203" pitchFamily="34" charset="0"/>
+              </a:rPr>
+              <a:t>Принимает на вход маленькое, плотно прилегающее изображение лица </a:t>
+            </a:r>
+            <a:endParaRPr lang="ru-RU" sz="2000" dirty="0"/>
+          </a:p>
+        </p:txBody>
+      </p:sp>
+      <p:cxnSp>
+        <p:nvCxnSpPr>
+          <p:cNvPr id="19" name="Прямая со стрелкой 18">
+            <a:extLst>
+              <a:ext uri="{FF2B5EF4-FFF2-40B4-BE49-F238E27FC236}">
+                <a16:creationId xmlns:a16="http://schemas.microsoft.com/office/drawing/2014/main" id="{75239521-6E65-4F02-A239-2420906E6937}"/>
+              </a:ext>
+            </a:extLst>
+          </p:cNvPr>
+          <p:cNvCxnSpPr>
+            <a:cxnSpLocks/>
+          </p:cNvCxnSpPr>
+          <p:nvPr/>
+        </p:nvCxnSpPr>
+        <p:spPr>
+          <a:xfrm>
+            <a:off x="10149480" y="5986709"/>
+            <a:ext cx="1104900" cy="0"/>
+          </a:xfrm>
+          <a:prstGeom prst="straightConnector1">
+            <a:avLst/>
+          </a:prstGeom>
+          <a:ln w="60325">
+            <a:solidFill>
+              <a:schemeClr val="tx1"/>
+            </a:solidFill>
+            <a:tailEnd type="triangle"/>
+          </a:ln>
+        </p:spPr>
+        <p:style>
+          <a:lnRef idx="1">
+            <a:schemeClr val="accent1"/>
+          </a:lnRef>
+          <a:fillRef idx="0">
+            <a:schemeClr val="accent1"/>
+          </a:fillRef>
+          <a:effectRef idx="0">
+            <a:schemeClr val="accent1"/>
+          </a:effectRef>
+          <a:fontRef idx="minor">
+            <a:schemeClr val="tx1"/>
+          </a:fontRef>
+        </p:style>
+      </p:cxnSp>
+      <p:pic>
+        <p:nvPicPr>
+          <p:cNvPr id="25" name="Рисунок 24">
+            <a:extLst>
+              <a:ext uri="{FF2B5EF4-FFF2-40B4-BE49-F238E27FC236}">
+                <a16:creationId xmlns:a16="http://schemas.microsoft.com/office/drawing/2014/main" id="{F60BE39F-42B2-4D3B-8F7C-722B7F4AB29A}"/>
+              </a:ext>
+            </a:extLst>
+          </p:cNvPr>
+          <p:cNvPicPr>
+            <a:picLocks noChangeAspect="1"/>
+          </p:cNvPicPr>
+          <p:nvPr/>
+        </p:nvPicPr>
+        <p:blipFill>
+          <a:blip r:embed="rId4">
+            <a:extLst>
+              <a:ext uri="{28A0092B-C50C-407E-A947-70E740481C1C}">
+                <a14:useLocalDpi xmlns:a14="http://schemas.microsoft.com/office/drawing/2010/main" val="0"/>
+              </a:ext>
+            </a:extLst>
+          </a:blip>
+          <a:stretch>
+            <a:fillRect/>
+          </a:stretch>
+        </p:blipFill>
+        <p:spPr>
+          <a:xfrm>
+            <a:off x="7852239" y="5587411"/>
+            <a:ext cx="798597" cy="798597"/>
+          </a:xfrm>
+          <a:prstGeom prst="rect">
+            <a:avLst/>
+          </a:prstGeom>
+        </p:spPr>
+      </p:pic>
+      <p:sp>
+        <p:nvSpPr>
+          <p:cNvPr id="26" name="Прямоугольник 25">
+            <a:extLst>
+              <a:ext uri="{FF2B5EF4-FFF2-40B4-BE49-F238E27FC236}">
+                <a16:creationId xmlns:a16="http://schemas.microsoft.com/office/drawing/2014/main" id="{6334B90A-8A64-4EBC-9391-F9759E47DAFB}"/>
+              </a:ext>
+            </a:extLst>
+          </p:cNvPr>
+          <p:cNvSpPr/>
+          <p:nvPr/>
+        </p:nvSpPr>
+        <p:spPr>
+          <a:xfrm>
+            <a:off x="7663876" y="6331687"/>
+            <a:ext cx="1175322" cy="369332"/>
+          </a:xfrm>
+          <a:prstGeom prst="rect">
+            <a:avLst/>
+          </a:prstGeom>
+        </p:spPr>
+        <p:txBody>
+          <a:bodyPr wrap="none">
+            <a:spAutoFit/>
+          </a:bodyPr>
+          <a:lstStyle/>
+          <a:p>
+            <a:r>
+              <a:rPr lang="en-US" dirty="0">
+                <a:solidFill>
+                  <a:schemeClr val="tx1">
+                    <a:lumMod val="75000"/>
+                    <a:lumOff val="25000"/>
+                  </a:schemeClr>
+                </a:solidFill>
+                <a:cs typeface="Segoe UI" panose="020B0502040204020203" pitchFamily="34" charset="0"/>
+              </a:rPr>
+              <a:t>[3,128,128]</a:t>
+            </a:r>
+            <a:endParaRPr lang="ru-RU" dirty="0"/>
+          </a:p>
+        </p:txBody>
+      </p:sp>
+      <p:sp>
+        <p:nvSpPr>
+          <p:cNvPr id="34" name="Прямоугольник 33">
+            <a:extLst>
+              <a:ext uri="{FF2B5EF4-FFF2-40B4-BE49-F238E27FC236}">
+                <a16:creationId xmlns:a16="http://schemas.microsoft.com/office/drawing/2014/main" id="{6B5C366C-F594-4D06-9963-40F69EF89558}"/>
+              </a:ext>
+            </a:extLst>
+          </p:cNvPr>
+          <p:cNvSpPr/>
+          <p:nvPr/>
+        </p:nvSpPr>
+        <p:spPr>
+          <a:xfrm>
+            <a:off x="10313623" y="6171374"/>
+            <a:ext cx="678391" cy="646331"/>
+          </a:xfrm>
+          <a:prstGeom prst="rect">
+            <a:avLst/>
+          </a:prstGeom>
+        </p:spPr>
+        <p:txBody>
+          <a:bodyPr wrap="none">
+            <a:spAutoFit/>
+          </a:bodyPr>
+          <a:lstStyle/>
+          <a:p>
+            <a:pPr algn="ctr"/>
+            <a:r>
+              <a:rPr lang="en-US" dirty="0">
+                <a:solidFill>
+                  <a:schemeClr val="tx1">
+                    <a:lumMod val="75000"/>
+                    <a:lumOff val="25000"/>
+                  </a:schemeClr>
+                </a:solidFill>
+                <a:cs typeface="Segoe UI" panose="020B0502040204020203" pitchFamily="34" charset="0"/>
+              </a:rPr>
+              <a:t>[256]</a:t>
+            </a:r>
+          </a:p>
+          <a:p>
+            <a:pPr algn="ctr"/>
+            <a:r>
+              <a:rPr lang="en-US" dirty="0">
+                <a:solidFill>
+                  <a:schemeClr val="tx1">
+                    <a:lumMod val="75000"/>
+                    <a:lumOff val="25000"/>
+                  </a:schemeClr>
+                </a:solidFill>
+                <a:cs typeface="Segoe UI" panose="020B0502040204020203" pitchFamily="34" charset="0"/>
+              </a:rPr>
+              <a:t>fp32</a:t>
+            </a:r>
+            <a:endParaRPr lang="ru-RU" dirty="0"/>
+          </a:p>
+        </p:txBody>
+      </p:sp>
+      <p:pic>
+        <p:nvPicPr>
+          <p:cNvPr id="29" name="Рисунок 28">
+            <a:extLst>
+              <a:ext uri="{FF2B5EF4-FFF2-40B4-BE49-F238E27FC236}">
+                <a16:creationId xmlns:a16="http://schemas.microsoft.com/office/drawing/2014/main" id="{D8AB8003-E0DA-4900-B45A-62E503C137E8}"/>
+              </a:ext>
+            </a:extLst>
+          </p:cNvPr>
+          <p:cNvPicPr>
+            <a:picLocks noChangeAspect="1"/>
+          </p:cNvPicPr>
+          <p:nvPr/>
+        </p:nvPicPr>
+        <p:blipFill>
+          <a:blip r:embed="rId5">
+            <a:lum bright="70000" contrast="-70000"/>
+            <a:extLst>
+              <a:ext uri="{28A0092B-C50C-407E-A947-70E740481C1C}">
+                <a14:useLocalDpi xmlns:a14="http://schemas.microsoft.com/office/drawing/2010/main" val="0"/>
+              </a:ext>
+            </a:extLst>
+          </a:blip>
+          <a:stretch>
+            <a:fillRect/>
+          </a:stretch>
+        </p:blipFill>
+        <p:spPr>
+          <a:xfrm>
+            <a:off x="8105775" y="3213043"/>
+            <a:ext cx="740244" cy="740244"/>
+          </a:xfrm>
+          <a:prstGeom prst="rect">
+            <a:avLst/>
+          </a:prstGeom>
+        </p:spPr>
+      </p:pic>
+      <p:sp>
+        <p:nvSpPr>
+          <p:cNvPr id="30" name="Прямоугольник 29">
+            <a:extLst>
+              <a:ext uri="{FF2B5EF4-FFF2-40B4-BE49-F238E27FC236}">
+                <a16:creationId xmlns:a16="http://schemas.microsoft.com/office/drawing/2014/main" id="{6834D064-B12C-4649-BDAF-E79846182097}"/>
+              </a:ext>
+            </a:extLst>
+          </p:cNvPr>
+          <p:cNvSpPr/>
+          <p:nvPr/>
+        </p:nvSpPr>
+        <p:spPr>
+          <a:xfrm>
+            <a:off x="9081665" y="3121500"/>
+            <a:ext cx="3432339" cy="923330"/>
+          </a:xfrm>
+          <a:prstGeom prst="rect">
+            <a:avLst/>
+          </a:prstGeom>
+        </p:spPr>
+        <p:txBody>
+          <a:bodyPr wrap="square">
+            <a:spAutoFit/>
+          </a:bodyPr>
+          <a:lstStyle/>
+          <a:p>
+            <a:r>
+              <a:rPr lang="ru-RU" b="1" dirty="0">
+                <a:solidFill>
+                  <a:schemeClr val="tx1">
+                    <a:lumMod val="75000"/>
+                    <a:lumOff val="25000"/>
+                  </a:schemeClr>
+                </a:solidFill>
+                <a:cs typeface="Segoe UI" panose="020B0502040204020203" pitchFamily="34" charset="0"/>
+              </a:rPr>
+              <a:t>В приложение хранятся характеристики лиц, которые необходимо скрыть</a:t>
+            </a:r>
+          </a:p>
+        </p:txBody>
+      </p:sp>
+      <p:pic>
+        <p:nvPicPr>
+          <p:cNvPr id="33" name="Рисунок 32">
+            <a:extLst>
+              <a:ext uri="{FF2B5EF4-FFF2-40B4-BE49-F238E27FC236}">
+                <a16:creationId xmlns:a16="http://schemas.microsoft.com/office/drawing/2014/main" id="{F2913A82-FBDB-4BF2-A3D5-2C962A8F4F9C}"/>
+              </a:ext>
+            </a:extLst>
+          </p:cNvPr>
+          <p:cNvPicPr>
+            <a:picLocks noChangeAspect="1"/>
+          </p:cNvPicPr>
+          <p:nvPr/>
+        </p:nvPicPr>
+        <p:blipFill>
+          <a:blip r:embed="rId6">
+            <a:extLst>
+              <a:ext uri="{28A0092B-C50C-407E-A947-70E740481C1C}">
+                <a14:useLocalDpi xmlns:a14="http://schemas.microsoft.com/office/drawing/2010/main" val="0"/>
+              </a:ext>
+            </a:extLst>
+          </a:blip>
+          <a:stretch>
+            <a:fillRect/>
+          </a:stretch>
+        </p:blipFill>
+        <p:spPr>
+          <a:xfrm>
+            <a:off x="8926375" y="5527095"/>
+            <a:ext cx="947566" cy="947566"/>
+          </a:xfrm>
+          <a:prstGeom prst="rect">
+            <a:avLst/>
+          </a:prstGeom>
+        </p:spPr>
+      </p:pic>
+      <mc:AlternateContent xmlns:mc="http://schemas.openxmlformats.org/markup-compatibility/2006">
+        <mc:Choice xmlns:a14="http://schemas.microsoft.com/office/drawing/2010/main" Requires="a14">
+          <p:sp>
+            <p:nvSpPr>
+              <p:cNvPr id="35" name="TextBox 34">
+                <a:extLst>
+                  <a:ext uri="{FF2B5EF4-FFF2-40B4-BE49-F238E27FC236}">
+                    <a16:creationId xmlns:a16="http://schemas.microsoft.com/office/drawing/2014/main" id="{7807A77A-21E1-4BC3-818F-67C81BDD8D66}"/>
+                  </a:ext>
+                </a:extLst>
+              </p:cNvPr>
+              <p:cNvSpPr txBox="1"/>
+              <p:nvPr/>
+            </p:nvSpPr>
+            <p:spPr>
+              <a:xfrm>
+                <a:off x="1219653" y="4508421"/>
+                <a:ext cx="1983300" cy="659732"/>
+              </a:xfrm>
+              <a:prstGeom prst="rect">
+                <a:avLst/>
+              </a:prstGeom>
+              <a:noFill/>
+            </p:spPr>
+            <p:txBody>
+              <a:bodyPr wrap="none" lIns="0" tIns="0" rIns="0" bIns="0" rtlCol="0">
+                <a:spAutoFit/>
+              </a:bodyPr>
+              <a:lstStyle/>
+              <a:p>
+                <a14:m>
+                  <m:oMathPara xmlns:m="http://schemas.openxmlformats.org/officeDocument/2006/math">
+                    <m:oMathParaPr>
+                      <m:jc m:val="centerGroup"/>
+                    </m:oMathParaPr>
+                    <m:oMath xmlns:m="http://schemas.openxmlformats.org/officeDocument/2006/math">
+                      <m:r>
+                        <m:rPr>
+                          <m:sty m:val="p"/>
+                        </m:rPr>
+                        <a:rPr lang="en-US" sz="2000" b="0" i="0" smtClean="0">
+                          <a:latin typeface="Cambria Math" panose="02040503050406030204" pitchFamily="18" charset="0"/>
+                        </a:rPr>
+                        <m:t>cos</m:t>
+                      </m:r>
+                      <m:r>
+                        <a:rPr lang="en-US" sz="2000" b="0" i="1" smtClean="0">
+                          <a:latin typeface="Cambria Math" panose="02040503050406030204" pitchFamily="18" charset="0"/>
+                        </a:rPr>
+                        <m:t>⁡(</m:t>
+                      </m:r>
+                      <m:r>
+                        <a:rPr lang="en-US" sz="2000" b="0" i="1" smtClean="0">
+                          <a:latin typeface="Cambria Math" panose="02040503050406030204" pitchFamily="18" charset="0"/>
+                        </a:rPr>
+                        <m:t>𝑥</m:t>
+                      </m:r>
+                      <m:r>
+                        <a:rPr lang="en-US" sz="2000" b="0" i="1" smtClean="0">
+                          <a:latin typeface="Cambria Math" panose="02040503050406030204" pitchFamily="18" charset="0"/>
+                        </a:rPr>
+                        <m:t>,</m:t>
+                      </m:r>
+                      <m:r>
+                        <a:rPr lang="en-US" sz="2000" b="0" i="1" smtClean="0">
+                          <a:latin typeface="Cambria Math" panose="02040503050406030204" pitchFamily="18" charset="0"/>
+                        </a:rPr>
+                        <m:t>𝑦</m:t>
+                      </m:r>
+                      <m:r>
+                        <a:rPr lang="en-US" sz="2000" b="0" i="1" smtClean="0">
+                          <a:latin typeface="Cambria Math" panose="02040503050406030204" pitchFamily="18" charset="0"/>
+                        </a:rPr>
+                        <m:t>)=</m:t>
+                      </m:r>
+                      <m:f>
+                        <m:fPr>
+                          <m:ctrlPr>
+                            <a:rPr lang="en-US" sz="2000" i="1" smtClean="0">
+                              <a:latin typeface="Cambria Math" panose="02040503050406030204" pitchFamily="18" charset="0"/>
+                            </a:rPr>
+                          </m:ctrlPr>
+                        </m:fPr>
+                        <m:num>
+                          <m:acc>
+                            <m:accPr>
+                              <m:chr m:val="⃗"/>
+                              <m:ctrlPr>
+                                <a:rPr lang="en-US" sz="2000" i="1">
+                                  <a:latin typeface="Cambria Math" panose="02040503050406030204" pitchFamily="18" charset="0"/>
+                                </a:rPr>
+                              </m:ctrlPr>
+                            </m:accPr>
+                            <m:e>
+                              <m:r>
+                                <a:rPr lang="en-US" sz="2000" i="1">
+                                  <a:latin typeface="Cambria Math" panose="02040503050406030204" pitchFamily="18" charset="0"/>
+                                </a:rPr>
+                                <m:t>𝑥</m:t>
+                              </m:r>
+                            </m:e>
+                          </m:acc>
+                          <m:r>
+                            <a:rPr lang="en-US" sz="2000" b="0" i="1" smtClean="0">
+                              <a:latin typeface="Cambria Math" panose="02040503050406030204" pitchFamily="18" charset="0"/>
+                              <a:ea typeface="Cambria Math" panose="02040503050406030204" pitchFamily="18" charset="0"/>
+                            </a:rPr>
+                            <m:t>∙</m:t>
+                          </m:r>
+                          <m:acc>
+                            <m:accPr>
+                              <m:chr m:val="⃗"/>
+                              <m:ctrlPr>
+                                <a:rPr lang="en-US" sz="2000" i="1">
+                                  <a:latin typeface="Cambria Math" panose="02040503050406030204" pitchFamily="18" charset="0"/>
+                                </a:rPr>
+                              </m:ctrlPr>
+                            </m:accPr>
+                            <m:e>
+                              <m:r>
+                                <a:rPr lang="en-US" sz="2000" b="0" i="1" smtClean="0">
+                                  <a:latin typeface="Cambria Math" panose="02040503050406030204" pitchFamily="18" charset="0"/>
+                                </a:rPr>
+                                <m:t>𝑦</m:t>
+                              </m:r>
+                            </m:e>
+                          </m:acc>
+                        </m:num>
+                        <m:den>
+                          <m:d>
+                            <m:dPr>
+                              <m:begChr m:val="|"/>
+                              <m:endChr m:val="|"/>
+                              <m:ctrlPr>
+                                <a:rPr lang="en-US" sz="2000" i="1" smtClean="0">
+                                  <a:latin typeface="Cambria Math" panose="02040503050406030204" pitchFamily="18" charset="0"/>
+                                </a:rPr>
+                              </m:ctrlPr>
+                            </m:dPr>
+                            <m:e>
+                              <m:acc>
+                                <m:accPr>
+                                  <m:chr m:val="⃗"/>
+                                  <m:ctrlPr>
+                                    <a:rPr lang="en-US" sz="2000" i="1">
+                                      <a:latin typeface="Cambria Math" panose="02040503050406030204" pitchFamily="18" charset="0"/>
+                                    </a:rPr>
+                                  </m:ctrlPr>
+                                </m:accPr>
+                                <m:e>
+                                  <m:r>
+                                    <a:rPr lang="en-US" sz="2000" i="1">
+                                      <a:latin typeface="Cambria Math" panose="02040503050406030204" pitchFamily="18" charset="0"/>
+                                    </a:rPr>
+                                    <m:t>𝑥</m:t>
+                                  </m:r>
+                                </m:e>
+                              </m:acc>
+                            </m:e>
+                          </m:d>
+                          <m:d>
+                            <m:dPr>
+                              <m:begChr m:val="|"/>
+                              <m:endChr m:val="|"/>
+                              <m:ctrlPr>
+                                <a:rPr lang="en-US" sz="2000" i="1">
+                                  <a:latin typeface="Cambria Math" panose="02040503050406030204" pitchFamily="18" charset="0"/>
+                                </a:rPr>
+                              </m:ctrlPr>
+                            </m:dPr>
+                            <m:e>
+                              <m:acc>
+                                <m:accPr>
+                                  <m:chr m:val="⃗"/>
+                                  <m:ctrlPr>
+                                    <a:rPr lang="en-US" sz="2000" i="1">
+                                      <a:latin typeface="Cambria Math" panose="02040503050406030204" pitchFamily="18" charset="0"/>
+                                    </a:rPr>
+                                  </m:ctrlPr>
+                                </m:accPr>
+                                <m:e>
+                                  <m:r>
+                                    <a:rPr lang="en-US" sz="2000" i="1">
+                                      <a:latin typeface="Cambria Math" panose="02040503050406030204" pitchFamily="18" charset="0"/>
+                                    </a:rPr>
+                                    <m:t>𝑦</m:t>
+                                  </m:r>
+                                </m:e>
+                              </m:acc>
+                            </m:e>
+                          </m:d>
+                        </m:den>
+                      </m:f>
+                    </m:oMath>
+                  </m:oMathPara>
+                </a14:m>
+                <a:endParaRPr lang="ru-RU" sz="2000" dirty="0"/>
+              </a:p>
+            </p:txBody>
+          </p:sp>
+        </mc:Choice>
+        <mc:Fallback>
+          <p:sp>
+            <p:nvSpPr>
+              <p:cNvPr id="35" name="TextBox 34">
+                <a:extLst>
+                  <a:ext uri="{FF2B5EF4-FFF2-40B4-BE49-F238E27FC236}">
+                    <a16:creationId xmlns:a16="http://schemas.microsoft.com/office/drawing/2014/main" id="{7807A77A-21E1-4BC3-818F-67C81BDD8D66}"/>
+                  </a:ext>
+                </a:extLst>
+              </p:cNvPr>
+              <p:cNvSpPr txBox="1">
+                <a:spLocks noRot="1" noChangeAspect="1" noMove="1" noResize="1" noEditPoints="1" noAdjustHandles="1" noChangeArrowheads="1" noChangeShapeType="1" noTextEdit="1"/>
+              </p:cNvSpPr>
+              <p:nvPr/>
+            </p:nvSpPr>
+            <p:spPr>
+              <a:xfrm>
+                <a:off x="1219653" y="4508421"/>
+                <a:ext cx="1983300" cy="659732"/>
+              </a:xfrm>
+              <a:prstGeom prst="rect">
+                <a:avLst/>
+              </a:prstGeom>
+              <a:blipFill>
+                <a:blip r:embed="rId7"/>
+                <a:stretch>
+                  <a:fillRect/>
+                </a:stretch>
+              </a:blipFill>
+            </p:spPr>
+            <p:txBody>
+              <a:bodyPr/>
+              <a:lstStyle/>
+              <a:p>
+                <a:r>
+                  <a:rPr lang="ru-RU">
+                    <a:noFill/>
+                  </a:rPr>
+                  <a:t> </a:t>
+                </a:r>
+              </a:p>
+            </p:txBody>
+          </p:sp>
+        </mc:Fallback>
+      </mc:AlternateContent>
     </p:spTree>
     <p:extLst>
       <p:ext uri="{BB962C8B-B14F-4D97-AF65-F5344CB8AC3E}">
-        <p14:creationId xmlns:p14="http://schemas.microsoft.com/office/powerpoint/2010/main" val="37723693"/>
+        <p14:creationId xmlns:p14="http://schemas.microsoft.com/office/powerpoint/2010/main" val="843768125"/>
       </p:ext>
     </p:extLst>
   </p:cSld>
@@ -21231,7 +22859,7 @@
                   </a:schemeClr>
                 </a:solidFill>
               </a:rPr>
-              <a:t>Эффекты</a:t>
+              <a:t>Скрытие лица</a:t>
             </a:r>
             <a:endParaRPr lang="ru-RU" sz="2800" dirty="0">
               <a:solidFill>
@@ -21307,7 +22935,7 @@
         </p:nvSpPr>
         <p:spPr>
           <a:xfrm>
-            <a:off x="1831182" y="2333832"/>
+            <a:off x="1943429" y="4416867"/>
             <a:ext cx="1371600" cy="492443"/>
           </a:xfrm>
           <a:prstGeom prst="rect">
@@ -21541,8 +23169,8 @@
         </p:nvSpPr>
         <p:spPr>
           <a:xfrm>
-            <a:off x="641799" y="1126063"/>
-            <a:ext cx="4162870" cy="1969770"/>
+            <a:off x="624762" y="1721947"/>
+            <a:ext cx="4162870" cy="646331"/>
           </a:xfrm>
           <a:prstGeom prst="rect">
             <a:avLst/>
@@ -21556,7 +23184,7 @@
           <a:p>
             <a:pPr rtl="0"/>
             <a:r>
-              <a:rPr lang="ru-RU" sz="1600" b="1" dirty="0">
+              <a:rPr lang="ru-RU" sz="2400" b="1" dirty="0">
                 <a:solidFill>
                   <a:schemeClr val="tx1">
                     <a:lumMod val="75000"/>
@@ -21565,37 +23193,7 @@
                 </a:solidFill>
                 <a:cs typeface="Segoe UI" panose="020B0502040204020203" pitchFamily="34" charset="0"/>
               </a:rPr>
-              <a:t>Поиск определенного лица</a:t>
-            </a:r>
-          </a:p>
-          <a:p>
-            <a:pPr marL="285750" indent="-285750" rtl="0">
-              <a:buFont typeface="Arial" panose="020B0604020202020204" pitchFamily="34" charset="0"/>
-              <a:buChar char="•"/>
-            </a:pPr>
-            <a:r>
-              <a:rPr lang="en-US" sz="1600" b="1" dirty="0">
-                <a:solidFill>
-                  <a:schemeClr val="tx1">
-                    <a:lumMod val="75000"/>
-                    <a:lumOff val="25000"/>
-                  </a:schemeClr>
-                </a:solidFill>
-                <a:cs typeface="Segoe UI" panose="020B0502040204020203" pitchFamily="34" charset="0"/>
-              </a:rPr>
-              <a:t>OpenCV </a:t>
-            </a:r>
-            <a:r>
-              <a:rPr lang="en-US" sz="1600" b="1" dirty="0" err="1">
-                <a:solidFill>
-                  <a:schemeClr val="tx1">
-                    <a:lumMod val="75000"/>
-                    <a:lumOff val="25000"/>
-                  </a:schemeClr>
-                </a:solidFill>
-                <a:cs typeface="Segoe UI" panose="020B0502040204020203" pitchFamily="34" charset="0"/>
-              </a:rPr>
-              <a:t>Haar</a:t>
+              <a:t>Размытие</a:t>
             </a:r>
             <a:endParaRPr lang="ru-RU" sz="1600" b="1" dirty="0">
               <a:solidFill>
@@ -21609,7 +23207,7 @@
           </a:p>
           <a:p>
             <a:r>
-              <a:rPr lang="ru-RU" sz="1600" dirty="0">
+              <a:rPr lang="ru-RU" dirty="0">
                 <a:solidFill>
                   <a:schemeClr val="tx1">
                     <a:lumMod val="75000"/>
@@ -21618,12 +23216,10 @@
                 </a:solidFill>
                 <a:cs typeface="Segoe UI" panose="020B0502040204020203" pitchFamily="34" charset="0"/>
               </a:rPr>
-              <a:t> Плохо работает с поворотом лица</a:t>
-            </a:r>
-          </a:p>
-          <a:p>
-            <a:r>
-              <a:rPr lang="ru-RU" sz="1600" dirty="0">
+              <a:t>стандартная функция </a:t>
+            </a:r>
+            <a:r>
+              <a:rPr lang="en-US" dirty="0">
                 <a:solidFill>
                   <a:schemeClr val="tx1">
                     <a:lumMod val="75000"/>
@@ -21632,9 +23228,9 @@
                 </a:solidFill>
                 <a:cs typeface="Segoe UI" panose="020B0502040204020203" pitchFamily="34" charset="0"/>
               </a:rPr>
-              <a:t> Проблемы с коллизией </a:t>
-            </a:r>
-            <a:endParaRPr lang="en-US" sz="1600" dirty="0">
+              <a:t>OpenCV</a:t>
+            </a:r>
+            <a:endParaRPr lang="ru-RU" dirty="0">
               <a:solidFill>
                 <a:schemeClr val="tx1">
                   <a:lumMod val="75000"/>
@@ -21644,13 +23240,109 @@
               <a:cs typeface="Segoe UI" panose="020B0502040204020203" pitchFamily="34" charset="0"/>
             </a:endParaRPr>
           </a:p>
-          <a:p>
-            <a:pPr marL="285750" indent="-285750">
-              <a:buFont typeface="Arial" panose="020B0604020202020204" pitchFamily="34" charset="0"/>
-              <a:buChar char="•"/>
-            </a:pPr>
-            <a:r>
-              <a:rPr lang="en-US" sz="1600" b="1" dirty="0">
+        </p:txBody>
+      </p:sp>
+      <p:pic>
+        <p:nvPicPr>
+          <p:cNvPr id="3" name="Рисунок 2">
+            <a:extLst>
+              <a:ext uri="{FF2B5EF4-FFF2-40B4-BE49-F238E27FC236}">
+                <a16:creationId xmlns:a16="http://schemas.microsoft.com/office/drawing/2014/main" id="{7C7B3E41-86B6-4303-B78D-0D1CECD47920}"/>
+              </a:ext>
+            </a:extLst>
+          </p:cNvPr>
+          <p:cNvPicPr>
+            <a:picLocks noChangeAspect="1"/>
+          </p:cNvPicPr>
+          <p:nvPr/>
+        </p:nvPicPr>
+        <p:blipFill>
+          <a:blip r:embed="rId3">
+            <a:extLst>
+              <a:ext uri="{28A0092B-C50C-407E-A947-70E740481C1C}">
+                <a14:useLocalDpi xmlns:a14="http://schemas.microsoft.com/office/drawing/2010/main" val="0"/>
+              </a:ext>
+            </a:extLst>
+          </a:blip>
+          <a:stretch>
+            <a:fillRect/>
+          </a:stretch>
+        </p:blipFill>
+        <p:spPr>
+          <a:xfrm>
+            <a:off x="3709965" y="2053335"/>
+            <a:ext cx="387798" cy="387798"/>
+          </a:xfrm>
+          <a:prstGeom prst="rect">
+            <a:avLst/>
+          </a:prstGeom>
+        </p:spPr>
+      </p:pic>
+      <p:pic>
+        <p:nvPicPr>
+          <p:cNvPr id="5" name="Рисунок 4" descr="Изображение выглядит как внутренний, с плиткой, пол, стена&#10;&#10;Автоматически созданное описание">
+            <a:extLst>
+              <a:ext uri="{FF2B5EF4-FFF2-40B4-BE49-F238E27FC236}">
+                <a16:creationId xmlns:a16="http://schemas.microsoft.com/office/drawing/2014/main" id="{B138C0C9-7C7B-4B67-B423-803D905A47BF}"/>
+              </a:ext>
+            </a:extLst>
+          </p:cNvPr>
+          <p:cNvPicPr>
+            <a:picLocks noChangeAspect="1"/>
+          </p:cNvPicPr>
+          <p:nvPr/>
+        </p:nvPicPr>
+        <p:blipFill>
+          <a:blip r:embed="rId4">
+            <a:extLst>
+              <a:ext uri="{28A0092B-C50C-407E-A947-70E740481C1C}">
+                <a14:useLocalDpi xmlns:a14="http://schemas.microsoft.com/office/drawing/2010/main" val="0"/>
+              </a:ext>
+            </a:extLst>
+          </a:blip>
+          <a:stretch>
+            <a:fillRect/>
+          </a:stretch>
+        </p:blipFill>
+        <p:spPr>
+          <a:xfrm>
+            <a:off x="754046" y="4508784"/>
+            <a:ext cx="847725" cy="847725"/>
+          </a:xfrm>
+          <a:prstGeom prst="rect">
+            <a:avLst/>
+          </a:prstGeom>
+        </p:spPr>
+      </p:pic>
+      <p:sp>
+        <p:nvSpPr>
+          <p:cNvPr id="6" name="Прямоугольник 5">
+            <a:extLst>
+              <a:ext uri="{FF2B5EF4-FFF2-40B4-BE49-F238E27FC236}">
+                <a16:creationId xmlns:a16="http://schemas.microsoft.com/office/drawing/2014/main" id="{E621B585-4CEA-48FD-A590-622AF5A8AA52}"/>
+              </a:ext>
+            </a:extLst>
+          </p:cNvPr>
+          <p:cNvSpPr/>
+          <p:nvPr/>
+        </p:nvSpPr>
+        <p:spPr>
+          <a:xfrm>
+            <a:off x="1682834" y="4522909"/>
+            <a:ext cx="2709537" cy="923330"/>
+          </a:xfrm>
+          <a:prstGeom prst="rect">
+            <a:avLst/>
+          </a:prstGeom>
+        </p:spPr>
+        <p:txBody>
+          <a:bodyPr wrap="square">
+            <a:spAutoFit/>
+          </a:bodyPr>
+          <a:lstStyle/>
+          <a:p>
+            <a:r>
+              <a:rPr lang="ru-RU" dirty="0">
                 <a:solidFill>
                   <a:schemeClr val="tx1">
                     <a:lumMod val="75000"/>
@@ -21659,9 +23351,52 @@
                 </a:solidFill>
                 <a:cs typeface="Segoe UI" panose="020B0502040204020203" pitchFamily="34" charset="0"/>
               </a:rPr>
-              <a:t>OpenCV DNN</a:t>
-            </a:r>
-            <a:endParaRPr lang="ru-RU" sz="1600" b="1" dirty="0">
+              <a:t>простое сжатие-растяжение фрагмента картинки</a:t>
+            </a:r>
+            <a:endParaRPr lang="ru-RU" dirty="0"/>
+          </a:p>
+        </p:txBody>
+      </p:sp>
+      <p:sp>
+        <p:nvSpPr>
+          <p:cNvPr id="9" name="Прямоугольник 8">
+            <a:extLst>
+              <a:ext uri="{FF2B5EF4-FFF2-40B4-BE49-F238E27FC236}">
+                <a16:creationId xmlns:a16="http://schemas.microsoft.com/office/drawing/2014/main" id="{E7CF23DB-2007-4B95-A901-4F1F81E616BA}"/>
+              </a:ext>
+            </a:extLst>
+          </p:cNvPr>
+          <p:cNvSpPr/>
+          <p:nvPr/>
+        </p:nvSpPr>
+        <p:spPr>
+          <a:xfrm>
+            <a:off x="624762" y="4047119"/>
+            <a:ext cx="2412840" cy="461665"/>
+          </a:xfrm>
+          <a:prstGeom prst="rect">
+            <a:avLst/>
+          </a:prstGeom>
+        </p:spPr>
+        <p:txBody>
+          <a:bodyPr wrap="none">
+            <a:spAutoFit/>
+          </a:bodyPr>
+          <a:lstStyle/>
+          <a:p>
+            <a:r>
+              <a:rPr lang="ru-RU" sz="2400" b="1" dirty="0">
+                <a:solidFill>
+                  <a:schemeClr val="tx1">
+                    <a:lumMod val="75000"/>
+                    <a:lumOff val="25000"/>
+                  </a:schemeClr>
+                </a:solidFill>
+                <a:cs typeface="Segoe UI" panose="020B0502040204020203" pitchFamily="34" charset="0"/>
+              </a:rPr>
+              <a:t>Эффект цензуры</a:t>
+            </a:r>
+            <a:endParaRPr lang="en-US" sz="2400" b="1" dirty="0">
               <a:solidFill>
                 <a:schemeClr val="tx1">
                   <a:lumMod val="75000"/>
@@ -21671,58 +23406,48 @@
               <a:cs typeface="Segoe UI" panose="020B0502040204020203" pitchFamily="34" charset="0"/>
             </a:endParaRPr>
           </a:p>
-          <a:p>
-            <a:r>
-              <a:rPr lang="ru-RU" sz="1600" dirty="0">
-                <a:solidFill>
-                  <a:schemeClr val="tx1">
-                    <a:lumMod val="75000"/>
-                    <a:lumOff val="25000"/>
-                  </a:schemeClr>
-                </a:solidFill>
-                <a:cs typeface="Segoe UI" panose="020B0502040204020203" pitchFamily="34" charset="0"/>
-              </a:rPr>
-              <a:t>Долго</a:t>
-            </a:r>
-            <a:endParaRPr lang="en-US" sz="1600" dirty="0">
-              <a:solidFill>
-                <a:schemeClr val="tx1">
-                  <a:lumMod val="75000"/>
-                  <a:lumOff val="25000"/>
-                </a:schemeClr>
-              </a:solidFill>
-              <a:cs typeface="Segoe UI" panose="020B0502040204020203" pitchFamily="34" charset="0"/>
-            </a:endParaRPr>
-          </a:p>
-          <a:p>
-            <a:endParaRPr lang="ru-RU" sz="1600" dirty="0">
-              <a:solidFill>
-                <a:schemeClr val="tx1">
-                  <a:lumMod val="75000"/>
-                  <a:lumOff val="25000"/>
-                </a:schemeClr>
-              </a:solidFill>
-              <a:cs typeface="Segoe UI" panose="020B0502040204020203" pitchFamily="34" charset="0"/>
-            </a:endParaRPr>
-          </a:p>
-          <a:p>
-            <a:pPr rtl="0"/>
-            <a:endParaRPr lang="ru-RU" sz="1600" b="1" dirty="0">
-              <a:solidFill>
-                <a:schemeClr val="tx1">
-                  <a:lumMod val="75000"/>
-                  <a:lumOff val="25000"/>
-                </a:schemeClr>
-              </a:solidFill>
-              <a:cs typeface="Segoe UI" panose="020B0502040204020203" pitchFamily="34" charset="0"/>
-            </a:endParaRPr>
-          </a:p>
         </p:txBody>
       </p:sp>
+      <p:pic>
+        <p:nvPicPr>
+          <p:cNvPr id="15" name="Рисунок 14" descr="Изображение выглядит как человек, мужчина, галстук&#10;&#10;Автоматически созданное описание">
+            <a:extLst>
+              <a:ext uri="{FF2B5EF4-FFF2-40B4-BE49-F238E27FC236}">
+                <a16:creationId xmlns:a16="http://schemas.microsoft.com/office/drawing/2014/main" id="{E5F2ED16-ABAC-4365-B721-4AFF536D80EE}"/>
+              </a:ext>
+            </a:extLst>
+          </p:cNvPr>
+          <p:cNvPicPr>
+            <a:picLocks noChangeAspect="1"/>
+          </p:cNvPicPr>
+          <p:nvPr/>
+        </p:nvPicPr>
+        <p:blipFill>
+          <a:blip r:embed="rId5">
+            <a:extLst>
+              <a:ext uri="{28A0092B-C50C-407E-A947-70E740481C1C}">
+                <a14:useLocalDpi xmlns:a14="http://schemas.microsoft.com/office/drawing/2010/main" val="0"/>
+              </a:ext>
+            </a:extLst>
+          </a:blip>
+          <a:stretch>
+            <a:fillRect/>
+          </a:stretch>
+        </p:blipFill>
+        <p:spPr>
+          <a:xfrm>
+            <a:off x="8887736" y="3542269"/>
+            <a:ext cx="2662465" cy="2891833"/>
+          </a:xfrm>
+          <a:prstGeom prst="rect">
+            <a:avLst/>
+          </a:prstGeom>
+        </p:spPr>
+      </p:pic>
     </p:spTree>
     <p:extLst>
       <p:ext uri="{BB962C8B-B14F-4D97-AF65-F5344CB8AC3E}">
-        <p14:creationId xmlns:p14="http://schemas.microsoft.com/office/powerpoint/2010/main" val="3595884625"/>
+        <p14:creationId xmlns:p14="http://schemas.microsoft.com/office/powerpoint/2010/main" val="37723693"/>
       </p:ext>
     </p:extLst>
   </p:cSld>
@@ -21952,84 +23677,6 @@
       </p:cxnSp>
       <p:sp>
         <p:nvSpPr>
-          <p:cNvPr id="80" name="Прямоугольник 79">
-            <a:extLst>
-              <a:ext uri="{FF2B5EF4-FFF2-40B4-BE49-F238E27FC236}">
-                <a16:creationId xmlns:a16="http://schemas.microsoft.com/office/drawing/2014/main" id="{6BEBF752-C33D-4EC4-8210-F7B1D3A10097}"/>
-              </a:ext>
-            </a:extLst>
-          </p:cNvPr>
-          <p:cNvSpPr/>
-          <p:nvPr/>
-        </p:nvSpPr>
-        <p:spPr>
-          <a:xfrm>
-            <a:off x="1831182" y="2333832"/>
-            <a:ext cx="1371600" cy="492443"/>
-          </a:xfrm>
-          <a:prstGeom prst="rect">
-            <a:avLst/>
-          </a:prstGeom>
-        </p:spPr>
-        <p:txBody>
-          <a:bodyPr wrap="square" lIns="0" tIns="0" rIns="0" bIns="0" rtlCol="0" anchor="ctr">
-            <a:spAutoFit/>
-          </a:bodyPr>
-          <a:lstStyle/>
-          <a:p>
-            <a:pPr algn="ctr" rtl="0"/>
-            <a:r>
-              <a:rPr lang="ru-RU" sz="1600" dirty="0">
-                <a:solidFill>
-                  <a:schemeClr val="bg1"/>
-                </a:solidFill>
-              </a:rPr>
-              <a:t>Цели управления</a:t>
-            </a:r>
-          </a:p>
-        </p:txBody>
-      </p:sp>
-      <p:sp>
-        <p:nvSpPr>
-          <p:cNvPr id="81" name="Прямоугольник 80">
-            <a:extLst>
-              <a:ext uri="{FF2B5EF4-FFF2-40B4-BE49-F238E27FC236}">
-                <a16:creationId xmlns:a16="http://schemas.microsoft.com/office/drawing/2014/main" id="{D4EC02E4-F054-4111-9038-AE0BDA4C8060}"/>
-              </a:ext>
-            </a:extLst>
-          </p:cNvPr>
-          <p:cNvSpPr/>
-          <p:nvPr/>
-        </p:nvSpPr>
-        <p:spPr>
-          <a:xfrm>
-            <a:off x="1831182" y="4741965"/>
-            <a:ext cx="1371600" cy="246221"/>
-          </a:xfrm>
-          <a:prstGeom prst="rect">
-            <a:avLst/>
-          </a:prstGeom>
-        </p:spPr>
-        <p:txBody>
-          <a:bodyPr wrap="square" lIns="0" tIns="0" rIns="0" bIns="0" rtlCol="0" anchor="ctr">
-            <a:spAutoFit/>
-          </a:bodyPr>
-          <a:lstStyle/>
-          <a:p>
-            <a:pPr algn="ctr" rtl="0"/>
-            <a:r>
-              <a:rPr lang="ru-RU" sz="1600" dirty="0">
-                <a:solidFill>
-                  <a:schemeClr val="bg1"/>
-                </a:solidFill>
-              </a:rPr>
-              <a:t>Цели клиента</a:t>
-            </a:r>
-          </a:p>
-        </p:txBody>
-      </p:sp>
-      <p:sp>
-        <p:nvSpPr>
           <p:cNvPr id="83" name="Прямоугольник 82">
             <a:extLst>
               <a:ext uri="{FF2B5EF4-FFF2-40B4-BE49-F238E27FC236}">
@@ -22184,202 +23831,10 @@
           </a:p>
         </p:txBody>
       </p:sp>
-      <p:sp>
-        <p:nvSpPr>
-          <p:cNvPr id="32" name="Прямоугольник 31">
-            <a:extLst>
-              <a:ext uri="{FF2B5EF4-FFF2-40B4-BE49-F238E27FC236}">
-                <a16:creationId xmlns:a16="http://schemas.microsoft.com/office/drawing/2014/main" id="{F95E5CA0-5952-4205-B8FA-A2FC96012B3D}"/>
-              </a:ext>
-            </a:extLst>
-          </p:cNvPr>
-          <p:cNvSpPr/>
-          <p:nvPr/>
-        </p:nvSpPr>
-        <p:spPr>
-          <a:xfrm>
-            <a:off x="641799" y="1126063"/>
-            <a:ext cx="4162870" cy="1969770"/>
-          </a:xfrm>
-          <a:prstGeom prst="rect">
-            <a:avLst/>
-          </a:prstGeom>
-        </p:spPr>
-        <p:txBody>
-          <a:bodyPr wrap="square" lIns="0" tIns="0" rIns="0" bIns="0" rtlCol="0" anchor="t">
-            <a:spAutoFit/>
-          </a:bodyPr>
-          <a:lstStyle/>
-          <a:p>
-            <a:pPr rtl="0"/>
-            <a:r>
-              <a:rPr lang="ru-RU" sz="1600" b="1" dirty="0">
-                <a:solidFill>
-                  <a:schemeClr val="tx1">
-                    <a:lumMod val="75000"/>
-                    <a:lumOff val="25000"/>
-                  </a:schemeClr>
-                </a:solidFill>
-                <a:cs typeface="Segoe UI" panose="020B0502040204020203" pitchFamily="34" charset="0"/>
-              </a:rPr>
-              <a:t>Поиск определенного лица</a:t>
-            </a:r>
-          </a:p>
-          <a:p>
-            <a:pPr marL="285750" indent="-285750" rtl="0">
-              <a:buFont typeface="Arial" panose="020B0604020202020204" pitchFamily="34" charset="0"/>
-              <a:buChar char="•"/>
-            </a:pPr>
-            <a:r>
-              <a:rPr lang="en-US" sz="1600" b="1" dirty="0">
-                <a:solidFill>
-                  <a:schemeClr val="tx1">
-                    <a:lumMod val="75000"/>
-                    <a:lumOff val="25000"/>
-                  </a:schemeClr>
-                </a:solidFill>
-                <a:cs typeface="Segoe UI" panose="020B0502040204020203" pitchFamily="34" charset="0"/>
-              </a:rPr>
-              <a:t>OpenCV </a:t>
-            </a:r>
-            <a:r>
-              <a:rPr lang="en-US" sz="1600" b="1" dirty="0" err="1">
-                <a:solidFill>
-                  <a:schemeClr val="tx1">
-                    <a:lumMod val="75000"/>
-                    <a:lumOff val="25000"/>
-                  </a:schemeClr>
-                </a:solidFill>
-                <a:cs typeface="Segoe UI" panose="020B0502040204020203" pitchFamily="34" charset="0"/>
-              </a:rPr>
-              <a:t>Haar</a:t>
-            </a:r>
-            <a:endParaRPr lang="ru-RU" sz="1600" b="1" dirty="0">
-              <a:solidFill>
-                <a:schemeClr val="tx1">
-                  <a:lumMod val="75000"/>
-                  <a:lumOff val="25000"/>
-                </a:schemeClr>
-              </a:solidFill>
-              <a:cs typeface="Segoe UI" panose="020B0502040204020203" pitchFamily="34" charset="0"/>
-            </a:endParaRPr>
-          </a:p>
-          <a:p>
-            <a:r>
-              <a:rPr lang="ru-RU" sz="1600" dirty="0">
-                <a:solidFill>
-                  <a:schemeClr val="tx1">
-                    <a:lumMod val="75000"/>
-                    <a:lumOff val="25000"/>
-                  </a:schemeClr>
-                </a:solidFill>
-                <a:cs typeface="Segoe UI" panose="020B0502040204020203" pitchFamily="34" charset="0"/>
-              </a:rPr>
-              <a:t> Плохо работает с поворотом лица</a:t>
-            </a:r>
-          </a:p>
-          <a:p>
-            <a:r>
-              <a:rPr lang="ru-RU" sz="1600" dirty="0">
-                <a:solidFill>
-                  <a:schemeClr val="tx1">
-                    <a:lumMod val="75000"/>
-                    <a:lumOff val="25000"/>
-                  </a:schemeClr>
-                </a:solidFill>
-                <a:cs typeface="Segoe UI" panose="020B0502040204020203" pitchFamily="34" charset="0"/>
-              </a:rPr>
-              <a:t> Проблемы с коллизией </a:t>
-            </a:r>
-            <a:endParaRPr lang="en-US" sz="1600" dirty="0">
-              <a:solidFill>
-                <a:schemeClr val="tx1">
-                  <a:lumMod val="75000"/>
-                  <a:lumOff val="25000"/>
-                </a:schemeClr>
-              </a:solidFill>
-              <a:cs typeface="Segoe UI" panose="020B0502040204020203" pitchFamily="34" charset="0"/>
-            </a:endParaRPr>
-          </a:p>
-          <a:p>
-            <a:pPr marL="285750" indent="-285750">
-              <a:buFont typeface="Arial" panose="020B0604020202020204" pitchFamily="34" charset="0"/>
-              <a:buChar char="•"/>
-            </a:pPr>
-            <a:r>
-              <a:rPr lang="en-US" sz="1600" b="1" dirty="0">
-                <a:solidFill>
-                  <a:schemeClr val="tx1">
-                    <a:lumMod val="75000"/>
-                    <a:lumOff val="25000"/>
-                  </a:schemeClr>
-                </a:solidFill>
-                <a:cs typeface="Segoe UI" panose="020B0502040204020203" pitchFamily="34" charset="0"/>
-              </a:rPr>
-              <a:t>OpenCV DNN</a:t>
-            </a:r>
-            <a:endParaRPr lang="ru-RU" sz="1600" b="1" dirty="0">
-              <a:solidFill>
-                <a:schemeClr val="tx1">
-                  <a:lumMod val="75000"/>
-                  <a:lumOff val="25000"/>
-                </a:schemeClr>
-              </a:solidFill>
-              <a:cs typeface="Segoe UI" panose="020B0502040204020203" pitchFamily="34" charset="0"/>
-            </a:endParaRPr>
-          </a:p>
-          <a:p>
-            <a:r>
-              <a:rPr lang="ru-RU" sz="1600" dirty="0">
-                <a:solidFill>
-                  <a:schemeClr val="tx1">
-                    <a:lumMod val="75000"/>
-                    <a:lumOff val="25000"/>
-                  </a:schemeClr>
-                </a:solidFill>
-                <a:cs typeface="Segoe UI" panose="020B0502040204020203" pitchFamily="34" charset="0"/>
-              </a:rPr>
-              <a:t>Долго</a:t>
-            </a:r>
-            <a:endParaRPr lang="en-US" sz="1600" dirty="0">
-              <a:solidFill>
-                <a:schemeClr val="tx1">
-                  <a:lumMod val="75000"/>
-                  <a:lumOff val="25000"/>
-                </a:schemeClr>
-              </a:solidFill>
-              <a:cs typeface="Segoe UI" panose="020B0502040204020203" pitchFamily="34" charset="0"/>
-            </a:endParaRPr>
-          </a:p>
-          <a:p>
-            <a:endParaRPr lang="ru-RU" sz="1600" dirty="0">
-              <a:solidFill>
-                <a:schemeClr val="tx1">
-                  <a:lumMod val="75000"/>
-                  <a:lumOff val="25000"/>
-                </a:schemeClr>
-              </a:solidFill>
-              <a:cs typeface="Segoe UI" panose="020B0502040204020203" pitchFamily="34" charset="0"/>
-            </a:endParaRPr>
-          </a:p>
-          <a:p>
-            <a:pPr rtl="0"/>
-            <a:endParaRPr lang="ru-RU" sz="1600" b="1" dirty="0">
-              <a:solidFill>
-                <a:schemeClr val="tx1">
-                  <a:lumMod val="75000"/>
-                  <a:lumOff val="25000"/>
-                </a:schemeClr>
-              </a:solidFill>
-              <a:cs typeface="Segoe UI" panose="020B0502040204020203" pitchFamily="34" charset="0"/>
-            </a:endParaRPr>
-          </a:p>
-        </p:txBody>
-      </p:sp>
     </p:spTree>
     <p:extLst>
       <p:ext uri="{BB962C8B-B14F-4D97-AF65-F5344CB8AC3E}">
-        <p14:creationId xmlns:p14="http://schemas.microsoft.com/office/powerpoint/2010/main" val="3974108322"/>
+        <p14:creationId xmlns:p14="http://schemas.microsoft.com/office/powerpoint/2010/main" val="668348621"/>
       </p:ext>
     </p:extLst>
   </p:cSld>
@@ -22408,6 +23863,120 @@
       </p:grpSpPr>
       <p:sp>
         <p:nvSpPr>
+          <p:cNvPr id="97" name="Прямоугольник: Скругленные углы 1">
+            <a:extLst>
+              <a:ext uri="{FF2B5EF4-FFF2-40B4-BE49-F238E27FC236}">
+                <a16:creationId xmlns:a16="http://schemas.microsoft.com/office/drawing/2014/main" id="{2416E798-BFB3-41B5-9A3E-D1469FFA43B5}"/>
+              </a:ext>
+            </a:extLst>
+          </p:cNvPr>
+          <p:cNvSpPr/>
+          <p:nvPr/>
+        </p:nvSpPr>
+        <p:spPr>
+          <a:xfrm>
+            <a:off x="2257424" y="5878753"/>
+            <a:ext cx="7646193" cy="664797"/>
+          </a:xfrm>
+          <a:prstGeom prst="roundRect">
+            <a:avLst/>
+          </a:prstGeom>
+          <a:solidFill>
+            <a:schemeClr val="accent3">
+              <a:lumMod val="75000"/>
+            </a:schemeClr>
+          </a:solidFill>
+          <a:ln>
+            <a:noFill/>
+          </a:ln>
+        </p:spPr>
+        <p:style>
+          <a:lnRef idx="2">
+            <a:schemeClr val="accent1">
+              <a:shade val="50000"/>
+            </a:schemeClr>
+          </a:lnRef>
+          <a:fillRef idx="1">
+            <a:schemeClr val="accent1"/>
+          </a:fillRef>
+          <a:effectRef idx="0">
+            <a:schemeClr val="accent1"/>
+          </a:effectRef>
+          <a:fontRef idx="minor">
+            <a:schemeClr val="lt1"/>
+          </a:fontRef>
+        </p:style>
+        <p:txBody>
+          <a:bodyPr rtlCol="0" anchor="ctr"/>
+          <a:lstStyle/>
+          <a:p>
+            <a:pPr algn="ctr" rtl="0"/>
+            <a:r>
+              <a:rPr lang="en-US" b="1" dirty="0">
+                <a:latin typeface="+mj-lt"/>
+              </a:rPr>
+              <a:t>Qt GUI</a:t>
+            </a:r>
+            <a:endParaRPr lang="ru-RU" b="1" dirty="0">
+              <a:latin typeface="+mj-lt"/>
+            </a:endParaRPr>
+          </a:p>
+        </p:txBody>
+      </p:sp>
+      <p:sp>
+        <p:nvSpPr>
+          <p:cNvPr id="77" name="Прямоугольник 76">
+            <a:extLst>
+              <a:ext uri="{FF2B5EF4-FFF2-40B4-BE49-F238E27FC236}">
+                <a16:creationId xmlns:a16="http://schemas.microsoft.com/office/drawing/2014/main" id="{CEA1C319-7C57-41F1-9E06-BBD8592A32B3}"/>
+              </a:ext>
+            </a:extLst>
+          </p:cNvPr>
+          <p:cNvSpPr/>
+          <p:nvPr/>
+        </p:nvSpPr>
+        <p:spPr>
+          <a:xfrm>
+            <a:off x="-11046" y="3038476"/>
+            <a:ext cx="12203046" cy="1924037"/>
+          </a:xfrm>
+          <a:prstGeom prst="rect">
+            <a:avLst/>
+          </a:prstGeom>
+          <a:solidFill>
+            <a:schemeClr val="bg2"/>
+          </a:solidFill>
+          <a:ln>
+            <a:noFill/>
+          </a:ln>
+        </p:spPr>
+        <p:style>
+          <a:lnRef idx="2">
+            <a:schemeClr val="accent1">
+              <a:shade val="50000"/>
+            </a:schemeClr>
+          </a:lnRef>
+          <a:fillRef idx="1">
+            <a:schemeClr val="accent1"/>
+          </a:fillRef>
+          <a:effectRef idx="0">
+            <a:schemeClr val="accent1"/>
+          </a:effectRef>
+          <a:fontRef idx="minor">
+            <a:schemeClr val="lt1"/>
+          </a:fontRef>
+        </p:style>
+        <p:txBody>
+          <a:bodyPr rtlCol="0" anchor="ctr"/>
+          <a:lstStyle/>
+          <a:p>
+            <a:pPr algn="ctr"/>
+            <a:endParaRPr lang="ru-RU"/>
+          </a:p>
+        </p:txBody>
+      </p:sp>
+      <p:sp>
+        <p:nvSpPr>
           <p:cNvPr id="7" name="Заголовок 6" hidden="1">
             <a:extLst>
               <a:ext uri="{FF2B5EF4-FFF2-40B4-BE49-F238E27FC236}">
@@ -22458,8 +24027,8 @@
         </p:nvCxnSpPr>
         <p:spPr>
           <a:xfrm>
-            <a:off x="8105775" y="522898"/>
-            <a:ext cx="4086225" cy="0"/>
+            <a:off x="8592000" y="522898"/>
+            <a:ext cx="3600000" cy="0"/>
           </a:xfrm>
           <a:prstGeom prst="line">
             <a:avLst/>
@@ -22578,7 +24147,7 @@
         <p:spPr>
           <a:xfrm>
             <a:off x="0" y="522898"/>
-            <a:ext cx="4086225" cy="0"/>
+            <a:ext cx="3600000" cy="0"/>
           </a:xfrm>
           <a:prstGeom prst="line">
             <a:avLst/>
@@ -22609,10 +24178,13 @@
       </p:cxnSp>
       <p:sp>
         <p:nvSpPr>
-          <p:cNvPr id="80" name="Прямоугольник 79">
+          <p:cNvPr id="13" name="Прямоугольник: Скругленные углы 28">
             <a:extLst>
               <a:ext uri="{FF2B5EF4-FFF2-40B4-BE49-F238E27FC236}">
-                <a16:creationId xmlns:a16="http://schemas.microsoft.com/office/drawing/2014/main" id="{6BEBF752-C33D-4EC4-8210-F7B1D3A10097}"/>
+                <a16:creationId xmlns:a16="http://schemas.microsoft.com/office/drawing/2014/main" id="{E23129EB-6256-4C5F-88CB-DF5341D2C263}"/>
+              </a:ext>
+              <a:ext uri="{C183D7F6-B498-43B3-948B-1728B52AA6E4}">
+                <adec:decorative xmlns:adec="http://schemas.microsoft.com/office/drawing/2017/decorative" val="1"/>
               </a:ext>
             </a:extLst>
           </p:cNvPr>
@@ -22621,37 +24193,65 @@
         </p:nvSpPr>
         <p:spPr>
           <a:xfrm>
-            <a:off x="1831182" y="2333832"/>
-            <a:ext cx="1371600" cy="492443"/>
+            <a:off x="8186172" y="1536982"/>
+            <a:ext cx="2543381" cy="740997"/>
           </a:xfrm>
-          <a:prstGeom prst="rect">
-            <a:avLst/>
+          <a:prstGeom prst="roundRect">
+            <a:avLst>
+              <a:gd name="adj" fmla="val 50000"/>
+            </a:avLst>
           </a:prstGeom>
+          <a:solidFill>
+            <a:schemeClr val="accent3"/>
+          </a:solidFill>
+          <a:ln>
+            <a:noFill/>
+          </a:ln>
         </p:spPr>
+        <p:style>
+          <a:lnRef idx="2">
+            <a:schemeClr val="accent1">
+              <a:shade val="50000"/>
+            </a:schemeClr>
+          </a:lnRef>
+          <a:fillRef idx="1">
+            <a:schemeClr val="accent1"/>
+          </a:fillRef>
+          <a:effectRef idx="0">
+            <a:schemeClr val="accent1"/>
+          </a:effectRef>
+          <a:fontRef idx="minor">
+            <a:schemeClr val="lt1"/>
+          </a:fontRef>
+        </p:style>
         <p:txBody>
-          <a:bodyPr wrap="square" lIns="0" tIns="0" rIns="0" bIns="0" rtlCol="0" anchor="ctr">
-            <a:spAutoFit/>
-          </a:bodyPr>
+          <a:bodyPr rtlCol="0" anchor="ctr"/>
           <a:lstStyle/>
           <a:p>
-            <a:pPr algn="ctr" rtl="0"/>
-            <a:r>
-              <a:rPr lang="ru-RU" sz="1600" dirty="0">
-                <a:solidFill>
-                  <a:schemeClr val="bg1"/>
-                </a:solidFill>
+            <a:pPr algn="ctr"/>
+            <a:r>
+              <a:rPr lang="en-US" sz="1600" b="1" dirty="0" err="1">
+                <a:latin typeface="+mj-lt"/>
+                <a:cs typeface="Courier New" panose="02070309020205020404" pitchFamily="49" charset="0"/>
               </a:rPr>
-              <a:t>Цели управления</a:t>
-            </a:r>
+              <a:t>ImageChanger</a:t>
+            </a:r>
+            <a:endParaRPr lang="ru-RU" sz="1600" b="1" dirty="0">
+              <a:latin typeface="+mj-lt"/>
+              <a:cs typeface="Courier New" panose="02070309020205020404" pitchFamily="49" charset="0"/>
+            </a:endParaRPr>
           </a:p>
         </p:txBody>
       </p:sp>
       <p:sp>
         <p:nvSpPr>
-          <p:cNvPr id="81" name="Прямоугольник 80">
+          <p:cNvPr id="15" name="Прямоугольник: Скругленные углы 28">
             <a:extLst>
               <a:ext uri="{FF2B5EF4-FFF2-40B4-BE49-F238E27FC236}">
-                <a16:creationId xmlns:a16="http://schemas.microsoft.com/office/drawing/2014/main" id="{D4EC02E4-F054-4111-9038-AE0BDA4C8060}"/>
+                <a16:creationId xmlns:a16="http://schemas.microsoft.com/office/drawing/2014/main" id="{DB05CC45-5517-49B5-BD34-906E1F3CAAFE}"/>
+              </a:ext>
+              <a:ext uri="{C183D7F6-B498-43B3-948B-1728B52AA6E4}">
+                <adec:decorative xmlns:adec="http://schemas.microsoft.com/office/drawing/2017/decorative" val="1"/>
               </a:ext>
             </a:extLst>
           </p:cNvPr>
@@ -22660,37 +24260,63 @@
         </p:nvSpPr>
         <p:spPr>
           <a:xfrm>
-            <a:off x="1831182" y="4741965"/>
-            <a:ext cx="1371600" cy="246221"/>
+            <a:off x="991736" y="1506040"/>
+            <a:ext cx="2543381" cy="740997"/>
           </a:xfrm>
-          <a:prstGeom prst="rect">
-            <a:avLst/>
+          <a:prstGeom prst="roundRect">
+            <a:avLst>
+              <a:gd name="adj" fmla="val 50000"/>
+            </a:avLst>
           </a:prstGeom>
+          <a:solidFill>
+            <a:schemeClr val="accent3"/>
+          </a:solidFill>
+          <a:ln>
+            <a:noFill/>
+          </a:ln>
         </p:spPr>
+        <p:style>
+          <a:lnRef idx="2">
+            <a:schemeClr val="accent1">
+              <a:shade val="50000"/>
+            </a:schemeClr>
+          </a:lnRef>
+          <a:fillRef idx="1">
+            <a:schemeClr val="accent1"/>
+          </a:fillRef>
+          <a:effectRef idx="0">
+            <a:schemeClr val="accent1"/>
+          </a:effectRef>
+          <a:fontRef idx="minor">
+            <a:schemeClr val="lt1"/>
+          </a:fontRef>
+        </p:style>
         <p:txBody>
-          <a:bodyPr wrap="square" lIns="0" tIns="0" rIns="0" bIns="0" rtlCol="0" anchor="ctr">
-            <a:spAutoFit/>
-          </a:bodyPr>
+          <a:bodyPr rtlCol="0" anchor="ctr"/>
           <a:lstStyle/>
           <a:p>
-            <a:pPr algn="ctr" rtl="0"/>
-            <a:r>
-              <a:rPr lang="ru-RU" sz="1600" dirty="0">
-                <a:solidFill>
-                  <a:schemeClr val="bg1"/>
-                </a:solidFill>
+            <a:pPr algn="ctr"/>
+            <a:r>
+              <a:rPr lang="en-US" sz="1600" b="1" dirty="0" err="1">
+                <a:latin typeface="+mj-lt"/>
               </a:rPr>
-              <a:t>Цели клиента</a:t>
-            </a:r>
+              <a:t>BaseDetector</a:t>
+            </a:r>
+            <a:endParaRPr lang="ru-RU" sz="1600" b="1" dirty="0">
+              <a:latin typeface="+mj-lt"/>
+            </a:endParaRPr>
           </a:p>
         </p:txBody>
       </p:sp>
       <p:sp>
         <p:nvSpPr>
-          <p:cNvPr id="83" name="Прямоугольник 82">
+          <p:cNvPr id="17" name="Прямоугольник: Скругленные углы 28">
             <a:extLst>
               <a:ext uri="{FF2B5EF4-FFF2-40B4-BE49-F238E27FC236}">
-                <a16:creationId xmlns:a16="http://schemas.microsoft.com/office/drawing/2014/main" id="{9F6EE26A-3174-49AD-900E-08C045755F3C}"/>
+                <a16:creationId xmlns:a16="http://schemas.microsoft.com/office/drawing/2014/main" id="{43432101-27FC-4A28-824F-4AD9E6789DE6}"/>
+              </a:ext>
+              <a:ext uri="{C183D7F6-B498-43B3-948B-1728B52AA6E4}">
+                <adec:decorative xmlns:adec="http://schemas.microsoft.com/office/drawing/2017/decorative" val="1"/>
               </a:ext>
             </a:extLst>
           </p:cNvPr>
@@ -22699,37 +24325,63 @@
         </p:nvSpPr>
         <p:spPr>
           <a:xfrm>
-            <a:off x="6607968" y="3476343"/>
-            <a:ext cx="1371600" cy="492443"/>
+            <a:off x="5778633" y="3607156"/>
+            <a:ext cx="1440000" cy="740997"/>
           </a:xfrm>
-          <a:prstGeom prst="rect">
-            <a:avLst/>
+          <a:prstGeom prst="roundRect">
+            <a:avLst>
+              <a:gd name="adj" fmla="val 50000"/>
+            </a:avLst>
           </a:prstGeom>
+          <a:solidFill>
+            <a:srgbClr val="CB7A09"/>
+          </a:solidFill>
+          <a:ln>
+            <a:noFill/>
+          </a:ln>
         </p:spPr>
+        <p:style>
+          <a:lnRef idx="2">
+            <a:schemeClr val="accent1">
+              <a:shade val="50000"/>
+            </a:schemeClr>
+          </a:lnRef>
+          <a:fillRef idx="1">
+            <a:schemeClr val="accent1"/>
+          </a:fillRef>
+          <a:effectRef idx="0">
+            <a:schemeClr val="accent1"/>
+          </a:effectRef>
+          <a:fontRef idx="minor">
+            <a:schemeClr val="lt1"/>
+          </a:fontRef>
+        </p:style>
         <p:txBody>
-          <a:bodyPr wrap="square" lIns="0" tIns="0" rIns="0" bIns="0" rtlCol="0" anchor="ctr">
-            <a:spAutoFit/>
-          </a:bodyPr>
+          <a:bodyPr rtlCol="0" anchor="ctr"/>
           <a:lstStyle/>
           <a:p>
-            <a:pPr algn="ctr" rtl="0"/>
-            <a:r>
-              <a:rPr lang="ru-RU" sz="1600" dirty="0">
-                <a:solidFill>
-                  <a:schemeClr val="bg1"/>
-                </a:solidFill>
+            <a:pPr algn="ctr"/>
+            <a:r>
+              <a:rPr lang="en-US" sz="1600" b="1" dirty="0">
+                <a:latin typeface="+mj-lt"/>
               </a:rPr>
-              <a:t>План реализации</a:t>
-            </a:r>
+              <a:t>Blur</a:t>
+            </a:r>
+            <a:endParaRPr lang="ru-RU" sz="1600" b="1" dirty="0">
+              <a:latin typeface="+mj-lt"/>
+            </a:endParaRPr>
           </a:p>
         </p:txBody>
       </p:sp>
       <p:sp>
         <p:nvSpPr>
-          <p:cNvPr id="84" name="Прямоугольник 83">
+          <p:cNvPr id="18" name="Прямоугольник: Скругленные углы 28">
             <a:extLst>
               <a:ext uri="{FF2B5EF4-FFF2-40B4-BE49-F238E27FC236}">
-                <a16:creationId xmlns:a16="http://schemas.microsoft.com/office/drawing/2014/main" id="{3B69453F-B845-4467-8C29-7A6677641EC0}"/>
+                <a16:creationId xmlns:a16="http://schemas.microsoft.com/office/drawing/2014/main" id="{2A069CE0-AFB3-456A-B25C-FDC26787254D}"/>
+              </a:ext>
+              <a:ext uri="{C183D7F6-B498-43B3-948B-1728B52AA6E4}">
+                <adec:decorative xmlns:adec="http://schemas.microsoft.com/office/drawing/2017/decorative" val="1"/>
               </a:ext>
             </a:extLst>
           </p:cNvPr>
@@ -22738,37 +24390,63 @@
         </p:nvSpPr>
         <p:spPr>
           <a:xfrm>
-            <a:off x="8989218" y="3599454"/>
-            <a:ext cx="1371600" cy="246221"/>
+            <a:off x="7347015" y="3607156"/>
+            <a:ext cx="1440000" cy="740997"/>
           </a:xfrm>
-          <a:prstGeom prst="rect">
-            <a:avLst/>
+          <a:prstGeom prst="roundRect">
+            <a:avLst>
+              <a:gd name="adj" fmla="val 50000"/>
+            </a:avLst>
           </a:prstGeom>
+          <a:solidFill>
+            <a:srgbClr val="CB7A09"/>
+          </a:solidFill>
+          <a:ln>
+            <a:noFill/>
+          </a:ln>
         </p:spPr>
+        <p:style>
+          <a:lnRef idx="2">
+            <a:schemeClr val="accent1">
+              <a:shade val="50000"/>
+            </a:schemeClr>
+          </a:lnRef>
+          <a:fillRef idx="1">
+            <a:schemeClr val="accent1"/>
+          </a:fillRef>
+          <a:effectRef idx="0">
+            <a:schemeClr val="accent1"/>
+          </a:effectRef>
+          <a:fontRef idx="minor">
+            <a:schemeClr val="lt1"/>
+          </a:fontRef>
+        </p:style>
         <p:txBody>
-          <a:bodyPr wrap="square" lIns="0" tIns="0" rIns="0" bIns="0" rtlCol="0" anchor="ctr">
-            <a:spAutoFit/>
-          </a:bodyPr>
+          <a:bodyPr rtlCol="0" anchor="ctr"/>
           <a:lstStyle/>
           <a:p>
-            <a:pPr algn="ctr" rtl="0"/>
-            <a:r>
-              <a:rPr lang="ru-RU" sz="1600" dirty="0">
-                <a:solidFill>
-                  <a:schemeClr val="bg1"/>
-                </a:solidFill>
+            <a:pPr algn="ctr"/>
+            <a:r>
+              <a:rPr lang="en-US" sz="1600" b="1" dirty="0">
+                <a:latin typeface="+mj-lt"/>
               </a:rPr>
-              <a:t>Расписания</a:t>
-            </a:r>
+              <a:t>Censor</a:t>
+            </a:r>
+            <a:endParaRPr lang="ru-RU" sz="1600" b="1" dirty="0">
+              <a:latin typeface="+mj-lt"/>
+            </a:endParaRPr>
           </a:p>
         </p:txBody>
       </p:sp>
       <p:sp>
         <p:nvSpPr>
-          <p:cNvPr id="85" name="Прямоугольник 84">
+          <p:cNvPr id="19" name="Прямоугольник: Скругленные углы 28">
             <a:extLst>
               <a:ext uri="{FF2B5EF4-FFF2-40B4-BE49-F238E27FC236}">
-                <a16:creationId xmlns:a16="http://schemas.microsoft.com/office/drawing/2014/main" id="{C7CFAFBF-6B2A-49A8-ADCE-FD94A08C87B3}"/>
+                <a16:creationId xmlns:a16="http://schemas.microsoft.com/office/drawing/2014/main" id="{73D5CDAB-0D3A-4495-87FA-1E3BD28A4B7C}"/>
+              </a:ext>
+              <a:ext uri="{C183D7F6-B498-43B3-948B-1728B52AA6E4}">
+                <adec:decorative xmlns:adec="http://schemas.microsoft.com/office/drawing/2017/decorative" val="1"/>
               </a:ext>
             </a:extLst>
           </p:cNvPr>
@@ -22777,37 +24455,63 @@
         </p:nvSpPr>
         <p:spPr>
           <a:xfrm>
-            <a:off x="8989218" y="1778472"/>
-            <a:ext cx="1371600" cy="246221"/>
+            <a:off x="8915397" y="3607156"/>
+            <a:ext cx="1440000" cy="740997"/>
           </a:xfrm>
-          <a:prstGeom prst="rect">
-            <a:avLst/>
+          <a:prstGeom prst="roundRect">
+            <a:avLst>
+              <a:gd name="adj" fmla="val 50000"/>
+            </a:avLst>
           </a:prstGeom>
+          <a:solidFill>
+            <a:srgbClr val="CB7A09"/>
+          </a:solidFill>
+          <a:ln>
+            <a:noFill/>
+          </a:ln>
         </p:spPr>
+        <p:style>
+          <a:lnRef idx="2">
+            <a:schemeClr val="accent1">
+              <a:shade val="50000"/>
+            </a:schemeClr>
+          </a:lnRef>
+          <a:fillRef idx="1">
+            <a:schemeClr val="accent1"/>
+          </a:fillRef>
+          <a:effectRef idx="0">
+            <a:schemeClr val="accent1"/>
+          </a:effectRef>
+          <a:fontRef idx="minor">
+            <a:schemeClr val="lt1"/>
+          </a:fontRef>
+        </p:style>
         <p:txBody>
-          <a:bodyPr wrap="square" lIns="0" tIns="0" rIns="0" bIns="0" rtlCol="0" anchor="ctr">
-            <a:spAutoFit/>
-          </a:bodyPr>
+          <a:bodyPr rtlCol="0" anchor="ctr"/>
           <a:lstStyle/>
           <a:p>
-            <a:pPr algn="ctr" rtl="0"/>
-            <a:r>
-              <a:rPr lang="ru-RU" sz="1600" dirty="0">
-                <a:solidFill>
-                  <a:schemeClr val="bg1"/>
-                </a:solidFill>
+            <a:pPr algn="ctr"/>
+            <a:r>
+              <a:rPr lang="en-US" sz="1600" b="1" dirty="0" err="1">
+                <a:latin typeface="+mj-lt"/>
               </a:rPr>
-              <a:t>Задачи</a:t>
-            </a:r>
+              <a:t>PutImage</a:t>
+            </a:r>
+            <a:endParaRPr lang="ru-RU" sz="1600" b="1" dirty="0">
+              <a:latin typeface="+mj-lt"/>
+            </a:endParaRPr>
           </a:p>
         </p:txBody>
       </p:sp>
       <p:sp>
         <p:nvSpPr>
-          <p:cNvPr id="86" name="Прямоугольник 85">
+          <p:cNvPr id="20" name="Прямоугольник: Скругленные углы 28">
             <a:extLst>
               <a:ext uri="{FF2B5EF4-FFF2-40B4-BE49-F238E27FC236}">
-                <a16:creationId xmlns:a16="http://schemas.microsoft.com/office/drawing/2014/main" id="{6B499F5E-706B-4272-818B-C87149038662}"/>
+                <a16:creationId xmlns:a16="http://schemas.microsoft.com/office/drawing/2014/main" id="{F61EE6C0-292D-4D09-AE8F-50BEA376D867}"/>
+              </a:ext>
+              <a:ext uri="{C183D7F6-B498-43B3-948B-1728B52AA6E4}">
+                <adec:decorative xmlns:adec="http://schemas.microsoft.com/office/drawing/2017/decorative" val="1"/>
               </a:ext>
             </a:extLst>
           </p:cNvPr>
@@ -22816,37 +24520,63 @@
         </p:nvSpPr>
         <p:spPr>
           <a:xfrm>
-            <a:off x="8989218" y="5420435"/>
-            <a:ext cx="1371600" cy="246221"/>
+            <a:off x="10483779" y="3607156"/>
+            <a:ext cx="1440000" cy="740997"/>
           </a:xfrm>
-          <a:prstGeom prst="rect">
-            <a:avLst/>
+          <a:prstGeom prst="roundRect">
+            <a:avLst>
+              <a:gd name="adj" fmla="val 50000"/>
+            </a:avLst>
           </a:prstGeom>
+          <a:solidFill>
+            <a:srgbClr val="CB7A09"/>
+          </a:solidFill>
+          <a:ln>
+            <a:noFill/>
+          </a:ln>
         </p:spPr>
+        <p:style>
+          <a:lnRef idx="2">
+            <a:schemeClr val="accent1">
+              <a:shade val="50000"/>
+            </a:schemeClr>
+          </a:lnRef>
+          <a:fillRef idx="1">
+            <a:schemeClr val="accent1"/>
+          </a:fillRef>
+          <a:effectRef idx="0">
+            <a:schemeClr val="accent1"/>
+          </a:effectRef>
+          <a:fontRef idx="minor">
+            <a:schemeClr val="lt1"/>
+          </a:fontRef>
+        </p:style>
         <p:txBody>
-          <a:bodyPr wrap="square" lIns="0" tIns="0" rIns="0" bIns="0" rtlCol="0" anchor="ctr">
-            <a:spAutoFit/>
-          </a:bodyPr>
+          <a:bodyPr rtlCol="0" anchor="ctr"/>
           <a:lstStyle/>
           <a:p>
-            <a:pPr algn="ctr" rtl="0"/>
-            <a:r>
-              <a:rPr lang="ru-RU" sz="1600" dirty="0">
-                <a:solidFill>
-                  <a:schemeClr val="bg1"/>
-                </a:solidFill>
+            <a:pPr algn="ctr"/>
+            <a:r>
+              <a:rPr lang="en-US" sz="1600" b="1" dirty="0">
+                <a:latin typeface="+mj-lt"/>
               </a:rPr>
-              <a:t>Ресурсы</a:t>
-            </a:r>
+              <a:t>Rectangle</a:t>
+            </a:r>
+            <a:endParaRPr lang="ru-RU" sz="1600" b="1" dirty="0">
+              <a:latin typeface="+mj-lt"/>
+            </a:endParaRPr>
           </a:p>
         </p:txBody>
       </p:sp>
       <p:sp>
         <p:nvSpPr>
-          <p:cNvPr id="32" name="Прямоугольник 31">
+          <p:cNvPr id="21" name="Прямоугольник: Скругленные углы 28">
             <a:extLst>
               <a:ext uri="{FF2B5EF4-FFF2-40B4-BE49-F238E27FC236}">
-                <a16:creationId xmlns:a16="http://schemas.microsoft.com/office/drawing/2014/main" id="{F95E5CA0-5952-4205-B8FA-A2FC96012B3D}"/>
+                <a16:creationId xmlns:a16="http://schemas.microsoft.com/office/drawing/2014/main" id="{4B394FDC-670E-49F8-881D-FBF385DC9F7F}"/>
+              </a:ext>
+              <a:ext uri="{C183D7F6-B498-43B3-948B-1728B52AA6E4}">
+                <adec:decorative xmlns:adec="http://schemas.microsoft.com/office/drawing/2017/decorative" val="1"/>
               </a:ext>
             </a:extLst>
           </p:cNvPr>
@@ -22855,188 +24585,545 @@
         </p:nvSpPr>
         <p:spPr>
           <a:xfrm>
-            <a:off x="641799" y="1126063"/>
-            <a:ext cx="4162870" cy="1969770"/>
+            <a:off x="2815117" y="3607154"/>
+            <a:ext cx="1440000" cy="740997"/>
+          </a:xfrm>
+          <a:prstGeom prst="roundRect">
+            <a:avLst>
+              <a:gd name="adj" fmla="val 50000"/>
+            </a:avLst>
+          </a:prstGeom>
+          <a:solidFill>
+            <a:srgbClr val="CB7A09"/>
+          </a:solidFill>
+          <a:ln>
+            <a:noFill/>
+          </a:ln>
+        </p:spPr>
+        <p:style>
+          <a:lnRef idx="2">
+            <a:schemeClr val="accent1">
+              <a:shade val="50000"/>
+            </a:schemeClr>
+          </a:lnRef>
+          <a:fillRef idx="1">
+            <a:schemeClr val="accent1"/>
+          </a:fillRef>
+          <a:effectRef idx="0">
+            <a:schemeClr val="accent1"/>
+          </a:effectRef>
+          <a:fontRef idx="minor">
+            <a:schemeClr val="lt1"/>
+          </a:fontRef>
+        </p:style>
+        <p:txBody>
+          <a:bodyPr rtlCol="0" anchor="ctr"/>
+          <a:lstStyle/>
+          <a:p>
+            <a:pPr algn="ctr"/>
+            <a:r>
+              <a:rPr lang="en-US" sz="1600" b="1" dirty="0">
+                <a:latin typeface="+mj-lt"/>
+              </a:rPr>
+              <a:t>Detector</a:t>
+            </a:r>
+            <a:endParaRPr lang="ru-RU" sz="1600" b="1" dirty="0">
+              <a:latin typeface="+mj-lt"/>
+            </a:endParaRPr>
+          </a:p>
+        </p:txBody>
+      </p:sp>
+      <p:sp>
+        <p:nvSpPr>
+          <p:cNvPr id="22" name="Прямоугольник: Скругленные углы 28">
+            <a:extLst>
+              <a:ext uri="{FF2B5EF4-FFF2-40B4-BE49-F238E27FC236}">
+                <a16:creationId xmlns:a16="http://schemas.microsoft.com/office/drawing/2014/main" id="{3358926B-FB18-4378-BD24-D1BF99BD7B54}"/>
+              </a:ext>
+              <a:ext uri="{C183D7F6-B498-43B3-948B-1728B52AA6E4}">
+                <adec:decorative xmlns:adec="http://schemas.microsoft.com/office/drawing/2017/decorative" val="1"/>
+              </a:ext>
+            </a:extLst>
+          </p:cNvPr>
+          <p:cNvSpPr/>
+          <p:nvPr/>
+        </p:nvSpPr>
+        <p:spPr>
+          <a:xfrm>
+            <a:off x="188979" y="3607154"/>
+            <a:ext cx="1612279" cy="740997"/>
+          </a:xfrm>
+          <a:prstGeom prst="roundRect">
+            <a:avLst>
+              <a:gd name="adj" fmla="val 50000"/>
+            </a:avLst>
+          </a:prstGeom>
+          <a:solidFill>
+            <a:srgbClr val="CB7A09"/>
+          </a:solidFill>
+          <a:ln>
+            <a:noFill/>
+          </a:ln>
+        </p:spPr>
+        <p:style>
+          <a:lnRef idx="2">
+            <a:schemeClr val="accent1">
+              <a:shade val="50000"/>
+            </a:schemeClr>
+          </a:lnRef>
+          <a:fillRef idx="1">
+            <a:schemeClr val="accent1"/>
+          </a:fillRef>
+          <a:effectRef idx="0">
+            <a:schemeClr val="accent1"/>
+          </a:effectRef>
+          <a:fontRef idx="minor">
+            <a:schemeClr val="lt1"/>
+          </a:fontRef>
+        </p:style>
+        <p:txBody>
+          <a:bodyPr rtlCol="0" anchor="ctr"/>
+          <a:lstStyle/>
+          <a:p>
+            <a:pPr algn="ctr"/>
+            <a:r>
+              <a:rPr lang="en-US" sz="1600" b="1" dirty="0" err="1">
+                <a:latin typeface="+mj-lt"/>
+              </a:rPr>
+              <a:t>Classificator</a:t>
+            </a:r>
+            <a:endParaRPr lang="ru-RU" sz="1600" b="1" dirty="0">
+              <a:latin typeface="+mj-lt"/>
+            </a:endParaRPr>
+          </a:p>
+        </p:txBody>
+      </p:sp>
+      <p:cxnSp>
+        <p:nvCxnSpPr>
+          <p:cNvPr id="6" name="Прямая со стрелкой 5">
+            <a:extLst>
+              <a:ext uri="{FF2B5EF4-FFF2-40B4-BE49-F238E27FC236}">
+                <a16:creationId xmlns:a16="http://schemas.microsoft.com/office/drawing/2014/main" id="{E77F8B3A-84EE-4B13-9BD7-61B646D960D5}"/>
+              </a:ext>
+            </a:extLst>
+          </p:cNvPr>
+          <p:cNvCxnSpPr>
+            <a:cxnSpLocks/>
+            <a:stCxn id="22" idx="0"/>
+          </p:cNvCxnSpPr>
+          <p:nvPr/>
+        </p:nvCxnSpPr>
+        <p:spPr>
+          <a:xfrm flipV="1">
+            <a:off x="995119" y="2362200"/>
+            <a:ext cx="742965" cy="1244954"/>
+          </a:xfrm>
+          <a:prstGeom prst="straightConnector1">
+            <a:avLst/>
+          </a:prstGeom>
+          <a:ln>
+            <a:solidFill>
+              <a:schemeClr val="tx1"/>
+            </a:solidFill>
+            <a:tailEnd type="triangle"/>
+          </a:ln>
+        </p:spPr>
+        <p:style>
+          <a:lnRef idx="1">
+            <a:schemeClr val="accent1"/>
+          </a:lnRef>
+          <a:fillRef idx="0">
+            <a:schemeClr val="accent1"/>
+          </a:fillRef>
+          <a:effectRef idx="0">
+            <a:schemeClr val="accent1"/>
+          </a:effectRef>
+          <a:fontRef idx="minor">
+            <a:schemeClr val="tx1"/>
+          </a:fontRef>
+        </p:style>
+      </p:cxnSp>
+      <p:cxnSp>
+        <p:nvCxnSpPr>
+          <p:cNvPr id="10" name="Прямая со стрелкой 9">
+            <a:extLst>
+              <a:ext uri="{FF2B5EF4-FFF2-40B4-BE49-F238E27FC236}">
+                <a16:creationId xmlns:a16="http://schemas.microsoft.com/office/drawing/2014/main" id="{83E20F04-E966-45E7-ABAC-741FBBEC294E}"/>
+              </a:ext>
+            </a:extLst>
+          </p:cNvPr>
+          <p:cNvCxnSpPr>
+            <a:cxnSpLocks/>
+            <a:stCxn id="17" idx="0"/>
+          </p:cNvCxnSpPr>
+          <p:nvPr/>
+        </p:nvCxnSpPr>
+        <p:spPr>
+          <a:xfrm flipV="1">
+            <a:off x="6498633" y="2226586"/>
+            <a:ext cx="1733859" cy="1380570"/>
+          </a:xfrm>
+          <a:prstGeom prst="straightConnector1">
+            <a:avLst/>
+          </a:prstGeom>
+          <a:ln>
+            <a:solidFill>
+              <a:schemeClr val="tx1"/>
+            </a:solidFill>
+            <a:tailEnd type="triangle"/>
+          </a:ln>
+        </p:spPr>
+        <p:style>
+          <a:lnRef idx="1">
+            <a:schemeClr val="accent1"/>
+          </a:lnRef>
+          <a:fillRef idx="0">
+            <a:schemeClr val="accent1"/>
+          </a:fillRef>
+          <a:effectRef idx="0">
+            <a:schemeClr val="accent1"/>
+          </a:effectRef>
+          <a:fontRef idx="minor">
+            <a:schemeClr val="tx1"/>
+          </a:fontRef>
+        </p:style>
+      </p:cxnSp>
+      <p:cxnSp>
+        <p:nvCxnSpPr>
+          <p:cNvPr id="23" name="Прямая со стрелкой 22">
+            <a:extLst>
+              <a:ext uri="{FF2B5EF4-FFF2-40B4-BE49-F238E27FC236}">
+                <a16:creationId xmlns:a16="http://schemas.microsoft.com/office/drawing/2014/main" id="{2D280C8C-6A24-4537-9AED-20E2D411A293}"/>
+              </a:ext>
+            </a:extLst>
+          </p:cNvPr>
+          <p:cNvCxnSpPr>
+            <a:cxnSpLocks/>
+            <a:stCxn id="18" idx="0"/>
+          </p:cNvCxnSpPr>
+          <p:nvPr/>
+        </p:nvCxnSpPr>
+        <p:spPr>
+          <a:xfrm flipV="1">
+            <a:off x="8067015" y="2362200"/>
+            <a:ext cx="675134" cy="1244956"/>
+          </a:xfrm>
+          <a:prstGeom prst="straightConnector1">
+            <a:avLst/>
+          </a:prstGeom>
+          <a:ln>
+            <a:solidFill>
+              <a:schemeClr val="tx1"/>
+            </a:solidFill>
+            <a:tailEnd type="triangle"/>
+          </a:ln>
+        </p:spPr>
+        <p:style>
+          <a:lnRef idx="1">
+            <a:schemeClr val="accent1"/>
+          </a:lnRef>
+          <a:fillRef idx="0">
+            <a:schemeClr val="accent1"/>
+          </a:fillRef>
+          <a:effectRef idx="0">
+            <a:schemeClr val="accent1"/>
+          </a:effectRef>
+          <a:fontRef idx="minor">
+            <a:schemeClr val="tx1"/>
+          </a:fontRef>
+        </p:style>
+      </p:cxnSp>
+      <p:cxnSp>
+        <p:nvCxnSpPr>
+          <p:cNvPr id="26" name="Прямая со стрелкой 25">
+            <a:extLst>
+              <a:ext uri="{FF2B5EF4-FFF2-40B4-BE49-F238E27FC236}">
+                <a16:creationId xmlns:a16="http://schemas.microsoft.com/office/drawing/2014/main" id="{6C1A5310-DDB4-4DB5-84D1-3AB625825BB1}"/>
+              </a:ext>
+            </a:extLst>
+          </p:cNvPr>
+          <p:cNvCxnSpPr>
+            <a:cxnSpLocks/>
+            <a:stCxn id="19" idx="0"/>
+          </p:cNvCxnSpPr>
+          <p:nvPr/>
+        </p:nvCxnSpPr>
+        <p:spPr>
+          <a:xfrm flipV="1">
+            <a:off x="9635397" y="2362200"/>
+            <a:ext cx="0" cy="1244956"/>
+          </a:xfrm>
+          <a:prstGeom prst="straightConnector1">
+            <a:avLst/>
+          </a:prstGeom>
+          <a:ln>
+            <a:solidFill>
+              <a:schemeClr val="tx1"/>
+            </a:solidFill>
+            <a:tailEnd type="triangle"/>
+          </a:ln>
+        </p:spPr>
+        <p:style>
+          <a:lnRef idx="1">
+            <a:schemeClr val="accent1"/>
+          </a:lnRef>
+          <a:fillRef idx="0">
+            <a:schemeClr val="accent1"/>
+          </a:fillRef>
+          <a:effectRef idx="0">
+            <a:schemeClr val="accent1"/>
+          </a:effectRef>
+          <a:fontRef idx="minor">
+            <a:schemeClr val="tx1"/>
+          </a:fontRef>
+        </p:style>
+      </p:cxnSp>
+      <p:cxnSp>
+        <p:nvCxnSpPr>
+          <p:cNvPr id="28" name="Прямая со стрелкой 27">
+            <a:extLst>
+              <a:ext uri="{FF2B5EF4-FFF2-40B4-BE49-F238E27FC236}">
+                <a16:creationId xmlns:a16="http://schemas.microsoft.com/office/drawing/2014/main" id="{90133FA6-A8D6-4BCD-ACEB-C2A2A9A3D0F6}"/>
+              </a:ext>
+            </a:extLst>
+          </p:cNvPr>
+          <p:cNvCxnSpPr>
+            <a:cxnSpLocks/>
+            <a:stCxn id="20" idx="0"/>
+          </p:cNvCxnSpPr>
+          <p:nvPr/>
+        </p:nvCxnSpPr>
+        <p:spPr>
+          <a:xfrm flipH="1" flipV="1">
+            <a:off x="10503664" y="2277979"/>
+            <a:ext cx="700115" cy="1329177"/>
+          </a:xfrm>
+          <a:prstGeom prst="straightConnector1">
+            <a:avLst/>
+          </a:prstGeom>
+          <a:ln>
+            <a:solidFill>
+              <a:schemeClr val="tx1"/>
+            </a:solidFill>
+            <a:tailEnd type="triangle"/>
+          </a:ln>
+        </p:spPr>
+        <p:style>
+          <a:lnRef idx="1">
+            <a:schemeClr val="accent1"/>
+          </a:lnRef>
+          <a:fillRef idx="0">
+            <a:schemeClr val="accent1"/>
+          </a:fillRef>
+          <a:effectRef idx="0">
+            <a:schemeClr val="accent1"/>
+          </a:effectRef>
+          <a:fontRef idx="minor">
+            <a:schemeClr val="tx1"/>
+          </a:fontRef>
+        </p:style>
+      </p:cxnSp>
+      <p:cxnSp>
+        <p:nvCxnSpPr>
+          <p:cNvPr id="72" name="Прямая со стрелкой 71">
+            <a:extLst>
+              <a:ext uri="{FF2B5EF4-FFF2-40B4-BE49-F238E27FC236}">
+                <a16:creationId xmlns:a16="http://schemas.microsoft.com/office/drawing/2014/main" id="{830A44B6-CCFB-49CD-99B9-27665C7426DA}"/>
+              </a:ext>
+            </a:extLst>
+          </p:cNvPr>
+          <p:cNvCxnSpPr>
+            <a:cxnSpLocks/>
+            <a:stCxn id="21" idx="0"/>
+          </p:cNvCxnSpPr>
+          <p:nvPr/>
+        </p:nvCxnSpPr>
+        <p:spPr>
+          <a:xfrm flipH="1" flipV="1">
+            <a:off x="2744249" y="2362200"/>
+            <a:ext cx="790868" cy="1244954"/>
+          </a:xfrm>
+          <a:prstGeom prst="straightConnector1">
+            <a:avLst/>
+          </a:prstGeom>
+          <a:ln>
+            <a:tailEnd type="triangle"/>
+          </a:ln>
+        </p:spPr>
+        <p:style>
+          <a:lnRef idx="1">
+            <a:schemeClr val="dk1"/>
+          </a:lnRef>
+          <a:fillRef idx="0">
+            <a:schemeClr val="dk1"/>
+          </a:fillRef>
+          <a:effectRef idx="0">
+            <a:schemeClr val="dk1"/>
+          </a:effectRef>
+          <a:fontRef idx="minor">
+            <a:schemeClr val="tx1"/>
+          </a:fontRef>
+        </p:style>
+      </p:cxnSp>
+      <p:sp>
+        <p:nvSpPr>
+          <p:cNvPr id="79" name="TextBox 78">
+            <a:extLst>
+              <a:ext uri="{FF2B5EF4-FFF2-40B4-BE49-F238E27FC236}">
+                <a16:creationId xmlns:a16="http://schemas.microsoft.com/office/drawing/2014/main" id="{28B03C52-6A33-487B-8198-BB46175BD8D4}"/>
+              </a:ext>
+            </a:extLst>
+          </p:cNvPr>
+          <p:cNvSpPr txBox="1"/>
+          <p:nvPr/>
+        </p:nvSpPr>
+        <p:spPr>
+          <a:xfrm>
+            <a:off x="155672" y="890737"/>
+            <a:ext cx="2934265" cy="461665"/>
+          </a:xfrm>
+          <a:prstGeom prst="rect">
+            <a:avLst/>
+          </a:prstGeom>
+          <a:noFill/>
+        </p:spPr>
+        <p:txBody>
+          <a:bodyPr wrap="none" rtlCol="0">
+            <a:spAutoFit/>
+          </a:bodyPr>
+          <a:lstStyle/>
+          <a:p>
+            <a:r>
+              <a:rPr lang="ru-RU" sz="2400" b="1" dirty="0"/>
+              <a:t>Виртуальные классы</a:t>
+            </a:r>
+          </a:p>
+        </p:txBody>
+      </p:sp>
+      <p:sp>
+        <p:nvSpPr>
+          <p:cNvPr id="62" name="TextBox 61">
+            <a:extLst>
+              <a:ext uri="{FF2B5EF4-FFF2-40B4-BE49-F238E27FC236}">
+                <a16:creationId xmlns:a16="http://schemas.microsoft.com/office/drawing/2014/main" id="{9D94DDAA-ECBC-41F4-A2EC-36B51C7D9C5D}"/>
+              </a:ext>
+            </a:extLst>
+          </p:cNvPr>
+          <p:cNvSpPr txBox="1"/>
+          <p:nvPr/>
+        </p:nvSpPr>
+        <p:spPr>
+          <a:xfrm>
+            <a:off x="228600" y="4385685"/>
+            <a:ext cx="3200684" cy="461665"/>
+          </a:xfrm>
+          <a:prstGeom prst="rect">
+            <a:avLst/>
+          </a:prstGeom>
+          <a:noFill/>
+        </p:spPr>
+        <p:txBody>
+          <a:bodyPr wrap="none" rtlCol="0">
+            <a:spAutoFit/>
+          </a:bodyPr>
+          <a:lstStyle/>
+          <a:p>
+            <a:r>
+              <a:rPr lang="ru-RU" sz="2400" b="1" dirty="0"/>
+              <a:t>Содержательная часть</a:t>
+            </a:r>
+          </a:p>
+        </p:txBody>
+      </p:sp>
+      <p:pic>
+        <p:nvPicPr>
+          <p:cNvPr id="39" name="Рисунок 38" descr="Программист">
+            <a:extLst>
+              <a:ext uri="{FF2B5EF4-FFF2-40B4-BE49-F238E27FC236}">
+                <a16:creationId xmlns:a16="http://schemas.microsoft.com/office/drawing/2014/main" id="{AAA7C1B2-10D5-4908-9D51-D30D2C7C74B7}"/>
+              </a:ext>
+            </a:extLst>
+          </p:cNvPr>
+          <p:cNvPicPr>
+            <a:picLocks noChangeAspect="1"/>
+          </p:cNvPicPr>
+          <p:nvPr/>
+        </p:nvPicPr>
+        <p:blipFill>
+          <a:blip r:embed="rId3">
+            <a:extLst>
+              <a:ext uri="{28A0092B-C50C-407E-A947-70E740481C1C}">
+                <a14:useLocalDpi xmlns:a14="http://schemas.microsoft.com/office/drawing/2010/main" val="0"/>
+              </a:ext>
+              <a:ext uri="{96DAC541-7B7A-43D3-8B79-37D633B846F1}">
+                <asvg:svgBlip xmlns:asvg="http://schemas.microsoft.com/office/drawing/2016/SVG/main" r:embed="rId4"/>
+              </a:ext>
+            </a:extLst>
+          </a:blip>
+          <a:stretch>
+            <a:fillRect/>
+          </a:stretch>
+        </p:blipFill>
+        <p:spPr>
+          <a:xfrm>
+            <a:off x="534536" y="5753952"/>
+            <a:ext cx="914400" cy="914400"/>
           </a:xfrm>
           <a:prstGeom prst="rect">
             <a:avLst/>
           </a:prstGeom>
         </p:spPr>
-        <p:txBody>
-          <a:bodyPr wrap="square" lIns="0" tIns="0" rIns="0" bIns="0" rtlCol="0" anchor="t">
-            <a:spAutoFit/>
-          </a:bodyPr>
-          <a:lstStyle/>
-          <a:p>
-            <a:pPr rtl="0"/>
-            <a:r>
-              <a:rPr lang="ru-RU" sz="1600" b="1" dirty="0">
-                <a:solidFill>
-                  <a:schemeClr val="tx1">
-                    <a:lumMod val="75000"/>
-                    <a:lumOff val="25000"/>
-                  </a:schemeClr>
-                </a:solidFill>
-                <a:cs typeface="Segoe UI" panose="020B0502040204020203" pitchFamily="34" charset="0"/>
-              </a:rPr>
-              <a:t>Поиск определенного лица</a:t>
-            </a:r>
-          </a:p>
-          <a:p>
-            <a:pPr marL="285750" indent="-285750" rtl="0">
-              <a:buFont typeface="Arial" panose="020B0604020202020204" pitchFamily="34" charset="0"/>
-              <a:buChar char="•"/>
-            </a:pPr>
-            <a:r>
-              <a:rPr lang="en-US" sz="1600" b="1" dirty="0">
-                <a:solidFill>
-                  <a:schemeClr val="tx1">
-                    <a:lumMod val="75000"/>
-                    <a:lumOff val="25000"/>
-                  </a:schemeClr>
-                </a:solidFill>
-                <a:cs typeface="Segoe UI" panose="020B0502040204020203" pitchFamily="34" charset="0"/>
-              </a:rPr>
-              <a:t>OpenCV </a:t>
-            </a:r>
-            <a:r>
-              <a:rPr lang="en-US" sz="1600" b="1" dirty="0" err="1">
-                <a:solidFill>
-                  <a:schemeClr val="tx1">
-                    <a:lumMod val="75000"/>
-                    <a:lumOff val="25000"/>
-                  </a:schemeClr>
-                </a:solidFill>
-                <a:cs typeface="Segoe UI" panose="020B0502040204020203" pitchFamily="34" charset="0"/>
-              </a:rPr>
-              <a:t>Haar</a:t>
-            </a:r>
-            <a:endParaRPr lang="ru-RU" sz="1600" b="1" dirty="0">
-              <a:solidFill>
-                <a:schemeClr val="tx1">
-                  <a:lumMod val="75000"/>
-                  <a:lumOff val="25000"/>
-                </a:schemeClr>
-              </a:solidFill>
-              <a:cs typeface="Segoe UI" panose="020B0502040204020203" pitchFamily="34" charset="0"/>
-            </a:endParaRPr>
-          </a:p>
-          <a:p>
-            <a:r>
-              <a:rPr lang="ru-RU" sz="1600" dirty="0">
-                <a:solidFill>
-                  <a:schemeClr val="tx1">
-                    <a:lumMod val="75000"/>
-                    <a:lumOff val="25000"/>
-                  </a:schemeClr>
-                </a:solidFill>
-                <a:cs typeface="Segoe UI" panose="020B0502040204020203" pitchFamily="34" charset="0"/>
-              </a:rPr>
-              <a:t> Плохо работает с поворотом лица</a:t>
-            </a:r>
-          </a:p>
-          <a:p>
-            <a:r>
-              <a:rPr lang="ru-RU" sz="1600" dirty="0">
-                <a:solidFill>
-                  <a:schemeClr val="tx1">
-                    <a:lumMod val="75000"/>
-                    <a:lumOff val="25000"/>
-                  </a:schemeClr>
-                </a:solidFill>
-                <a:cs typeface="Segoe UI" panose="020B0502040204020203" pitchFamily="34" charset="0"/>
-              </a:rPr>
-              <a:t> Проблемы с коллизией </a:t>
-            </a:r>
-            <a:endParaRPr lang="en-US" sz="1600" dirty="0">
-              <a:solidFill>
-                <a:schemeClr val="tx1">
-                  <a:lumMod val="75000"/>
-                  <a:lumOff val="25000"/>
-                </a:schemeClr>
-              </a:solidFill>
-              <a:cs typeface="Segoe UI" panose="020B0502040204020203" pitchFamily="34" charset="0"/>
-            </a:endParaRPr>
-          </a:p>
-          <a:p>
-            <a:pPr marL="285750" indent="-285750">
-              <a:buFont typeface="Arial" panose="020B0604020202020204" pitchFamily="34" charset="0"/>
-              <a:buChar char="•"/>
-            </a:pPr>
-            <a:r>
-              <a:rPr lang="en-US" sz="1600" b="1" dirty="0">
-                <a:solidFill>
-                  <a:schemeClr val="tx1">
-                    <a:lumMod val="75000"/>
-                    <a:lumOff val="25000"/>
-                  </a:schemeClr>
-                </a:solidFill>
-                <a:cs typeface="Segoe UI" panose="020B0502040204020203" pitchFamily="34" charset="0"/>
-              </a:rPr>
-              <a:t>OpenCV DNN</a:t>
-            </a:r>
-            <a:endParaRPr lang="ru-RU" sz="1600" b="1" dirty="0">
-              <a:solidFill>
-                <a:schemeClr val="tx1">
-                  <a:lumMod val="75000"/>
-                  <a:lumOff val="25000"/>
-                </a:schemeClr>
-              </a:solidFill>
-              <a:cs typeface="Segoe UI" panose="020B0502040204020203" pitchFamily="34" charset="0"/>
-            </a:endParaRPr>
-          </a:p>
-          <a:p>
-            <a:r>
-              <a:rPr lang="ru-RU" sz="1600" dirty="0">
-                <a:solidFill>
-                  <a:schemeClr val="tx1">
-                    <a:lumMod val="75000"/>
-                    <a:lumOff val="25000"/>
-                  </a:schemeClr>
-                </a:solidFill>
-                <a:cs typeface="Segoe UI" panose="020B0502040204020203" pitchFamily="34" charset="0"/>
-              </a:rPr>
-              <a:t>Долго</a:t>
-            </a:r>
-            <a:endParaRPr lang="en-US" sz="1600" dirty="0">
-              <a:solidFill>
-                <a:schemeClr val="tx1">
-                  <a:lumMod val="75000"/>
-                  <a:lumOff val="25000"/>
-                </a:schemeClr>
-              </a:solidFill>
-              <a:cs typeface="Segoe UI" panose="020B0502040204020203" pitchFamily="34" charset="0"/>
-            </a:endParaRPr>
-          </a:p>
-          <a:p>
-            <a:endParaRPr lang="ru-RU" sz="1600" dirty="0">
-              <a:solidFill>
-                <a:schemeClr val="tx1">
-                  <a:lumMod val="75000"/>
-                  <a:lumOff val="25000"/>
-                </a:schemeClr>
-              </a:solidFill>
-              <a:cs typeface="Segoe UI" panose="020B0502040204020203" pitchFamily="34" charset="0"/>
-            </a:endParaRPr>
-          </a:p>
-          <a:p>
-            <a:pPr rtl="0"/>
-            <a:endParaRPr lang="ru-RU" sz="1600" b="1" dirty="0">
-              <a:solidFill>
-                <a:schemeClr val="tx1">
-                  <a:lumMod val="75000"/>
-                  <a:lumOff val="25000"/>
-                </a:schemeClr>
-              </a:solidFill>
-              <a:cs typeface="Segoe UI" panose="020B0502040204020203" pitchFamily="34" charset="0"/>
-            </a:endParaRPr>
-          </a:p>
-        </p:txBody>
-      </p:sp>
+      </p:pic>
+      <p:cxnSp>
+        <p:nvCxnSpPr>
+          <p:cNvPr id="41" name="Прямая со стрелкой 40">
+            <a:extLst>
+              <a:ext uri="{FF2B5EF4-FFF2-40B4-BE49-F238E27FC236}">
+                <a16:creationId xmlns:a16="http://schemas.microsoft.com/office/drawing/2014/main" id="{7197997A-3291-45A5-A8A7-66FEDC80C81F}"/>
+              </a:ext>
+            </a:extLst>
+          </p:cNvPr>
+          <p:cNvCxnSpPr>
+            <a:cxnSpLocks/>
+            <a:stCxn id="77" idx="2"/>
+          </p:cNvCxnSpPr>
+          <p:nvPr/>
+        </p:nvCxnSpPr>
+        <p:spPr>
+          <a:xfrm>
+            <a:off x="6090477" y="4962513"/>
+            <a:ext cx="5523" cy="914400"/>
+          </a:xfrm>
+          <a:prstGeom prst="straightConnector1">
+            <a:avLst/>
+          </a:prstGeom>
+          <a:ln w="19050">
+            <a:solidFill>
+              <a:schemeClr val="tx2"/>
+            </a:solidFill>
+            <a:headEnd type="triangle"/>
+            <a:tailEnd type="triangle"/>
+          </a:ln>
+        </p:spPr>
+        <p:style>
+          <a:lnRef idx="1">
+            <a:schemeClr val="accent1"/>
+          </a:lnRef>
+          <a:fillRef idx="0">
+            <a:schemeClr val="accent1"/>
+          </a:fillRef>
+          <a:effectRef idx="0">
+            <a:schemeClr val="accent1"/>
+          </a:effectRef>
+          <a:fontRef idx="minor">
+            <a:schemeClr val="tx1"/>
+          </a:fontRef>
+        </p:style>
+      </p:cxnSp>
     </p:spTree>
     <p:extLst>
       <p:ext uri="{BB962C8B-B14F-4D97-AF65-F5344CB8AC3E}">
-        <p14:creationId xmlns:p14="http://schemas.microsoft.com/office/powerpoint/2010/main" val="3158439504"/>
+        <p14:creationId xmlns:p14="http://schemas.microsoft.com/office/powerpoint/2010/main" val="3068159251"/>
       </p:ext>
     </p:extLst>
   </p:cSld>
